--- a/presentations/abschluss.pptx
+++ b/presentations/abschluss.pptx
@@ -32,18 +32,18 @@
     <p:sldId id="347" r:id="rId20"/>
     <p:sldId id="357" r:id="rId21"/>
     <p:sldId id="355" r:id="rId22"/>
-    <p:sldId id="300" r:id="rId23"/>
-    <p:sldId id="367" r:id="rId24"/>
-    <p:sldId id="365" r:id="rId25"/>
-    <p:sldId id="358" r:id="rId26"/>
-    <p:sldId id="364" r:id="rId27"/>
-    <p:sldId id="366" r:id="rId28"/>
-    <p:sldId id="328" r:id="rId29"/>
-    <p:sldId id="295" r:id="rId30"/>
-    <p:sldId id="304" r:id="rId31"/>
-    <p:sldId id="324" r:id="rId32"/>
-    <p:sldId id="325" r:id="rId33"/>
-    <p:sldId id="354" r:id="rId34"/>
+    <p:sldId id="365" r:id="rId23"/>
+    <p:sldId id="358" r:id="rId24"/>
+    <p:sldId id="364" r:id="rId25"/>
+    <p:sldId id="366" r:id="rId26"/>
+    <p:sldId id="328" r:id="rId27"/>
+    <p:sldId id="295" r:id="rId28"/>
+    <p:sldId id="304" r:id="rId29"/>
+    <p:sldId id="324" r:id="rId30"/>
+    <p:sldId id="325" r:id="rId31"/>
+    <p:sldId id="354" r:id="rId32"/>
+    <p:sldId id="300" r:id="rId33"/>
+    <p:sldId id="367" r:id="rId34"/>
   </p:sldIdLst>
   <p:sldSz cx="9144000" cy="6858000" type="screen4x3"/>
   <p:notesSz cx="6858000" cy="9144000"/>
@@ -198,8 +198,6 @@
             <p14:sldId id="347"/>
             <p14:sldId id="357"/>
             <p14:sldId id="355"/>
-            <p14:sldId id="300"/>
-            <p14:sldId id="367"/>
             <p14:sldId id="365"/>
             <p14:sldId id="358"/>
             <p14:sldId id="364"/>
@@ -210,6 +208,8 @@
             <p14:sldId id="324"/>
             <p14:sldId id="325"/>
             <p14:sldId id="354"/>
+            <p14:sldId id="300"/>
+            <p14:sldId id="367"/>
           </p14:sldIdLst>
         </p14:section>
       </p14:sectionLst>
@@ -2675,180 +2675,27 @@
           <a:bodyPr/>
           <a:lstStyle/>
           <a:p>
-            <a:pPr lvl="1"/>
-            <a:r>
-              <a:rPr lang="en-GB" dirty="0" err="1"/>
-              <a:t>Componenten</a:t>
-            </a:r>
-            <a:r>
-              <a:rPr lang="en-GB" baseline="0" dirty="0"/>
-              <a:t> Modell: </a:t>
-            </a:r>
-            <a:r>
-              <a:rPr lang="en-GB" baseline="0" dirty="0" err="1"/>
-              <a:t>Struktur</a:t>
-            </a:r>
-            <a:r>
-              <a:rPr lang="en-GB" baseline="0" dirty="0"/>
-              <a:t> und </a:t>
-            </a:r>
-            <a:r>
-              <a:rPr lang="en-GB" baseline="0" dirty="0" err="1"/>
-              <a:t>Verhalten</a:t>
-            </a:r>
-            <a:r>
-              <a:rPr lang="en-GB" baseline="0" dirty="0"/>
-              <a:t> von den Software </a:t>
-            </a:r>
-            <a:r>
-              <a:rPr lang="en-GB" baseline="0" dirty="0" err="1"/>
-              <a:t>Komponenten</a:t>
-            </a:r>
-            <a:endParaRPr lang="en-GB" baseline="0" dirty="0"/>
-          </a:p>
-          <a:p>
-            <a:pPr lvl="1"/>
-            <a:r>
-              <a:rPr lang="en-GB" baseline="0" dirty="0"/>
-              <a:t>Assembly Modell: </a:t>
-            </a:r>
-            <a:r>
-              <a:rPr lang="en-GB" baseline="0" dirty="0" err="1"/>
-              <a:t>Wie</a:t>
-            </a:r>
-            <a:r>
-              <a:rPr lang="en-GB" baseline="0" dirty="0"/>
-              <a:t> </a:t>
-            </a:r>
-            <a:r>
-              <a:rPr lang="en-GB" baseline="0" dirty="0" err="1"/>
-              <a:t>Komponenten</a:t>
-            </a:r>
-            <a:r>
-              <a:rPr lang="en-GB" baseline="0" dirty="0"/>
-              <a:t> </a:t>
-            </a:r>
-            <a:r>
-              <a:rPr lang="en-GB" baseline="0" dirty="0" err="1"/>
-              <a:t>verbunden</a:t>
-            </a:r>
-            <a:r>
-              <a:rPr lang="en-GB" baseline="0" dirty="0"/>
-              <a:t> </a:t>
-            </a:r>
-            <a:r>
-              <a:rPr lang="en-GB" baseline="0" dirty="0" err="1"/>
-              <a:t>sind</a:t>
-            </a:r>
-            <a:r>
-              <a:rPr lang="en-GB" baseline="0" dirty="0"/>
-              <a:t> um die </a:t>
-            </a:r>
-            <a:r>
-              <a:rPr lang="en-GB" baseline="0" dirty="0" err="1"/>
-              <a:t>Architektur</a:t>
-            </a:r>
-            <a:r>
-              <a:rPr lang="en-GB" baseline="0" dirty="0"/>
-              <a:t> </a:t>
-            </a:r>
-            <a:r>
-              <a:rPr lang="en-GB" baseline="0" dirty="0" err="1"/>
-              <a:t>zu</a:t>
-            </a:r>
-            <a:r>
-              <a:rPr lang="en-GB" baseline="0" dirty="0"/>
-              <a:t> </a:t>
-            </a:r>
-            <a:r>
-              <a:rPr lang="en-GB" baseline="0" dirty="0" err="1"/>
-              <a:t>bilden</a:t>
-            </a:r>
-            <a:endParaRPr lang="en-GB" baseline="0" dirty="0"/>
-          </a:p>
-          <a:p>
-            <a:pPr lvl="1"/>
-            <a:r>
-              <a:rPr lang="en-GB" dirty="0"/>
-              <a:t>Allocation Modell: </a:t>
-            </a:r>
-            <a:r>
-              <a:rPr lang="en-GB" dirty="0" err="1"/>
-              <a:t>Wie</a:t>
-            </a:r>
-            <a:r>
-              <a:rPr lang="en-GB" baseline="0" dirty="0"/>
-              <a:t> die </a:t>
-            </a:r>
-            <a:r>
-              <a:rPr lang="en-GB" baseline="0" dirty="0" err="1"/>
-              <a:t>Komponenten</a:t>
-            </a:r>
-            <a:r>
-              <a:rPr lang="en-GB" baseline="0" dirty="0"/>
-              <a:t> auf die </a:t>
-            </a:r>
-            <a:r>
-              <a:rPr lang="en-GB" baseline="0" dirty="0" err="1"/>
-              <a:t>Ressourcen</a:t>
-            </a:r>
-            <a:r>
-              <a:rPr lang="en-GB" baseline="0" dirty="0"/>
-              <a:t> </a:t>
-            </a:r>
-            <a:r>
-              <a:rPr lang="en-GB" baseline="0" dirty="0" err="1"/>
-              <a:t>abgebildet</a:t>
-            </a:r>
-            <a:r>
-              <a:rPr lang="en-GB" baseline="0" dirty="0"/>
-              <a:t> und </a:t>
-            </a:r>
-            <a:r>
-              <a:rPr lang="en-GB" baseline="0" dirty="0" err="1"/>
-              <a:t>welche</a:t>
-            </a:r>
-            <a:r>
-              <a:rPr lang="en-GB" baseline="0" dirty="0"/>
-              <a:t> </a:t>
-            </a:r>
-            <a:r>
-              <a:rPr lang="en-GB" baseline="0" dirty="0" err="1"/>
-              <a:t>Ressourcen</a:t>
-            </a:r>
-            <a:endParaRPr lang="en-GB" baseline="0" dirty="0"/>
-          </a:p>
-          <a:p>
-            <a:pPr lvl="1"/>
-            <a:r>
-              <a:rPr lang="en-GB" baseline="0" dirty="0"/>
-              <a:t>Usage Model: </a:t>
-            </a:r>
-            <a:r>
-              <a:rPr lang="en-GB" baseline="0" dirty="0" err="1"/>
-              <a:t>Wie</a:t>
-            </a:r>
-            <a:r>
-              <a:rPr lang="en-GB" baseline="0" dirty="0"/>
-              <a:t> System </a:t>
-            </a:r>
-            <a:r>
-              <a:rPr lang="en-GB" baseline="0" dirty="0" err="1"/>
-              <a:t>benutzt</a:t>
-            </a:r>
-            <a:r>
-              <a:rPr lang="en-GB" baseline="0" dirty="0"/>
-              <a:t>, </a:t>
-            </a:r>
-            <a:r>
-              <a:rPr lang="en-GB" baseline="0" dirty="0" err="1"/>
-              <a:t>welcher</a:t>
-            </a:r>
-            <a:r>
-              <a:rPr lang="en-GB" baseline="0" dirty="0"/>
-              <a:t> workload</a:t>
-            </a:r>
-            <a:endParaRPr lang="en-GB" dirty="0"/>
+            <a:pPr marL="457200" marR="0" lvl="1" indent="0" algn="l" defTabSz="914400" rtl="0" eaLnBrk="0" fontAlgn="base" latinLnBrk="0" hangingPunct="0">
+              <a:lnSpc>
+                <a:spcPct val="100000"/>
+              </a:lnSpc>
+              <a:spcBef>
+                <a:spcPct val="30000"/>
+              </a:spcBef>
+              <a:spcAft>
+                <a:spcPct val="0"/>
+              </a:spcAft>
+              <a:buClrTx/>
+              <a:buSzTx/>
+              <a:buFontTx/>
+              <a:buNone/>
+              <a:tabLst/>
+              <a:defRPr/>
+            </a:pPr>
+            <a:r>
+              <a:rPr lang="de-DE" noProof="0" dirty="0"/>
+              <a:t>Aufgeteilt in Test/Validierungsdaten</a:t>
+            </a:r>
           </a:p>
         </p:txBody>
       </p:sp>
@@ -2879,7 +2726,7 @@
                 <a:cs typeface="Arial" charset="0"/>
               </a:rPr>
               <a:pPr/>
-              <a:t>22</a:t>
+              <a:t>23</a:t>
             </a:fld>
             <a:endParaRPr lang="en-GB">
               <a:cs typeface="Arial" charset="0"/>
@@ -2890,7 +2737,7 @@
     </p:spTree>
     <p:extLst>
       <p:ext uri="{BB962C8B-B14F-4D97-AF65-F5344CB8AC3E}">
-        <p14:creationId xmlns:p14="http://schemas.microsoft.com/office/powerpoint/2010/main" val="2974492368"/>
+        <p14:creationId xmlns:p14="http://schemas.microsoft.com/office/powerpoint/2010/main" val="2616066853"/>
       </p:ext>
     </p:extLst>
   </p:cSld>
@@ -2919,7 +2766,7 @@
       </p:grpSpPr>
       <p:sp>
         <p:nvSpPr>
-          <p:cNvPr id="2" name="Folienbildplatzhalter 1"/>
+          <p:cNvPr id="18433" name="Folienbildplatzhalter 1"/>
           <p:cNvSpPr>
             <a:spLocks noGrp="1" noRot="1" noChangeAspect="1"/>
           </p:cNvSpPr>
@@ -2927,11 +2774,13 @@
             <p:ph type="sldImg"/>
           </p:nvPr>
         </p:nvSpPr>
-        <p:spPr/>
+        <p:spPr>
+          <a:ln/>
+        </p:spPr>
       </p:sp>
       <p:sp>
         <p:nvSpPr>
-          <p:cNvPr id="3" name="Notizenplatzhalter 2"/>
+          <p:cNvPr id="18434" name="Notizenplatzhalter 2"/>
           <p:cNvSpPr>
             <a:spLocks noGrp="1"/>
           </p:cNvSpPr>
@@ -2939,12 +2788,14 @@
             <p:ph type="body" idx="1"/>
           </p:nvPr>
         </p:nvSpPr>
-        <p:spPr/>
+        <p:spPr>
+          <a:noFill/>
+        </p:spPr>
         <p:txBody>
           <a:bodyPr/>
           <a:lstStyle/>
           <a:p>
-            <a:pPr marL="0" marR="0" lvl="0" indent="0" algn="l" defTabSz="914400" rtl="0" eaLnBrk="0" fontAlgn="base" latinLnBrk="0" hangingPunct="0">
+            <a:pPr marL="457200" marR="0" lvl="1" indent="0" algn="l" defTabSz="914400" rtl="0" eaLnBrk="0" fontAlgn="base" latinLnBrk="0" hangingPunct="0">
               <a:lnSpc>
                 <a:spcPct val="100000"/>
               </a:lnSpc>
@@ -2962,18 +2813,15 @@
               <a:defRPr/>
             </a:pPr>
             <a:r>
-              <a:rPr lang="de-DE" sz="1200" dirty="0"/>
-              <a:t> leitet Request abhängig von Lastverteilungsstrategie an</a:t>
-            </a:r>
-          </a:p>
-          <a:p>
-            <a:endParaRPr lang="de-DE" dirty="0"/>
+              <a:rPr lang="de-DE" noProof="0" dirty="0"/>
+              <a:t>Ein Simulationslauf 24min auf dem Laptop</a:t>
+            </a:r>
           </a:p>
         </p:txBody>
       </p:sp>
       <p:sp>
         <p:nvSpPr>
-          <p:cNvPr id="4" name="Foliennummernplatzhalter 3"/>
+          <p:cNvPr id="18435" name="Foliennummernplatzhalter 3"/>
           <p:cNvSpPr>
             <a:spLocks noGrp="1"/>
           </p:cNvSpPr>
@@ -2981,29 +2829,35 @@
             <p:ph type="sldNum" sz="quarter" idx="5"/>
           </p:nvPr>
         </p:nvSpPr>
-        <p:spPr/>
+        <p:spPr>
+          <a:noFill/>
+          <a:ln>
+            <a:miter lim="800000"/>
+            <a:headEnd/>
+            <a:tailEnd/>
+          </a:ln>
+        </p:spPr>
         <p:txBody>
           <a:bodyPr/>
           <a:lstStyle/>
           <a:p>
-            <a:pPr>
-              <a:defRPr/>
-            </a:pPr>
-            <a:fld id="{F57F5662-82C5-40BC-9C78-3AF0DD97B190}" type="slidenum">
-              <a:rPr lang="en-GB" smtClean="0"/>
-              <a:pPr>
-                <a:defRPr/>
-              </a:pPr>
-              <a:t>23</a:t>
+            <a:fld id="{D068F00D-1DBB-4EA3-9C27-90DB30B34AF1}" type="slidenum">
+              <a:rPr lang="en-GB" smtClean="0">
+                <a:cs typeface="Arial" charset="0"/>
+              </a:rPr>
+              <a:pPr/>
+              <a:t>24</a:t>
             </a:fld>
-            <a:endParaRPr lang="en-GB"/>
+            <a:endParaRPr lang="en-GB">
+              <a:cs typeface="Arial" charset="0"/>
+            </a:endParaRPr>
           </a:p>
         </p:txBody>
       </p:sp>
     </p:spTree>
     <p:extLst>
       <p:ext uri="{BB962C8B-B14F-4D97-AF65-F5344CB8AC3E}">
-        <p14:creationId xmlns:p14="http://schemas.microsoft.com/office/powerpoint/2010/main" val="1325507284"/>
+        <p14:creationId xmlns:p14="http://schemas.microsoft.com/office/powerpoint/2010/main" val="1023666837"/>
       </p:ext>
     </p:extLst>
   </p:cSld>
@@ -3061,27 +2915,8 @@
           <a:bodyPr/>
           <a:lstStyle/>
           <a:p>
-            <a:pPr marL="457200" marR="0" lvl="1" indent="0" algn="l" defTabSz="914400" rtl="0" eaLnBrk="0" fontAlgn="base" latinLnBrk="0" hangingPunct="0">
-              <a:lnSpc>
-                <a:spcPct val="100000"/>
-              </a:lnSpc>
-              <a:spcBef>
-                <a:spcPct val="30000"/>
-              </a:spcBef>
-              <a:spcAft>
-                <a:spcPct val="0"/>
-              </a:spcAft>
-              <a:buClrTx/>
-              <a:buSzTx/>
-              <a:buFontTx/>
-              <a:buNone/>
-              <a:tabLst/>
-              <a:defRPr/>
-            </a:pPr>
-            <a:r>
-              <a:rPr lang="de-DE" noProof="0" dirty="0"/>
-              <a:t>Aufgeteilt in Test/Validierungsdaten</a:t>
-            </a:r>
+            <a:pPr lvl="1"/>
+            <a:endParaRPr lang="de-DE" noProof="0" dirty="0"/>
           </a:p>
         </p:txBody>
       </p:sp>
@@ -3123,7 +2958,7 @@
     </p:spTree>
     <p:extLst>
       <p:ext uri="{BB962C8B-B14F-4D97-AF65-F5344CB8AC3E}">
-        <p14:creationId xmlns:p14="http://schemas.microsoft.com/office/powerpoint/2010/main" val="2616066853"/>
+        <p14:creationId xmlns:p14="http://schemas.microsoft.com/office/powerpoint/2010/main" val="906818688"/>
       </p:ext>
     </p:extLst>
   </p:cSld>
@@ -3181,27 +3016,8 @@
           <a:bodyPr/>
           <a:lstStyle/>
           <a:p>
-            <a:pPr marL="457200" marR="0" lvl="1" indent="0" algn="l" defTabSz="914400" rtl="0" eaLnBrk="0" fontAlgn="base" latinLnBrk="0" hangingPunct="0">
-              <a:lnSpc>
-                <a:spcPct val="100000"/>
-              </a:lnSpc>
-              <a:spcBef>
-                <a:spcPct val="30000"/>
-              </a:spcBef>
-              <a:spcAft>
-                <a:spcPct val="0"/>
-              </a:spcAft>
-              <a:buClrTx/>
-              <a:buSzTx/>
-              <a:buFontTx/>
-              <a:buNone/>
-              <a:tabLst/>
-              <a:defRPr/>
-            </a:pPr>
-            <a:r>
-              <a:rPr lang="de-DE" noProof="0" dirty="0"/>
-              <a:t>Ein Simulationslauf 24min auf dem Laptop</a:t>
-            </a:r>
+            <a:pPr lvl="1"/>
+            <a:endParaRPr lang="de-DE" noProof="0" dirty="0"/>
           </a:p>
         </p:txBody>
       </p:sp>
@@ -3243,7 +3059,7 @@
     </p:spTree>
     <p:extLst>
       <p:ext uri="{BB962C8B-B14F-4D97-AF65-F5344CB8AC3E}">
-        <p14:creationId xmlns:p14="http://schemas.microsoft.com/office/powerpoint/2010/main" val="1023666837"/>
+        <p14:creationId xmlns:p14="http://schemas.microsoft.com/office/powerpoint/2010/main" val="141870550"/>
       </p:ext>
     </p:extLst>
   </p:cSld>
@@ -3302,7 +3118,32 @@
           <a:lstStyle/>
           <a:p>
             <a:pPr lvl="1"/>
-            <a:endParaRPr lang="de-DE" noProof="0" dirty="0"/>
+            <a:r>
+              <a:rPr lang="de-DE" dirty="0"/>
+              <a:t>170 Rechenzentren</a:t>
+            </a:r>
+          </a:p>
+          <a:p>
+            <a:pPr lvl="1"/>
+            <a:r>
+              <a:rPr lang="de-DE" dirty="0"/>
+              <a:t>42 Länder </a:t>
+            </a:r>
+          </a:p>
+          <a:p>
+            <a:pPr lvl="1"/>
+            <a:r>
+              <a:rPr lang="de-DE" dirty="0"/>
+              <a:t>72.000 CPUs</a:t>
+            </a:r>
+          </a:p>
+          <a:p>
+            <a:pPr lvl="1"/>
+            <a:r>
+              <a:rPr lang="de-DE" dirty="0"/>
+              <a:t>Führt täglich 2 Millionen aus</a:t>
+            </a:r>
+            <a:endParaRPr lang="en-GB" dirty="0"/>
           </a:p>
         </p:txBody>
       </p:sp>
@@ -3344,7 +3185,7 @@
     </p:spTree>
     <p:extLst>
       <p:ext uri="{BB962C8B-B14F-4D97-AF65-F5344CB8AC3E}">
-        <p14:creationId xmlns:p14="http://schemas.microsoft.com/office/powerpoint/2010/main" val="906818688"/>
+        <p14:creationId xmlns:p14="http://schemas.microsoft.com/office/powerpoint/2010/main" val="541056630"/>
       </p:ext>
     </p:extLst>
   </p:cSld>
@@ -3403,7 +3244,7 @@
           <a:lstStyle/>
           <a:p>
             <a:pPr lvl="1"/>
-            <a:endParaRPr lang="de-DE" noProof="0" dirty="0"/>
+            <a:endParaRPr lang="en-GB" dirty="0"/>
           </a:p>
         </p:txBody>
       </p:sp>
@@ -3445,7 +3286,7 @@
     </p:spTree>
     <p:extLst>
       <p:ext uri="{BB962C8B-B14F-4D97-AF65-F5344CB8AC3E}">
-        <p14:creationId xmlns:p14="http://schemas.microsoft.com/office/powerpoint/2010/main" val="141870550"/>
+        <p14:creationId xmlns:p14="http://schemas.microsoft.com/office/powerpoint/2010/main" val="212508573"/>
       </p:ext>
     </p:extLst>
   </p:cSld>
@@ -3504,31 +3345,6 @@
           <a:lstStyle/>
           <a:p>
             <a:pPr lvl="1"/>
-            <a:r>
-              <a:rPr lang="de-DE" dirty="0"/>
-              <a:t>170 Rechenzentren</a:t>
-            </a:r>
-          </a:p>
-          <a:p>
-            <a:pPr lvl="1"/>
-            <a:r>
-              <a:rPr lang="de-DE" dirty="0"/>
-              <a:t>42 Länder </a:t>
-            </a:r>
-          </a:p>
-          <a:p>
-            <a:pPr lvl="1"/>
-            <a:r>
-              <a:rPr lang="de-DE" dirty="0"/>
-              <a:t>72.000 CPUs</a:t>
-            </a:r>
-          </a:p>
-          <a:p>
-            <a:pPr lvl="1"/>
-            <a:r>
-              <a:rPr lang="de-DE" dirty="0"/>
-              <a:t>Führt täglich 2 Millionen aus</a:t>
-            </a:r>
             <a:endParaRPr lang="en-GB" dirty="0"/>
           </a:p>
         </p:txBody>
@@ -3571,7 +3387,7 @@
     </p:spTree>
     <p:extLst>
       <p:ext uri="{BB962C8B-B14F-4D97-AF65-F5344CB8AC3E}">
-        <p14:creationId xmlns:p14="http://schemas.microsoft.com/office/powerpoint/2010/main" val="541056630"/>
+        <p14:creationId xmlns:p14="http://schemas.microsoft.com/office/powerpoint/2010/main" val="301261816"/>
       </p:ext>
     </p:extLst>
   </p:cSld>
@@ -3672,7 +3488,7 @@
     </p:spTree>
     <p:extLst>
       <p:ext uri="{BB962C8B-B14F-4D97-AF65-F5344CB8AC3E}">
-        <p14:creationId xmlns:p14="http://schemas.microsoft.com/office/powerpoint/2010/main" val="212508573"/>
+        <p14:creationId xmlns:p14="http://schemas.microsoft.com/office/powerpoint/2010/main" val="1098058301"/>
       </p:ext>
     </p:extLst>
   </p:cSld>
@@ -3730,8 +3546,24 @@
           <a:bodyPr/>
           <a:lstStyle/>
           <a:p>
-            <a:pPr lvl="1"/>
-            <a:endParaRPr lang="en-GB" dirty="0"/>
+            <a:pPr marL="457200" marR="0" lvl="1" indent="0" algn="l" defTabSz="914400" rtl="0" eaLnBrk="0" fontAlgn="base" latinLnBrk="0" hangingPunct="0">
+              <a:lnSpc>
+                <a:spcPct val="100000"/>
+              </a:lnSpc>
+              <a:spcBef>
+                <a:spcPct val="30000"/>
+              </a:spcBef>
+              <a:spcAft>
+                <a:spcPct val="0"/>
+              </a:spcAft>
+              <a:buClrTx/>
+              <a:buSzTx/>
+              <a:buFontTx/>
+              <a:buNone/>
+              <a:tabLst/>
+              <a:defRPr/>
+            </a:pPr>
+            <a:endParaRPr lang="de-DE" noProof="0" dirty="0"/>
           </a:p>
         </p:txBody>
       </p:sp>
@@ -3773,7 +3605,7 @@
     </p:spTree>
     <p:extLst>
       <p:ext uri="{BB962C8B-B14F-4D97-AF65-F5344CB8AC3E}">
-        <p14:creationId xmlns:p14="http://schemas.microsoft.com/office/powerpoint/2010/main" val="301261816"/>
+        <p14:creationId xmlns:p14="http://schemas.microsoft.com/office/powerpoint/2010/main" val="1792668973"/>
       </p:ext>
     </p:extLst>
   </p:cSld>
@@ -3904,97 +3736,6 @@
             </a:r>
           </a:p>
           <a:p>
-            <a:endParaRPr lang="en-GB" dirty="0"/>
-          </a:p>
-          <a:p>
-            <a:r>
-              <a:rPr lang="en-GB" dirty="0"/>
-              <a:t>Und </a:t>
-            </a:r>
-            <a:r>
-              <a:rPr lang="en-GB" dirty="0" err="1"/>
-              <a:t>damit</a:t>
-            </a:r>
-            <a:r>
-              <a:rPr lang="en-GB" dirty="0"/>
-              <a:t> </a:t>
-            </a:r>
-            <a:r>
-              <a:rPr lang="en-GB" dirty="0" err="1"/>
-              <a:t>beide</a:t>
-            </a:r>
-            <a:r>
-              <a:rPr lang="en-GB" dirty="0"/>
-              <a:t> </a:t>
-            </a:r>
-            <a:r>
-              <a:rPr lang="en-GB" dirty="0" err="1"/>
-              <a:t>Probelme</a:t>
-            </a:r>
-            <a:r>
-              <a:rPr lang="en-GB" dirty="0"/>
-              <a:t> </a:t>
-            </a:r>
-            <a:r>
-              <a:rPr lang="en-GB" dirty="0" err="1"/>
-              <a:t>lösen</a:t>
-            </a:r>
-            <a:r>
-              <a:rPr lang="en-GB" dirty="0"/>
-              <a:t>: </a:t>
-            </a:r>
-            <a:r>
-              <a:rPr lang="en-GB" dirty="0" err="1"/>
-              <a:t>Höhere</a:t>
-            </a:r>
-            <a:r>
-              <a:rPr lang="en-GB" dirty="0"/>
-              <a:t> </a:t>
-            </a:r>
-            <a:r>
-              <a:rPr lang="en-GB" dirty="0" err="1"/>
-              <a:t>effizienz</a:t>
-            </a:r>
-            <a:r>
-              <a:rPr lang="en-GB" dirty="0"/>
-              <a:t> </a:t>
-            </a:r>
-            <a:r>
-              <a:rPr lang="en-GB" dirty="0" err="1"/>
-              <a:t>schaffen</a:t>
-            </a:r>
-            <a:r>
-              <a:rPr lang="en-GB" dirty="0"/>
-              <a:t> und </a:t>
-            </a:r>
-            <a:r>
-              <a:rPr lang="en-GB" dirty="0" err="1"/>
-              <a:t>mit</a:t>
-            </a:r>
-            <a:r>
-              <a:rPr lang="en-GB" dirty="0"/>
-              <a:t> </a:t>
-            </a:r>
-            <a:r>
-              <a:rPr lang="en-GB" dirty="0" err="1"/>
-              <a:t>heterogenerem</a:t>
-            </a:r>
-            <a:r>
-              <a:rPr lang="en-GB" dirty="0"/>
-              <a:t> System </a:t>
-            </a:r>
-            <a:r>
-              <a:rPr lang="en-GB" dirty="0" err="1"/>
-              <a:t>umgehen</a:t>
-            </a:r>
-            <a:r>
-              <a:rPr lang="en-GB" dirty="0"/>
-              <a:t> </a:t>
-            </a:r>
-            <a:r>
-              <a:rPr lang="en-GB" dirty="0" err="1"/>
-              <a:t>können</a:t>
-            </a:r>
             <a:endParaRPr lang="en-GB" dirty="0"/>
           </a:p>
         </p:txBody>
@@ -4096,6 +3837,170 @@
           <a:lstStyle/>
           <a:p>
             <a:pPr lvl="1"/>
+            <a:r>
+              <a:rPr lang="en-GB" dirty="0" err="1"/>
+              <a:t>Componenten</a:t>
+            </a:r>
+            <a:r>
+              <a:rPr lang="en-GB" baseline="0" dirty="0"/>
+              <a:t> Modell: </a:t>
+            </a:r>
+            <a:r>
+              <a:rPr lang="en-GB" baseline="0" dirty="0" err="1"/>
+              <a:t>Struktur</a:t>
+            </a:r>
+            <a:r>
+              <a:rPr lang="en-GB" baseline="0" dirty="0"/>
+              <a:t> und </a:t>
+            </a:r>
+            <a:r>
+              <a:rPr lang="en-GB" baseline="0" dirty="0" err="1"/>
+              <a:t>Verhalten</a:t>
+            </a:r>
+            <a:r>
+              <a:rPr lang="en-GB" baseline="0" dirty="0"/>
+              <a:t> von den Software </a:t>
+            </a:r>
+            <a:r>
+              <a:rPr lang="en-GB" baseline="0" dirty="0" err="1"/>
+              <a:t>Komponenten</a:t>
+            </a:r>
+            <a:endParaRPr lang="en-GB" baseline="0" dirty="0"/>
+          </a:p>
+          <a:p>
+            <a:pPr lvl="1"/>
+            <a:r>
+              <a:rPr lang="en-GB" baseline="0" dirty="0"/>
+              <a:t>Assembly Modell: </a:t>
+            </a:r>
+            <a:r>
+              <a:rPr lang="en-GB" baseline="0" dirty="0" err="1"/>
+              <a:t>Wie</a:t>
+            </a:r>
+            <a:r>
+              <a:rPr lang="en-GB" baseline="0" dirty="0"/>
+              <a:t> </a:t>
+            </a:r>
+            <a:r>
+              <a:rPr lang="en-GB" baseline="0" dirty="0" err="1"/>
+              <a:t>Komponenten</a:t>
+            </a:r>
+            <a:r>
+              <a:rPr lang="en-GB" baseline="0" dirty="0"/>
+              <a:t> </a:t>
+            </a:r>
+            <a:r>
+              <a:rPr lang="en-GB" baseline="0" dirty="0" err="1"/>
+              <a:t>verbunden</a:t>
+            </a:r>
+            <a:r>
+              <a:rPr lang="en-GB" baseline="0" dirty="0"/>
+              <a:t> </a:t>
+            </a:r>
+            <a:r>
+              <a:rPr lang="en-GB" baseline="0" dirty="0" err="1"/>
+              <a:t>sind</a:t>
+            </a:r>
+            <a:r>
+              <a:rPr lang="en-GB" baseline="0" dirty="0"/>
+              <a:t> um die </a:t>
+            </a:r>
+            <a:r>
+              <a:rPr lang="en-GB" baseline="0" dirty="0" err="1"/>
+              <a:t>Architektur</a:t>
+            </a:r>
+            <a:r>
+              <a:rPr lang="en-GB" baseline="0" dirty="0"/>
+              <a:t> </a:t>
+            </a:r>
+            <a:r>
+              <a:rPr lang="en-GB" baseline="0" dirty="0" err="1"/>
+              <a:t>zu</a:t>
+            </a:r>
+            <a:r>
+              <a:rPr lang="en-GB" baseline="0" dirty="0"/>
+              <a:t> </a:t>
+            </a:r>
+            <a:r>
+              <a:rPr lang="en-GB" baseline="0" dirty="0" err="1"/>
+              <a:t>bilden</a:t>
+            </a:r>
+            <a:endParaRPr lang="en-GB" baseline="0" dirty="0"/>
+          </a:p>
+          <a:p>
+            <a:pPr lvl="1"/>
+            <a:r>
+              <a:rPr lang="en-GB" dirty="0"/>
+              <a:t>Allocation Modell: </a:t>
+            </a:r>
+            <a:r>
+              <a:rPr lang="en-GB" dirty="0" err="1"/>
+              <a:t>Wie</a:t>
+            </a:r>
+            <a:r>
+              <a:rPr lang="en-GB" baseline="0" dirty="0"/>
+              <a:t> die </a:t>
+            </a:r>
+            <a:r>
+              <a:rPr lang="en-GB" baseline="0" dirty="0" err="1"/>
+              <a:t>Komponenten</a:t>
+            </a:r>
+            <a:r>
+              <a:rPr lang="en-GB" baseline="0" dirty="0"/>
+              <a:t> auf die </a:t>
+            </a:r>
+            <a:r>
+              <a:rPr lang="en-GB" baseline="0" dirty="0" err="1"/>
+              <a:t>Ressourcen</a:t>
+            </a:r>
+            <a:r>
+              <a:rPr lang="en-GB" baseline="0" dirty="0"/>
+              <a:t> </a:t>
+            </a:r>
+            <a:r>
+              <a:rPr lang="en-GB" baseline="0" dirty="0" err="1"/>
+              <a:t>abgebildet</a:t>
+            </a:r>
+            <a:r>
+              <a:rPr lang="en-GB" baseline="0" dirty="0"/>
+              <a:t> und </a:t>
+            </a:r>
+            <a:r>
+              <a:rPr lang="en-GB" baseline="0" dirty="0" err="1"/>
+              <a:t>welche</a:t>
+            </a:r>
+            <a:r>
+              <a:rPr lang="en-GB" baseline="0" dirty="0"/>
+              <a:t> </a:t>
+            </a:r>
+            <a:r>
+              <a:rPr lang="en-GB" baseline="0" dirty="0" err="1"/>
+              <a:t>Ressourcen</a:t>
+            </a:r>
+            <a:endParaRPr lang="en-GB" baseline="0" dirty="0"/>
+          </a:p>
+          <a:p>
+            <a:pPr lvl="1"/>
+            <a:r>
+              <a:rPr lang="en-GB" baseline="0" dirty="0"/>
+              <a:t>Usage Model: Wie System </a:t>
+            </a:r>
+            <a:r>
+              <a:rPr lang="en-GB" baseline="0" dirty="0" err="1"/>
+              <a:t>benutzt</a:t>
+            </a:r>
+            <a:r>
+              <a:rPr lang="en-GB" baseline="0" dirty="0"/>
+              <a:t>, </a:t>
+            </a:r>
+            <a:r>
+              <a:rPr lang="en-GB" baseline="0" dirty="0" err="1"/>
+              <a:t>welcher</a:t>
+            </a:r>
+            <a:r>
+              <a:rPr lang="en-GB" baseline="0" dirty="0"/>
+              <a:t> workload</a:t>
+            </a:r>
             <a:endParaRPr lang="en-GB" dirty="0"/>
           </a:p>
         </p:txBody>
@@ -4138,7 +4043,7 @@
     </p:spTree>
     <p:extLst>
       <p:ext uri="{BB962C8B-B14F-4D97-AF65-F5344CB8AC3E}">
-        <p14:creationId xmlns:p14="http://schemas.microsoft.com/office/powerpoint/2010/main" val="1098058301"/>
+        <p14:creationId xmlns:p14="http://schemas.microsoft.com/office/powerpoint/2010/main" val="2974492368"/>
       </p:ext>
     </p:extLst>
   </p:cSld>
@@ -4167,7 +4072,7 @@
       </p:grpSpPr>
       <p:sp>
         <p:nvSpPr>
-          <p:cNvPr id="18433" name="Folienbildplatzhalter 1"/>
+          <p:cNvPr id="2" name="Folienbildplatzhalter 1"/>
           <p:cNvSpPr>
             <a:spLocks noGrp="1" noRot="1" noChangeAspect="1"/>
           </p:cNvSpPr>
@@ -4175,13 +4080,11 @@
             <p:ph type="sldImg"/>
           </p:nvPr>
         </p:nvSpPr>
-        <p:spPr>
-          <a:ln/>
-        </p:spPr>
+        <p:spPr/>
       </p:sp>
       <p:sp>
         <p:nvSpPr>
-          <p:cNvPr id="18434" name="Notizenplatzhalter 2"/>
+          <p:cNvPr id="3" name="Notizenplatzhalter 2"/>
           <p:cNvSpPr>
             <a:spLocks noGrp="1"/>
           </p:cNvSpPr>
@@ -4189,14 +4092,12 @@
             <p:ph type="body" idx="1"/>
           </p:nvPr>
         </p:nvSpPr>
-        <p:spPr>
-          <a:noFill/>
-        </p:spPr>
+        <p:spPr/>
         <p:txBody>
           <a:bodyPr/>
           <a:lstStyle/>
           <a:p>
-            <a:pPr marL="457200" marR="0" lvl="1" indent="0" algn="l" defTabSz="914400" rtl="0" eaLnBrk="0" fontAlgn="base" latinLnBrk="0" hangingPunct="0">
+            <a:pPr marL="0" marR="0" lvl="0" indent="0" algn="l" defTabSz="914400" rtl="0" eaLnBrk="0" fontAlgn="base" latinLnBrk="0" hangingPunct="0">
               <a:lnSpc>
                 <a:spcPct val="100000"/>
               </a:lnSpc>
@@ -4213,13 +4114,19 @@
               <a:tabLst/>
               <a:defRPr/>
             </a:pPr>
-            <a:endParaRPr lang="de-DE" noProof="0" dirty="0"/>
+            <a:r>
+              <a:rPr lang="de-DE" sz="1200" dirty="0"/>
+              <a:t> leitet Request abhängig von Lastverteilungsstrategie an</a:t>
+            </a:r>
+          </a:p>
+          <a:p>
+            <a:endParaRPr lang="de-DE" dirty="0"/>
           </a:p>
         </p:txBody>
       </p:sp>
       <p:sp>
         <p:nvSpPr>
-          <p:cNvPr id="18435" name="Foliennummernplatzhalter 3"/>
+          <p:cNvPr id="4" name="Foliennummernplatzhalter 3"/>
           <p:cNvSpPr>
             <a:spLocks noGrp="1"/>
           </p:cNvSpPr>
@@ -4227,35 +4134,29 @@
             <p:ph type="sldNum" sz="quarter" idx="5"/>
           </p:nvPr>
         </p:nvSpPr>
-        <p:spPr>
-          <a:noFill/>
-          <a:ln>
-            <a:miter lim="800000"/>
-            <a:headEnd/>
-            <a:tailEnd/>
-          </a:ln>
-        </p:spPr>
+        <p:spPr/>
         <p:txBody>
           <a:bodyPr/>
           <a:lstStyle/>
           <a:p>
-            <a:fld id="{D068F00D-1DBB-4EA3-9C27-90DB30B34AF1}" type="slidenum">
-              <a:rPr lang="en-GB" smtClean="0">
-                <a:cs typeface="Arial" charset="0"/>
-              </a:rPr>
-              <a:pPr/>
+            <a:pPr>
+              <a:defRPr/>
+            </a:pPr>
+            <a:fld id="{F57F5662-82C5-40BC-9C78-3AF0DD97B190}" type="slidenum">
+              <a:rPr lang="en-GB" smtClean="0"/>
+              <a:pPr>
+                <a:defRPr/>
+              </a:pPr>
               <a:t>33</a:t>
             </a:fld>
-            <a:endParaRPr lang="en-GB">
-              <a:cs typeface="Arial" charset="0"/>
-            </a:endParaRPr>
+            <a:endParaRPr lang="en-GB"/>
           </a:p>
         </p:txBody>
       </p:sp>
     </p:spTree>
     <p:extLst>
       <p:ext uri="{BB962C8B-B14F-4D97-AF65-F5344CB8AC3E}">
-        <p14:creationId xmlns:p14="http://schemas.microsoft.com/office/powerpoint/2010/main" val="1792668973"/>
+        <p14:creationId xmlns:p14="http://schemas.microsoft.com/office/powerpoint/2010/main" val="1325507284"/>
       </p:ext>
     </p:extLst>
   </p:cSld>
@@ -4312,6 +4213,114 @@
         <p:txBody>
           <a:bodyPr/>
           <a:lstStyle/>
+          <a:p>
+            <a:pPr marL="457200" marR="0" lvl="1" indent="0" algn="l" defTabSz="914400" rtl="0" eaLnBrk="0" fontAlgn="base" latinLnBrk="0" hangingPunct="0">
+              <a:lnSpc>
+                <a:spcPct val="100000"/>
+              </a:lnSpc>
+              <a:spcBef>
+                <a:spcPct val="30000"/>
+              </a:spcBef>
+              <a:spcAft>
+                <a:spcPct val="0"/>
+              </a:spcAft>
+              <a:buClrTx/>
+              <a:buSzTx/>
+              <a:buFontTx/>
+              <a:buNone/>
+              <a:tabLst/>
+              <a:defRPr/>
+            </a:pPr>
+            <a:r>
+              <a:rPr lang="en-GB" dirty="0"/>
+              <a:t>Und </a:t>
+            </a:r>
+            <a:r>
+              <a:rPr lang="en-GB" dirty="0" err="1"/>
+              <a:t>damit</a:t>
+            </a:r>
+            <a:r>
+              <a:rPr lang="en-GB" dirty="0"/>
+              <a:t> </a:t>
+            </a:r>
+            <a:r>
+              <a:rPr lang="en-GB" dirty="0" err="1"/>
+              <a:t>beide</a:t>
+            </a:r>
+            <a:r>
+              <a:rPr lang="en-GB" dirty="0"/>
+              <a:t> </a:t>
+            </a:r>
+            <a:r>
+              <a:rPr lang="en-GB" dirty="0" err="1"/>
+              <a:t>Probelme</a:t>
+            </a:r>
+            <a:r>
+              <a:rPr lang="en-GB" dirty="0"/>
+              <a:t> </a:t>
+            </a:r>
+            <a:r>
+              <a:rPr lang="en-GB" dirty="0" err="1"/>
+              <a:t>lösen</a:t>
+            </a:r>
+            <a:r>
+              <a:rPr lang="en-GB" dirty="0"/>
+              <a:t>: </a:t>
+            </a:r>
+            <a:r>
+              <a:rPr lang="en-GB" dirty="0" err="1"/>
+              <a:t>Höhere</a:t>
+            </a:r>
+            <a:r>
+              <a:rPr lang="en-GB" dirty="0"/>
+              <a:t> </a:t>
+            </a:r>
+            <a:r>
+              <a:rPr lang="en-GB" dirty="0" err="1"/>
+              <a:t>effizienz</a:t>
+            </a:r>
+            <a:r>
+              <a:rPr lang="en-GB" dirty="0"/>
+              <a:t> </a:t>
+            </a:r>
+            <a:r>
+              <a:rPr lang="en-GB" dirty="0" err="1"/>
+              <a:t>schaffen</a:t>
+            </a:r>
+            <a:r>
+              <a:rPr lang="en-GB" dirty="0"/>
+              <a:t> und </a:t>
+            </a:r>
+            <a:r>
+              <a:rPr lang="en-GB" dirty="0" err="1"/>
+              <a:t>mit</a:t>
+            </a:r>
+            <a:r>
+              <a:rPr lang="en-GB" dirty="0"/>
+              <a:t> </a:t>
+            </a:r>
+            <a:r>
+              <a:rPr lang="en-GB" dirty="0" err="1"/>
+              <a:t>heterogenerem</a:t>
+            </a:r>
+            <a:r>
+              <a:rPr lang="en-GB" dirty="0"/>
+              <a:t> System </a:t>
+            </a:r>
+            <a:r>
+              <a:rPr lang="en-GB" dirty="0" err="1"/>
+              <a:t>umgehen</a:t>
+            </a:r>
+            <a:r>
+              <a:rPr lang="en-GB" dirty="0"/>
+              <a:t> </a:t>
+            </a:r>
+            <a:r>
+              <a:rPr lang="en-GB" dirty="0" err="1"/>
+              <a:t>können</a:t>
+            </a:r>
+            <a:endParaRPr lang="en-GB"/>
+          </a:p>
           <a:p>
             <a:pPr lvl="1"/>
             <a:endParaRPr lang="de-DE" noProof="0" dirty="0"/>
@@ -7436,7 +7445,7 @@
               <a:pPr>
                 <a:defRPr/>
               </a:pPr>
-              <a:t>21.10.2018</a:t>
+              <a:t>24.10.2018</a:t>
             </a:fld>
             <a:endParaRPr lang="de-DE" sz="1000" dirty="0">
               <a:latin typeface="Arial" pitchFamily="34" charset="0"/>
@@ -8990,7 +8999,7 @@
               <a:p>
                 <a:r>
                   <a:rPr lang="de-DE" sz="1200" dirty="0"/>
-                  <a:t>Outlook</a:t>
+                  <a:t>Ausblick</a:t>
                 </a:r>
               </a:p>
             </p:txBody>
@@ -10014,7 +10023,7 @@
               <a:p>
                 <a:r>
                   <a:rPr lang="de-DE" sz="1200" dirty="0"/>
-                  <a:t>Outlook</a:t>
+                  <a:t>Ausblick</a:t>
                 </a:r>
               </a:p>
             </p:txBody>
@@ -10247,7 +10256,7 @@
           <a:p>
             <a:r>
               <a:rPr lang="de-DE" dirty="0"/>
-              <a:t>Für uns nicht nutzbar da wir benötigtes </a:t>
+              <a:t>Nicht nutzbar da wir benötigtes </a:t>
             </a:r>
             <a:r>
               <a:rPr lang="de-DE" dirty="0" err="1"/>
@@ -11004,7 +11013,7 @@
               <a:p>
                 <a:r>
                   <a:rPr lang="de-DE" sz="1200" dirty="0"/>
-                  <a:t>Outlook</a:t>
+                  <a:t>Ausblick</a:t>
                 </a:r>
               </a:p>
             </p:txBody>
@@ -11966,7 +11975,7 @@
               <a:p>
                 <a:r>
                   <a:rPr lang="de-DE" sz="1200" dirty="0"/>
-                  <a:t>Outlook</a:t>
+                  <a:t>Ausblick</a:t>
                 </a:r>
               </a:p>
             </p:txBody>
@@ -12147,7 +12156,7 @@
             <a:pPr lvl="1"/>
             <a:r>
               <a:rPr lang="de-DE" sz="2000" dirty="0"/>
-              <a:t>Sehr Grobgranular modelliert: Nur Sites keine </a:t>
+              <a:t>Sehr grobgranular modelliert: Nur Sites, keine </a:t>
             </a:r>
             <a:r>
               <a:rPr lang="de-DE" sz="2000" dirty="0" err="1"/>
@@ -12908,7 +12917,7 @@
               <a:p>
                 <a:r>
                   <a:rPr lang="de-DE" sz="1200" dirty="0"/>
-                  <a:t>Outlook</a:t>
+                  <a:t>Ausblick</a:t>
                 </a:r>
               </a:p>
             </p:txBody>
@@ -13887,7 +13896,7 @@
               <a:p>
                 <a:r>
                   <a:rPr lang="de-DE" sz="1200" dirty="0"/>
-                  <a:t>Outlook</a:t>
+                  <a:t>Ausblick</a:t>
                 </a:r>
               </a:p>
             </p:txBody>
@@ -14800,7 +14809,7 @@
               <a:p>
                 <a:r>
                   <a:rPr lang="de-DE" sz="1200" dirty="0"/>
-                  <a:t>Outlook</a:t>
+                  <a:t>Ausblick</a:t>
                 </a:r>
               </a:p>
             </p:txBody>
@@ -15811,7 +15820,7 @@
               <a:p>
                 <a:r>
                   <a:rPr lang="de-DE" sz="1200" dirty="0"/>
-                  <a:t>Outlook</a:t>
+                  <a:t>Ausblick</a:t>
                 </a:r>
               </a:p>
             </p:txBody>
@@ -16993,7 +17002,7 @@
               <a:p>
                 <a:r>
                   <a:rPr lang="de-DE" sz="1200" dirty="0"/>
-                  <a:t>Outlook</a:t>
+                  <a:t>Ausblick</a:t>
                 </a:r>
               </a:p>
             </p:txBody>
@@ -18229,7 +18238,7 @@
               <a:p>
                 <a:r>
                   <a:rPr lang="de-DE" sz="1200" dirty="0"/>
-                  <a:t>Outlook</a:t>
+                  <a:t>Ausblick</a:t>
                 </a:r>
               </a:p>
             </p:txBody>
@@ -19183,7 +19192,7 @@
               <a:p>
                 <a:r>
                   <a:rPr lang="de-DE" sz="1200" dirty="0"/>
-                  <a:t>Outlook</a:t>
+                  <a:t>Ausblick</a:t>
                 </a:r>
               </a:p>
             </p:txBody>
@@ -20353,7 +20362,7 @@
               <a:p>
                 <a:r>
                   <a:rPr lang="de-DE" sz="1200" dirty="0"/>
-                  <a:t>Outlook</a:t>
+                  <a:t>Ausblick</a:t>
                 </a:r>
               </a:p>
             </p:txBody>
@@ -21261,7 +21270,7 @@
               <a:p>
                 <a:r>
                   <a:rPr lang="de-DE" sz="1200" dirty="0"/>
-                  <a:t>Outlook</a:t>
+                  <a:t>Ausblick</a:t>
                 </a:r>
               </a:p>
             </p:txBody>
@@ -21330,1847 +21339,6 @@
 </file>
 
 <file path=ppt/slides/slide22.xml><?xml version="1.0" encoding="utf-8"?>
-<p:sld xmlns:a="http://schemas.openxmlformats.org/drawingml/2006/main" xmlns:r="http://schemas.openxmlformats.org/officeDocument/2006/relationships" xmlns:p="http://schemas.openxmlformats.org/presentationml/2006/main">
-  <p:cSld>
-    <p:spTree>
-      <p:nvGrpSpPr>
-        <p:cNvPr id="1" name=""/>
-        <p:cNvGrpSpPr/>
-        <p:nvPr/>
-      </p:nvGrpSpPr>
-      <p:grpSpPr>
-        <a:xfrm>
-          <a:off x="0" y="0"/>
-          <a:ext cx="0" cy="0"/>
-          <a:chOff x="0" y="0"/>
-          <a:chExt cx="0" cy="0"/>
-        </a:xfrm>
-      </p:grpSpPr>
-      <p:sp>
-        <p:nvSpPr>
-          <p:cNvPr id="17409" name="Titel 1"/>
-          <p:cNvSpPr>
-            <a:spLocks noGrp="1"/>
-          </p:cNvSpPr>
-          <p:nvPr>
-            <p:ph type="title"/>
-          </p:nvPr>
-        </p:nvSpPr>
-        <p:spPr/>
-        <p:txBody>
-          <a:bodyPr/>
-          <a:lstStyle/>
-          <a:p>
-            <a:r>
-              <a:rPr lang="de-DE" dirty="0"/>
-              <a:t>State of the Art - </a:t>
-            </a:r>
-            <a:r>
-              <a:rPr lang="de-DE" noProof="0" dirty="0"/>
-              <a:t>Palladio</a:t>
-            </a:r>
-          </a:p>
-        </p:txBody>
-      </p:sp>
-      <p:pic>
-        <p:nvPicPr>
-          <p:cNvPr id="2" name="Inhaltsplatzhalter 1"/>
-          <p:cNvPicPr>
-            <a:picLocks noGrp="1" noChangeAspect="1"/>
-          </p:cNvPicPr>
-          <p:nvPr>
-            <p:ph idx="1"/>
-          </p:nvPr>
-        </p:nvPicPr>
-        <p:blipFill>
-          <a:blip r:embed="rId3">
-            <a:extLst>
-              <a:ext uri="{28A0092B-C50C-407E-A947-70E740481C1C}">
-                <a14:useLocalDpi xmlns:a14="http://schemas.microsoft.com/office/drawing/2010/main" val="0"/>
-              </a:ext>
-            </a:extLst>
-          </a:blip>
-          <a:stretch>
-            <a:fillRect/>
-          </a:stretch>
-        </p:blipFill>
-        <p:spPr>
-          <a:xfrm>
-            <a:off x="258702" y="1435039"/>
-            <a:ext cx="8431764" cy="3903148"/>
-          </a:xfrm>
-        </p:spPr>
-      </p:pic>
-      <p:sp>
-        <p:nvSpPr>
-          <p:cNvPr id="17412" name="Fußzeilenplatzhalter 3"/>
-          <p:cNvSpPr>
-            <a:spLocks noGrp="1"/>
-          </p:cNvSpPr>
-          <p:nvPr>
-            <p:ph type="ftr" sz="quarter" idx="10"/>
-          </p:nvPr>
-        </p:nvSpPr>
-        <p:spPr>
-          <a:noFill/>
-        </p:spPr>
-        <p:txBody>
-          <a:bodyPr/>
-          <a:lstStyle/>
-          <a:p>
-            <a:r>
-              <a:rPr lang="de-DE" dirty="0">
-                <a:latin typeface="Arial" charset="0"/>
-                <a:cs typeface="Arial" charset="0"/>
-              </a:rPr>
-              <a:t>Firnkes Patrick:</a:t>
-            </a:r>
-            <a:r>
-              <a:rPr lang="de-DE" dirty="0"/>
-              <a:t> Modellierung und Simulation von Lastverteilungsstrategien </a:t>
-            </a:r>
-            <a:endParaRPr lang="de-DE" dirty="0">
-              <a:latin typeface="Arial" charset="0"/>
-              <a:cs typeface="Arial" charset="0"/>
-            </a:endParaRPr>
-          </a:p>
-        </p:txBody>
-      </p:sp>
-      <p:sp>
-        <p:nvSpPr>
-          <p:cNvPr id="4" name="Textfeld 3"/>
-          <p:cNvSpPr txBox="1"/>
-          <p:nvPr/>
-        </p:nvSpPr>
-        <p:spPr>
-          <a:xfrm>
-            <a:off x="2895600" y="5377490"/>
-            <a:ext cx="4270721" cy="369332"/>
-          </a:xfrm>
-          <a:prstGeom prst="rect">
-            <a:avLst/>
-          </a:prstGeom>
-          <a:noFill/>
-        </p:spPr>
-        <p:txBody>
-          <a:bodyPr wrap="none" rtlCol="0">
-            <a:spAutoFit/>
-          </a:bodyPr>
-          <a:lstStyle/>
-          <a:p>
-            <a:r>
-              <a:rPr lang="de-DE" dirty="0"/>
-              <a:t>Arbeitsprozess Palladio </a:t>
-            </a:r>
-            <a:r>
-              <a:rPr lang="de-DE" sz="1400" dirty="0"/>
-              <a:t>(Becker et al., 2009)</a:t>
-            </a:r>
-          </a:p>
-        </p:txBody>
-      </p:sp>
-      <p:grpSp>
-        <p:nvGrpSpPr>
-          <p:cNvPr id="19" name="Gruppieren 18">
-            <a:extLst>
-              <a:ext uri="{FF2B5EF4-FFF2-40B4-BE49-F238E27FC236}">
-                <a16:creationId xmlns:a16="http://schemas.microsoft.com/office/drawing/2014/main" id="{FEC9E8F6-9B26-4421-93D4-11DC8EF9140C}"/>
-              </a:ext>
-            </a:extLst>
-          </p:cNvPr>
-          <p:cNvGrpSpPr/>
-          <p:nvPr/>
-        </p:nvGrpSpPr>
-        <p:grpSpPr>
-          <a:xfrm>
-            <a:off x="36000" y="6014135"/>
-            <a:ext cx="9072000" cy="306886"/>
-            <a:chOff x="3900" y="6014135"/>
-            <a:chExt cx="9072000" cy="306886"/>
-          </a:xfrm>
-        </p:grpSpPr>
-        <p:sp>
-          <p:nvSpPr>
-            <p:cNvPr id="20" name="Eingekerbter Richtungspfeil 25">
-              <a:extLst>
-                <a:ext uri="{FF2B5EF4-FFF2-40B4-BE49-F238E27FC236}">
-                  <a16:creationId xmlns:a16="http://schemas.microsoft.com/office/drawing/2014/main" id="{6F146D60-6A83-4AD9-BD82-F63CE5C36086}"/>
-                </a:ext>
-              </a:extLst>
-            </p:cNvPr>
-            <p:cNvSpPr/>
-            <p:nvPr/>
-          </p:nvSpPr>
-          <p:spPr>
-            <a:xfrm>
-              <a:off x="7305994" y="6103273"/>
-              <a:ext cx="158496" cy="158496"/>
-            </a:xfrm>
-            <a:prstGeom prst="chevron">
-              <a:avLst/>
-            </a:prstGeom>
-          </p:spPr>
-          <p:style>
-            <a:lnRef idx="1">
-              <a:schemeClr val="accent4"/>
-            </a:lnRef>
-            <a:fillRef idx="2">
-              <a:schemeClr val="accent4"/>
-            </a:fillRef>
-            <a:effectRef idx="1">
-              <a:schemeClr val="accent4"/>
-            </a:effectRef>
-            <a:fontRef idx="minor">
-              <a:schemeClr val="dk1"/>
-            </a:fontRef>
-          </p:style>
-          <p:txBody>
-            <a:bodyPr rtlCol="0" anchor="ctr"/>
-            <a:lstStyle/>
-            <a:p>
-              <a:pPr algn="ctr"/>
-              <a:endParaRPr lang="de-DE">
-                <a:solidFill>
-                  <a:schemeClr val="tx1"/>
-                </a:solidFill>
-              </a:endParaRPr>
-            </a:p>
-          </p:txBody>
-        </p:sp>
-        <p:grpSp>
-          <p:nvGrpSpPr>
-            <p:cNvPr id="21" name="Gruppieren 20">
-              <a:extLst>
-                <a:ext uri="{FF2B5EF4-FFF2-40B4-BE49-F238E27FC236}">
-                  <a16:creationId xmlns:a16="http://schemas.microsoft.com/office/drawing/2014/main" id="{5C4F1336-E953-40D7-BD82-3B84E7F309F8}"/>
-                </a:ext>
-              </a:extLst>
-            </p:cNvPr>
-            <p:cNvGrpSpPr/>
-            <p:nvPr/>
-          </p:nvGrpSpPr>
-          <p:grpSpPr>
-            <a:xfrm>
-              <a:off x="3900" y="6014135"/>
-              <a:ext cx="9072000" cy="306886"/>
-              <a:chOff x="3900" y="6014135"/>
-              <a:chExt cx="9072000" cy="306886"/>
-            </a:xfrm>
-          </p:grpSpPr>
-          <p:grpSp>
-            <p:nvGrpSpPr>
-              <p:cNvPr id="22" name="Gruppieren 21">
-                <a:extLst>
-                  <a:ext uri="{FF2B5EF4-FFF2-40B4-BE49-F238E27FC236}">
-                    <a16:creationId xmlns:a16="http://schemas.microsoft.com/office/drawing/2014/main" id="{69F86A1A-3A78-4E4C-A2D8-15E88D710857}"/>
-                  </a:ext>
-                </a:extLst>
-              </p:cNvPr>
-              <p:cNvGrpSpPr/>
-              <p:nvPr/>
-            </p:nvGrpSpPr>
-            <p:grpSpPr>
-              <a:xfrm>
-                <a:off x="3900" y="6014135"/>
-                <a:ext cx="9072000" cy="306886"/>
-                <a:chOff x="3900" y="6014135"/>
-                <a:chExt cx="9072000" cy="306886"/>
-              </a:xfrm>
-            </p:grpSpPr>
-            <p:sp>
-              <p:nvSpPr>
-                <p:cNvPr id="28" name="Textfeld 27">
-                  <a:extLst>
-                    <a:ext uri="{FF2B5EF4-FFF2-40B4-BE49-F238E27FC236}">
-                      <a16:creationId xmlns:a16="http://schemas.microsoft.com/office/drawing/2014/main" id="{B2234140-E5B1-47D9-BBD9-1085526D42EE}"/>
-                    </a:ext>
-                  </a:extLst>
-                </p:cNvPr>
-                <p:cNvSpPr txBox="1"/>
-                <p:nvPr/>
-              </p:nvSpPr>
-              <p:spPr>
-                <a:xfrm>
-                  <a:off x="7514250" y="6044022"/>
-                  <a:ext cx="1495202" cy="276999"/>
-                </a:xfrm>
-                <a:prstGeom prst="rect">
-                  <a:avLst/>
-                </a:prstGeom>
-                <a:noFill/>
-                <a:ln>
-                  <a:noFill/>
-                </a:ln>
-              </p:spPr>
-              <p:style>
-                <a:lnRef idx="2">
-                  <a:schemeClr val="accent3"/>
-                </a:lnRef>
-                <a:fillRef idx="1">
-                  <a:schemeClr val="lt1"/>
-                </a:fillRef>
-                <a:effectRef idx="0">
-                  <a:schemeClr val="accent3"/>
-                </a:effectRef>
-                <a:fontRef idx="minor">
-                  <a:schemeClr val="dk1"/>
-                </a:fontRef>
-              </p:style>
-              <p:txBody>
-                <a:bodyPr wrap="square" rtlCol="0">
-                  <a:spAutoFit/>
-                </a:bodyPr>
-                <a:lstStyle/>
-                <a:p>
-                  <a:r>
-                    <a:rPr lang="de-DE" sz="1200" dirty="0"/>
-                    <a:t>Zusammenfassung</a:t>
-                  </a:r>
-                </a:p>
-              </p:txBody>
-            </p:sp>
-            <p:sp>
-              <p:nvSpPr>
-                <p:cNvPr id="29" name="Textfeld 28">
-                  <a:extLst>
-                    <a:ext uri="{FF2B5EF4-FFF2-40B4-BE49-F238E27FC236}">
-                      <a16:creationId xmlns:a16="http://schemas.microsoft.com/office/drawing/2014/main" id="{2DAB84CC-CAEE-4889-9F41-287869FE8E9C}"/>
-                    </a:ext>
-                  </a:extLst>
-                </p:cNvPr>
-                <p:cNvSpPr txBox="1"/>
-                <p:nvPr/>
-              </p:nvSpPr>
-              <p:spPr>
-                <a:xfrm>
-                  <a:off x="97091" y="6044022"/>
-                  <a:ext cx="1029065" cy="276999"/>
-                </a:xfrm>
-                <a:prstGeom prst="rect">
-                  <a:avLst/>
-                </a:prstGeom>
-                <a:noFill/>
-                <a:ln>
-                  <a:noFill/>
-                </a:ln>
-              </p:spPr>
-              <p:style>
-                <a:lnRef idx="2">
-                  <a:schemeClr val="accent3"/>
-                </a:lnRef>
-                <a:fillRef idx="1">
-                  <a:schemeClr val="lt1"/>
-                </a:fillRef>
-                <a:effectRef idx="0">
-                  <a:schemeClr val="accent3"/>
-                </a:effectRef>
-                <a:fontRef idx="minor">
-                  <a:schemeClr val="dk1"/>
-                </a:fontRef>
-              </p:style>
-              <p:txBody>
-                <a:bodyPr wrap="square" rtlCol="0">
-                  <a:spAutoFit/>
-                </a:bodyPr>
-                <a:lstStyle/>
-                <a:p>
-                  <a:r>
-                    <a:rPr lang="en-US" sz="1200" dirty="0"/>
-                    <a:t>Motivation</a:t>
-                  </a:r>
-                </a:p>
-              </p:txBody>
-            </p:sp>
-            <p:sp>
-              <p:nvSpPr>
-                <p:cNvPr id="30" name="Eingekerbter Richtungspfeil 23">
-                  <a:extLst>
-                    <a:ext uri="{FF2B5EF4-FFF2-40B4-BE49-F238E27FC236}">
-                      <a16:creationId xmlns:a16="http://schemas.microsoft.com/office/drawing/2014/main" id="{F786E177-C5D1-423A-ADDA-9E693AC79C7D}"/>
-                    </a:ext>
-                  </a:extLst>
-                </p:cNvPr>
-                <p:cNvSpPr/>
-                <p:nvPr/>
-              </p:nvSpPr>
-              <p:spPr>
-                <a:xfrm>
-                  <a:off x="1175920" y="6103273"/>
-                  <a:ext cx="158496" cy="158496"/>
-                </a:xfrm>
-                <a:prstGeom prst="chevron">
-                  <a:avLst/>
-                </a:prstGeom>
-              </p:spPr>
-              <p:style>
-                <a:lnRef idx="1">
-                  <a:schemeClr val="accent4"/>
-                </a:lnRef>
-                <a:fillRef idx="2">
-                  <a:schemeClr val="accent4"/>
-                </a:fillRef>
-                <a:effectRef idx="1">
-                  <a:schemeClr val="accent4"/>
-                </a:effectRef>
-                <a:fontRef idx="minor">
-                  <a:schemeClr val="dk1"/>
-                </a:fontRef>
-              </p:style>
-              <p:txBody>
-                <a:bodyPr rtlCol="0" anchor="ctr"/>
-                <a:lstStyle/>
-                <a:p>
-                  <a:pPr algn="ctr"/>
-                  <a:endParaRPr lang="de-DE" dirty="0">
-                    <a:solidFill>
-                      <a:schemeClr val="tx1"/>
-                    </a:solidFill>
-                  </a:endParaRPr>
-                </a:p>
-              </p:txBody>
-            </p:sp>
-            <p:sp>
-              <p:nvSpPr>
-                <p:cNvPr id="31" name="Eingekerbter Richtungspfeil 25">
-                  <a:extLst>
-                    <a:ext uri="{FF2B5EF4-FFF2-40B4-BE49-F238E27FC236}">
-                      <a16:creationId xmlns:a16="http://schemas.microsoft.com/office/drawing/2014/main" id="{6FFF1E0B-19EE-4F1B-BF93-56C20003BAE1}"/>
-                    </a:ext>
-                  </a:extLst>
-                </p:cNvPr>
-                <p:cNvSpPr/>
-                <p:nvPr/>
-              </p:nvSpPr>
-              <p:spPr>
-                <a:xfrm>
-                  <a:off x="5030588" y="6103273"/>
-                  <a:ext cx="158496" cy="158496"/>
-                </a:xfrm>
-                <a:prstGeom prst="chevron">
-                  <a:avLst/>
-                </a:prstGeom>
-              </p:spPr>
-              <p:style>
-                <a:lnRef idx="1">
-                  <a:schemeClr val="accent4"/>
-                </a:lnRef>
-                <a:fillRef idx="2">
-                  <a:schemeClr val="accent4"/>
-                </a:fillRef>
-                <a:effectRef idx="1">
-                  <a:schemeClr val="accent4"/>
-                </a:effectRef>
-                <a:fontRef idx="minor">
-                  <a:schemeClr val="dk1"/>
-                </a:fontRef>
-              </p:style>
-              <p:txBody>
-                <a:bodyPr rtlCol="0" anchor="ctr"/>
-                <a:lstStyle/>
-                <a:p>
-                  <a:pPr algn="ctr"/>
-                  <a:endParaRPr lang="de-DE" dirty="0">
-                    <a:solidFill>
-                      <a:schemeClr val="tx1"/>
-                    </a:solidFill>
-                  </a:endParaRPr>
-                </a:p>
-              </p:txBody>
-            </p:sp>
-            <p:cxnSp>
-              <p:nvCxnSpPr>
-                <p:cNvPr id="32" name="Gerade Verbindung 28">
-                  <a:extLst>
-                    <a:ext uri="{FF2B5EF4-FFF2-40B4-BE49-F238E27FC236}">
-                      <a16:creationId xmlns:a16="http://schemas.microsoft.com/office/drawing/2014/main" id="{9CB60B86-C8C0-40B4-8D24-9119350CA05B}"/>
-                    </a:ext>
-                  </a:extLst>
-                </p:cNvPr>
-                <p:cNvCxnSpPr/>
-                <p:nvPr/>
-              </p:nvCxnSpPr>
-              <p:spPr>
-                <a:xfrm>
-                  <a:off x="3900" y="6014135"/>
-                  <a:ext cx="9072000" cy="1588"/>
-                </a:xfrm>
-                <a:prstGeom prst="line">
-                  <a:avLst/>
-                </a:prstGeom>
-                <a:ln w="41275">
-                  <a:solidFill>
-                    <a:schemeClr val="accent3">
-                      <a:lumMod val="85000"/>
-                    </a:schemeClr>
-                  </a:solidFill>
-                </a:ln>
-              </p:spPr>
-              <p:style>
-                <a:lnRef idx="1">
-                  <a:schemeClr val="accent1"/>
-                </a:lnRef>
-                <a:fillRef idx="0">
-                  <a:schemeClr val="accent1"/>
-                </a:fillRef>
-                <a:effectRef idx="0">
-                  <a:schemeClr val="accent1"/>
-                </a:effectRef>
-                <a:fontRef idx="minor">
-                  <a:schemeClr val="tx1"/>
-                </a:fontRef>
-              </p:style>
-            </p:cxnSp>
-            <p:sp>
-              <p:nvSpPr>
-                <p:cNvPr id="33" name="Textfeld 32">
-                  <a:extLst>
-                    <a:ext uri="{FF2B5EF4-FFF2-40B4-BE49-F238E27FC236}">
-                      <a16:creationId xmlns:a16="http://schemas.microsoft.com/office/drawing/2014/main" id="{3DE30EAF-1C84-4E54-91DA-6EFF1420F6EC}"/>
-                    </a:ext>
-                  </a:extLst>
-                </p:cNvPr>
-                <p:cNvSpPr txBox="1"/>
-                <p:nvPr/>
-              </p:nvSpPr>
-              <p:spPr>
-                <a:xfrm>
-                  <a:off x="2898316" y="6044022"/>
-                  <a:ext cx="1097616" cy="276999"/>
-                </a:xfrm>
-                <a:prstGeom prst="rect">
-                  <a:avLst/>
-                </a:prstGeom>
-                <a:noFill/>
-                <a:ln>
-                  <a:noFill/>
-                </a:ln>
-              </p:spPr>
-              <p:style>
-                <a:lnRef idx="2">
-                  <a:schemeClr val="accent3"/>
-                </a:lnRef>
-                <a:fillRef idx="1">
-                  <a:schemeClr val="lt1"/>
-                </a:fillRef>
-                <a:effectRef idx="0">
-                  <a:schemeClr val="accent3"/>
-                </a:effectRef>
-                <a:fontRef idx="minor">
-                  <a:schemeClr val="dk1"/>
-                </a:fontRef>
-              </p:style>
-              <p:txBody>
-                <a:bodyPr wrap="square" rtlCol="0">
-                  <a:spAutoFit/>
-                </a:bodyPr>
-                <a:lstStyle/>
-                <a:p>
-                  <a:r>
-                    <a:rPr lang="de-DE" sz="1200" dirty="0"/>
-                    <a:t>Meilensteine</a:t>
-                  </a:r>
-                </a:p>
-              </p:txBody>
-            </p:sp>
-            <p:sp>
-              <p:nvSpPr>
-                <p:cNvPr id="34" name="Textfeld 33">
-                  <a:extLst>
-                    <a:ext uri="{FF2B5EF4-FFF2-40B4-BE49-F238E27FC236}">
-                      <a16:creationId xmlns:a16="http://schemas.microsoft.com/office/drawing/2014/main" id="{3943AAF1-152C-4993-A56E-0865DBFAE7BE}"/>
-                    </a:ext>
-                  </a:extLst>
-                </p:cNvPr>
-                <p:cNvSpPr txBox="1"/>
-                <p:nvPr/>
-              </p:nvSpPr>
-              <p:spPr>
-                <a:xfrm>
-                  <a:off x="1384180" y="6044022"/>
-                  <a:ext cx="1305876" cy="276999"/>
-                </a:xfrm>
-                <a:prstGeom prst="rect">
-                  <a:avLst/>
-                </a:prstGeom>
-                <a:noFill/>
-                <a:ln>
-                  <a:noFill/>
-                </a:ln>
-              </p:spPr>
-              <p:style>
-                <a:lnRef idx="2">
-                  <a:schemeClr val="accent3"/>
-                </a:lnRef>
-                <a:fillRef idx="1">
-                  <a:schemeClr val="lt1"/>
-                </a:fillRef>
-                <a:effectRef idx="0">
-                  <a:schemeClr val="accent3"/>
-                </a:effectRef>
-                <a:fontRef idx="minor">
-                  <a:schemeClr val="dk1"/>
-                </a:fontRef>
-              </p:style>
-              <p:txBody>
-                <a:bodyPr wrap="square" rtlCol="0">
-                  <a:spAutoFit/>
-                </a:bodyPr>
-                <a:lstStyle/>
-                <a:p>
-                  <a:r>
-                    <a:rPr lang="de-DE" sz="1200" dirty="0"/>
-                    <a:t>State of the Art</a:t>
-                  </a:r>
-                </a:p>
-              </p:txBody>
-            </p:sp>
-            <p:sp>
-              <p:nvSpPr>
-                <p:cNvPr id="35" name="Eingekerbter Richtungspfeil 25">
-                  <a:extLst>
-                    <a:ext uri="{FF2B5EF4-FFF2-40B4-BE49-F238E27FC236}">
-                      <a16:creationId xmlns:a16="http://schemas.microsoft.com/office/drawing/2014/main" id="{E873730E-995F-4094-8698-F8EDFEFF512C}"/>
-                    </a:ext>
-                  </a:extLst>
-                </p:cNvPr>
-                <p:cNvSpPr/>
-                <p:nvPr/>
-              </p:nvSpPr>
-              <p:spPr>
-                <a:xfrm>
-                  <a:off x="2690056" y="6103273"/>
-                  <a:ext cx="158496" cy="158496"/>
-                </a:xfrm>
-                <a:prstGeom prst="chevron">
-                  <a:avLst/>
-                </a:prstGeom>
-              </p:spPr>
-              <p:style>
-                <a:lnRef idx="1">
-                  <a:schemeClr val="accent4"/>
-                </a:lnRef>
-                <a:fillRef idx="2">
-                  <a:schemeClr val="accent4"/>
-                </a:fillRef>
-                <a:effectRef idx="1">
-                  <a:schemeClr val="accent4"/>
-                </a:effectRef>
-                <a:fontRef idx="minor">
-                  <a:schemeClr val="dk1"/>
-                </a:fontRef>
-              </p:style>
-              <p:txBody>
-                <a:bodyPr rtlCol="0" anchor="ctr"/>
-                <a:lstStyle/>
-                <a:p>
-                  <a:pPr algn="ctr"/>
-                  <a:endParaRPr lang="de-DE">
-                    <a:solidFill>
-                      <a:schemeClr val="tx1"/>
-                    </a:solidFill>
-                  </a:endParaRPr>
-                </a:p>
-              </p:txBody>
-            </p:sp>
-          </p:grpSp>
-          <p:sp>
-            <p:nvSpPr>
-              <p:cNvPr id="23" name="Textfeld 22">
-                <a:extLst>
-                  <a:ext uri="{FF2B5EF4-FFF2-40B4-BE49-F238E27FC236}">
-                    <a16:creationId xmlns:a16="http://schemas.microsoft.com/office/drawing/2014/main" id="{AE25EAF7-13E6-474A-A10A-4D33C5CAB3A3}"/>
-                  </a:ext>
-                </a:extLst>
-              </p:cNvPr>
-              <p:cNvSpPr txBox="1"/>
-              <p:nvPr/>
-            </p:nvSpPr>
-            <p:spPr>
-              <a:xfrm>
-                <a:off x="4235173" y="6044022"/>
-                <a:ext cx="745651" cy="276999"/>
-              </a:xfrm>
-              <a:prstGeom prst="rect">
-                <a:avLst/>
-              </a:prstGeom>
-              <a:noFill/>
-              <a:ln>
-                <a:noFill/>
-              </a:ln>
-            </p:spPr>
-            <p:style>
-              <a:lnRef idx="2">
-                <a:schemeClr val="accent3"/>
-              </a:lnRef>
-              <a:fillRef idx="1">
-                <a:schemeClr val="lt1"/>
-              </a:fillRef>
-              <a:effectRef idx="0">
-                <a:schemeClr val="accent3"/>
-              </a:effectRef>
-              <a:fontRef idx="minor">
-                <a:schemeClr val="dk1"/>
-              </a:fontRef>
-            </p:style>
-            <p:txBody>
-              <a:bodyPr wrap="square" rtlCol="0">
-                <a:spAutoFit/>
-              </a:bodyPr>
-              <a:lstStyle/>
-              <a:p>
-                <a:r>
-                  <a:rPr lang="de-DE" sz="1200" b="1" dirty="0"/>
-                  <a:t>Modell</a:t>
-                </a:r>
-              </a:p>
-            </p:txBody>
-          </p:sp>
-          <p:sp>
-            <p:nvSpPr>
-              <p:cNvPr id="24" name="Textfeld 23">
-                <a:extLst>
-                  <a:ext uri="{FF2B5EF4-FFF2-40B4-BE49-F238E27FC236}">
-                    <a16:creationId xmlns:a16="http://schemas.microsoft.com/office/drawing/2014/main" id="{E163E943-A6B8-41EE-A76E-C8A2A64D1B4D}"/>
-                  </a:ext>
-                </a:extLst>
-              </p:cNvPr>
-              <p:cNvSpPr txBox="1"/>
-              <p:nvPr/>
-            </p:nvSpPr>
-            <p:spPr>
-              <a:xfrm>
-                <a:off x="5238848" y="6044022"/>
-                <a:ext cx="999624" cy="276999"/>
-              </a:xfrm>
-              <a:prstGeom prst="rect">
-                <a:avLst/>
-              </a:prstGeom>
-              <a:noFill/>
-              <a:ln>
-                <a:noFill/>
-              </a:ln>
-            </p:spPr>
-            <p:style>
-              <a:lnRef idx="2">
-                <a:schemeClr val="accent3"/>
-              </a:lnRef>
-              <a:fillRef idx="1">
-                <a:schemeClr val="lt1"/>
-              </a:fillRef>
-              <a:effectRef idx="0">
-                <a:schemeClr val="accent3"/>
-              </a:effectRef>
-              <a:fontRef idx="minor">
-                <a:schemeClr val="dk1"/>
-              </a:fontRef>
-            </p:style>
-            <p:txBody>
-              <a:bodyPr wrap="square" rtlCol="0">
-                <a:spAutoFit/>
-              </a:bodyPr>
-              <a:lstStyle/>
-              <a:p>
-                <a:r>
-                  <a:rPr lang="de-DE" sz="1200" dirty="0"/>
-                  <a:t>Validierung</a:t>
-                </a:r>
-              </a:p>
-            </p:txBody>
-          </p:sp>
-          <p:sp>
-            <p:nvSpPr>
-              <p:cNvPr id="25" name="Eingekerbter Richtungspfeil 25">
-                <a:extLst>
-                  <a:ext uri="{FF2B5EF4-FFF2-40B4-BE49-F238E27FC236}">
-                    <a16:creationId xmlns:a16="http://schemas.microsoft.com/office/drawing/2014/main" id="{81822EDF-CF04-4C62-8E64-EA1A6A8EFE63}"/>
-                  </a:ext>
-                </a:extLst>
-              </p:cNvPr>
-              <p:cNvSpPr/>
-              <p:nvPr/>
-            </p:nvSpPr>
-            <p:spPr>
-              <a:xfrm>
-                <a:off x="6288236" y="6103273"/>
-                <a:ext cx="158496" cy="158496"/>
-              </a:xfrm>
-              <a:prstGeom prst="chevron">
-                <a:avLst/>
-              </a:prstGeom>
-            </p:spPr>
-            <p:style>
-              <a:lnRef idx="1">
-                <a:schemeClr val="accent4"/>
-              </a:lnRef>
-              <a:fillRef idx="2">
-                <a:schemeClr val="accent4"/>
-              </a:fillRef>
-              <a:effectRef idx="1">
-                <a:schemeClr val="accent4"/>
-              </a:effectRef>
-              <a:fontRef idx="minor">
-                <a:schemeClr val="dk1"/>
-              </a:fontRef>
-            </p:style>
-            <p:txBody>
-              <a:bodyPr rtlCol="0" anchor="ctr"/>
-              <a:lstStyle/>
-              <a:p>
-                <a:pPr algn="ctr"/>
-                <a:endParaRPr lang="de-DE">
-                  <a:solidFill>
-                    <a:schemeClr val="tx1"/>
-                  </a:solidFill>
-                </a:endParaRPr>
-              </a:p>
-            </p:txBody>
-          </p:sp>
-          <p:sp>
-            <p:nvSpPr>
-              <p:cNvPr id="26" name="Textfeld 25">
-                <a:extLst>
-                  <a:ext uri="{FF2B5EF4-FFF2-40B4-BE49-F238E27FC236}">
-                    <a16:creationId xmlns:a16="http://schemas.microsoft.com/office/drawing/2014/main" id="{FB501DEF-C491-4F9E-88BD-F3C87672A562}"/>
-                  </a:ext>
-                </a:extLst>
-              </p:cNvPr>
-              <p:cNvSpPr txBox="1"/>
-              <p:nvPr/>
-            </p:nvSpPr>
-            <p:spPr>
-              <a:xfrm>
-                <a:off x="6496496" y="6044022"/>
-                <a:ext cx="759734" cy="276999"/>
-              </a:xfrm>
-              <a:prstGeom prst="rect">
-                <a:avLst/>
-              </a:prstGeom>
-              <a:noFill/>
-              <a:ln>
-                <a:noFill/>
-              </a:ln>
-            </p:spPr>
-            <p:style>
-              <a:lnRef idx="2">
-                <a:schemeClr val="accent3"/>
-              </a:lnRef>
-              <a:fillRef idx="1">
-                <a:schemeClr val="lt1"/>
-              </a:fillRef>
-              <a:effectRef idx="0">
-                <a:schemeClr val="accent3"/>
-              </a:effectRef>
-              <a:fontRef idx="minor">
-                <a:schemeClr val="dk1"/>
-              </a:fontRef>
-            </p:style>
-            <p:txBody>
-              <a:bodyPr wrap="square" rtlCol="0">
-                <a:spAutoFit/>
-              </a:bodyPr>
-              <a:lstStyle/>
-              <a:p>
-                <a:r>
-                  <a:rPr lang="de-DE" sz="1200" dirty="0"/>
-                  <a:t>Outlook</a:t>
-                </a:r>
-              </a:p>
-            </p:txBody>
-          </p:sp>
-          <p:sp>
-            <p:nvSpPr>
-              <p:cNvPr id="27" name="Eingekerbter Richtungspfeil 25">
-                <a:extLst>
-                  <a:ext uri="{FF2B5EF4-FFF2-40B4-BE49-F238E27FC236}">
-                    <a16:creationId xmlns:a16="http://schemas.microsoft.com/office/drawing/2014/main" id="{8000E346-2A43-4AFD-B5D6-58E1B529A987}"/>
-                  </a:ext>
-                </a:extLst>
-              </p:cNvPr>
-              <p:cNvSpPr/>
-              <p:nvPr/>
-            </p:nvSpPr>
-            <p:spPr>
-              <a:xfrm>
-                <a:off x="4026913" y="6103273"/>
-                <a:ext cx="158496" cy="158496"/>
-              </a:xfrm>
-              <a:prstGeom prst="chevron">
-                <a:avLst/>
-              </a:prstGeom>
-            </p:spPr>
-            <p:style>
-              <a:lnRef idx="1">
-                <a:schemeClr val="accent4"/>
-              </a:lnRef>
-              <a:fillRef idx="2">
-                <a:schemeClr val="accent4"/>
-              </a:fillRef>
-              <a:effectRef idx="1">
-                <a:schemeClr val="accent4"/>
-              </a:effectRef>
-              <a:fontRef idx="minor">
-                <a:schemeClr val="dk1"/>
-              </a:fontRef>
-            </p:style>
-            <p:txBody>
-              <a:bodyPr rtlCol="0" anchor="ctr"/>
-              <a:lstStyle/>
-              <a:p>
-                <a:pPr algn="ctr"/>
-                <a:endParaRPr lang="de-DE">
-                  <a:solidFill>
-                    <a:schemeClr val="tx1"/>
-                  </a:solidFill>
-                </a:endParaRPr>
-              </a:p>
-            </p:txBody>
-          </p:sp>
-        </p:grpSp>
-      </p:grpSp>
-    </p:spTree>
-    <p:extLst>
-      <p:ext uri="{BB962C8B-B14F-4D97-AF65-F5344CB8AC3E}">
-        <p14:creationId xmlns:p14="http://schemas.microsoft.com/office/powerpoint/2010/main" val="3171028617"/>
-      </p:ext>
-    </p:extLst>
-  </p:cSld>
-  <p:clrMapOvr>
-    <a:masterClrMapping/>
-  </p:clrMapOvr>
-</p:sld>
-</file>
-
-<file path=ppt/slides/slide23.xml><?xml version="1.0" encoding="utf-8"?>
-<p:sld xmlns:a="http://schemas.openxmlformats.org/drawingml/2006/main" xmlns:r="http://schemas.openxmlformats.org/officeDocument/2006/relationships" xmlns:p="http://schemas.openxmlformats.org/presentationml/2006/main">
-  <p:cSld>
-    <p:spTree>
-      <p:nvGrpSpPr>
-        <p:cNvPr id="1" name=""/>
-        <p:cNvGrpSpPr/>
-        <p:nvPr/>
-      </p:nvGrpSpPr>
-      <p:grpSpPr>
-        <a:xfrm>
-          <a:off x="0" y="0"/>
-          <a:ext cx="0" cy="0"/>
-          <a:chOff x="0" y="0"/>
-          <a:chExt cx="0" cy="0"/>
-        </a:xfrm>
-      </p:grpSpPr>
-      <p:sp>
-        <p:nvSpPr>
-          <p:cNvPr id="2" name="Titel 1">
-            <a:extLst>
-              <a:ext uri="{FF2B5EF4-FFF2-40B4-BE49-F238E27FC236}">
-                <a16:creationId xmlns:a16="http://schemas.microsoft.com/office/drawing/2014/main" id="{7D5F438D-02EE-4B8C-AA3D-CB1600BE2143}"/>
-              </a:ext>
-            </a:extLst>
-          </p:cNvPr>
-          <p:cNvSpPr>
-            <a:spLocks noGrp="1"/>
-          </p:cNvSpPr>
-          <p:nvPr>
-            <p:ph type="title"/>
-          </p:nvPr>
-        </p:nvSpPr>
-        <p:spPr/>
-        <p:txBody>
-          <a:bodyPr/>
-          <a:lstStyle/>
-          <a:p>
-            <a:r>
-              <a:rPr lang="de-DE" dirty="0"/>
-              <a:t>Modell</a:t>
-            </a:r>
-          </a:p>
-        </p:txBody>
-      </p:sp>
-      <p:sp>
-        <p:nvSpPr>
-          <p:cNvPr id="3" name="Inhaltsplatzhalter 2">
-            <a:extLst>
-              <a:ext uri="{FF2B5EF4-FFF2-40B4-BE49-F238E27FC236}">
-                <a16:creationId xmlns:a16="http://schemas.microsoft.com/office/drawing/2014/main" id="{FA8F7EB6-8152-4719-BEC1-509D27718DAE}"/>
-              </a:ext>
-            </a:extLst>
-          </p:cNvPr>
-          <p:cNvSpPr>
-            <a:spLocks noGrp="1"/>
-          </p:cNvSpPr>
-          <p:nvPr>
-            <p:ph idx="1"/>
-          </p:nvPr>
-        </p:nvSpPr>
-        <p:spPr/>
-        <p:txBody>
-          <a:bodyPr/>
-          <a:lstStyle/>
-          <a:p>
-            <a:r>
-              <a:rPr lang="de-DE" sz="2400" dirty="0" err="1"/>
-              <a:t>Resource</a:t>
-            </a:r>
-            <a:r>
-              <a:rPr lang="de-DE" sz="2400" dirty="0"/>
-              <a:t> Model: Jeder Typ von </a:t>
-            </a:r>
-            <a:r>
-              <a:rPr lang="de-DE" sz="2400" dirty="0" err="1"/>
-              <a:t>Workingnode</a:t>
-            </a:r>
-            <a:r>
-              <a:rPr lang="de-DE" sz="2400" dirty="0"/>
-              <a:t> mit CPU- und I/O-Verarbeitungsrate, Job Slots und Anzahl Instanzen</a:t>
-            </a:r>
-          </a:p>
-          <a:p>
-            <a:r>
-              <a:rPr lang="de-DE" sz="2400" dirty="0"/>
-              <a:t>Usage Model: Closed Workload mit immer ausreichend Jobs und konfigurierbaren Anteil der Job Typen</a:t>
-            </a:r>
-          </a:p>
-          <a:p>
-            <a:r>
-              <a:rPr lang="de-DE" sz="2400" dirty="0"/>
-              <a:t>Allocation Model: Jeder Job kann auf jedem </a:t>
-            </a:r>
-            <a:r>
-              <a:rPr lang="de-DE" sz="2400" dirty="0" err="1"/>
-              <a:t>Node</a:t>
-            </a:r>
-            <a:r>
-              <a:rPr lang="de-DE" sz="2400" dirty="0"/>
-              <a:t> laufen</a:t>
-            </a:r>
-          </a:p>
-          <a:p>
-            <a:r>
-              <a:rPr lang="de-DE" sz="2400" dirty="0"/>
-              <a:t>System Model: Einstiegspunkt Loadbalancer der mit allen Komponenten verbunden ist</a:t>
-            </a:r>
-          </a:p>
-          <a:p>
-            <a:r>
-              <a:rPr lang="de-DE" sz="2400" dirty="0"/>
-              <a:t>Component Model: Verhalten der Jobs mit ihrem CPU- und I/O-Bedarf, Anzahl Threads, benötigte Job Slots und Anzahl der Bedarfs-Runden</a:t>
-            </a:r>
-          </a:p>
-          <a:p>
-            <a:endParaRPr lang="de-DE" dirty="0"/>
-          </a:p>
-        </p:txBody>
-      </p:sp>
-      <p:sp>
-        <p:nvSpPr>
-          <p:cNvPr id="4" name="Fußzeilenplatzhalter 3">
-            <a:extLst>
-              <a:ext uri="{FF2B5EF4-FFF2-40B4-BE49-F238E27FC236}">
-                <a16:creationId xmlns:a16="http://schemas.microsoft.com/office/drawing/2014/main" id="{3037A641-F138-48D1-9A40-1EF84FC1F1AF}"/>
-              </a:ext>
-            </a:extLst>
-          </p:cNvPr>
-          <p:cNvSpPr>
-            <a:spLocks noGrp="1"/>
-          </p:cNvSpPr>
-          <p:nvPr>
-            <p:ph type="ftr" sz="quarter" idx="10"/>
-          </p:nvPr>
-        </p:nvSpPr>
-        <p:spPr/>
-        <p:txBody>
-          <a:bodyPr/>
-          <a:lstStyle/>
-          <a:p>
-            <a:r>
-              <a:rPr lang="de-DE" dirty="0">
-                <a:latin typeface="Arial" charset="0"/>
-                <a:cs typeface="Arial" charset="0"/>
-              </a:rPr>
-              <a:t>Firnkes Patrick:</a:t>
-            </a:r>
-            <a:r>
-              <a:rPr lang="de-DE" dirty="0"/>
-              <a:t> Modellierung und Simulation von Lastverteilungsstrategien </a:t>
-            </a:r>
-            <a:endParaRPr lang="de-DE" dirty="0">
-              <a:latin typeface="Arial" charset="0"/>
-              <a:cs typeface="Arial" charset="0"/>
-            </a:endParaRPr>
-          </a:p>
-        </p:txBody>
-      </p:sp>
-      <p:grpSp>
-        <p:nvGrpSpPr>
-          <p:cNvPr id="5" name="Gruppieren 4">
-            <a:extLst>
-              <a:ext uri="{FF2B5EF4-FFF2-40B4-BE49-F238E27FC236}">
-                <a16:creationId xmlns:a16="http://schemas.microsoft.com/office/drawing/2014/main" id="{079B16AA-A3C7-4716-AFA7-F3C7E5895B35}"/>
-              </a:ext>
-            </a:extLst>
-          </p:cNvPr>
-          <p:cNvGrpSpPr/>
-          <p:nvPr/>
-        </p:nvGrpSpPr>
-        <p:grpSpPr>
-          <a:xfrm>
-            <a:off x="36000" y="6014135"/>
-            <a:ext cx="9072000" cy="306886"/>
-            <a:chOff x="3900" y="6014135"/>
-            <a:chExt cx="9072000" cy="306886"/>
-          </a:xfrm>
-        </p:grpSpPr>
-        <p:sp>
-          <p:nvSpPr>
-            <p:cNvPr id="6" name="Eingekerbter Richtungspfeil 25">
-              <a:extLst>
-                <a:ext uri="{FF2B5EF4-FFF2-40B4-BE49-F238E27FC236}">
-                  <a16:creationId xmlns:a16="http://schemas.microsoft.com/office/drawing/2014/main" id="{92BBE5E5-BE10-4967-B385-EE0A2D7C8B20}"/>
-                </a:ext>
-              </a:extLst>
-            </p:cNvPr>
-            <p:cNvSpPr/>
-            <p:nvPr/>
-          </p:nvSpPr>
-          <p:spPr>
-            <a:xfrm>
-              <a:off x="7305994" y="6103273"/>
-              <a:ext cx="158496" cy="158496"/>
-            </a:xfrm>
-            <a:prstGeom prst="chevron">
-              <a:avLst/>
-            </a:prstGeom>
-          </p:spPr>
-          <p:style>
-            <a:lnRef idx="1">
-              <a:schemeClr val="accent4"/>
-            </a:lnRef>
-            <a:fillRef idx="2">
-              <a:schemeClr val="accent4"/>
-            </a:fillRef>
-            <a:effectRef idx="1">
-              <a:schemeClr val="accent4"/>
-            </a:effectRef>
-            <a:fontRef idx="minor">
-              <a:schemeClr val="dk1"/>
-            </a:fontRef>
-          </p:style>
-          <p:txBody>
-            <a:bodyPr rtlCol="0" anchor="ctr"/>
-            <a:lstStyle/>
-            <a:p>
-              <a:pPr algn="ctr"/>
-              <a:endParaRPr lang="de-DE">
-                <a:solidFill>
-                  <a:schemeClr val="tx1"/>
-                </a:solidFill>
-              </a:endParaRPr>
-            </a:p>
-          </p:txBody>
-        </p:sp>
-        <p:grpSp>
-          <p:nvGrpSpPr>
-            <p:cNvPr id="7" name="Gruppieren 6">
-              <a:extLst>
-                <a:ext uri="{FF2B5EF4-FFF2-40B4-BE49-F238E27FC236}">
-                  <a16:creationId xmlns:a16="http://schemas.microsoft.com/office/drawing/2014/main" id="{D39639C3-4123-4F7E-AE7F-E0365EF6A241}"/>
-                </a:ext>
-              </a:extLst>
-            </p:cNvPr>
-            <p:cNvGrpSpPr/>
-            <p:nvPr/>
-          </p:nvGrpSpPr>
-          <p:grpSpPr>
-            <a:xfrm>
-              <a:off x="3900" y="6014135"/>
-              <a:ext cx="9072000" cy="306886"/>
-              <a:chOff x="3900" y="6014135"/>
-              <a:chExt cx="9072000" cy="306886"/>
-            </a:xfrm>
-          </p:grpSpPr>
-          <p:grpSp>
-            <p:nvGrpSpPr>
-              <p:cNvPr id="8" name="Gruppieren 7">
-                <a:extLst>
-                  <a:ext uri="{FF2B5EF4-FFF2-40B4-BE49-F238E27FC236}">
-                    <a16:creationId xmlns:a16="http://schemas.microsoft.com/office/drawing/2014/main" id="{C8FAF765-7C69-47D6-A4AF-6B76B6C9FF4F}"/>
-                  </a:ext>
-                </a:extLst>
-              </p:cNvPr>
-              <p:cNvGrpSpPr/>
-              <p:nvPr/>
-            </p:nvGrpSpPr>
-            <p:grpSpPr>
-              <a:xfrm>
-                <a:off x="3900" y="6014135"/>
-                <a:ext cx="9072000" cy="306886"/>
-                <a:chOff x="3900" y="6014135"/>
-                <a:chExt cx="9072000" cy="306886"/>
-              </a:xfrm>
-            </p:grpSpPr>
-            <p:sp>
-              <p:nvSpPr>
-                <p:cNvPr id="14" name="Textfeld 13">
-                  <a:extLst>
-                    <a:ext uri="{FF2B5EF4-FFF2-40B4-BE49-F238E27FC236}">
-                      <a16:creationId xmlns:a16="http://schemas.microsoft.com/office/drawing/2014/main" id="{21622E2D-7FF6-4820-B2AB-EC98998D2F07}"/>
-                    </a:ext>
-                  </a:extLst>
-                </p:cNvPr>
-                <p:cNvSpPr txBox="1"/>
-                <p:nvPr/>
-              </p:nvSpPr>
-              <p:spPr>
-                <a:xfrm>
-                  <a:off x="7514250" y="6044022"/>
-                  <a:ext cx="1495202" cy="276999"/>
-                </a:xfrm>
-                <a:prstGeom prst="rect">
-                  <a:avLst/>
-                </a:prstGeom>
-                <a:noFill/>
-                <a:ln>
-                  <a:noFill/>
-                </a:ln>
-              </p:spPr>
-              <p:style>
-                <a:lnRef idx="2">
-                  <a:schemeClr val="accent3"/>
-                </a:lnRef>
-                <a:fillRef idx="1">
-                  <a:schemeClr val="lt1"/>
-                </a:fillRef>
-                <a:effectRef idx="0">
-                  <a:schemeClr val="accent3"/>
-                </a:effectRef>
-                <a:fontRef idx="minor">
-                  <a:schemeClr val="dk1"/>
-                </a:fontRef>
-              </p:style>
-              <p:txBody>
-                <a:bodyPr wrap="square" rtlCol="0">
-                  <a:spAutoFit/>
-                </a:bodyPr>
-                <a:lstStyle/>
-                <a:p>
-                  <a:r>
-                    <a:rPr lang="de-DE" sz="1200" dirty="0"/>
-                    <a:t>Zusammenfassung</a:t>
-                  </a:r>
-                </a:p>
-              </p:txBody>
-            </p:sp>
-            <p:sp>
-              <p:nvSpPr>
-                <p:cNvPr id="15" name="Textfeld 14">
-                  <a:extLst>
-                    <a:ext uri="{FF2B5EF4-FFF2-40B4-BE49-F238E27FC236}">
-                      <a16:creationId xmlns:a16="http://schemas.microsoft.com/office/drawing/2014/main" id="{06FF5048-8AC6-472A-953D-192692AB03CE}"/>
-                    </a:ext>
-                  </a:extLst>
-                </p:cNvPr>
-                <p:cNvSpPr txBox="1"/>
-                <p:nvPr/>
-              </p:nvSpPr>
-              <p:spPr>
-                <a:xfrm>
-                  <a:off x="97091" y="6044022"/>
-                  <a:ext cx="1029065" cy="276999"/>
-                </a:xfrm>
-                <a:prstGeom prst="rect">
-                  <a:avLst/>
-                </a:prstGeom>
-                <a:noFill/>
-                <a:ln>
-                  <a:noFill/>
-                </a:ln>
-              </p:spPr>
-              <p:style>
-                <a:lnRef idx="2">
-                  <a:schemeClr val="accent3"/>
-                </a:lnRef>
-                <a:fillRef idx="1">
-                  <a:schemeClr val="lt1"/>
-                </a:fillRef>
-                <a:effectRef idx="0">
-                  <a:schemeClr val="accent3"/>
-                </a:effectRef>
-                <a:fontRef idx="minor">
-                  <a:schemeClr val="dk1"/>
-                </a:fontRef>
-              </p:style>
-              <p:txBody>
-                <a:bodyPr wrap="square" rtlCol="0">
-                  <a:spAutoFit/>
-                </a:bodyPr>
-                <a:lstStyle/>
-                <a:p>
-                  <a:r>
-                    <a:rPr lang="en-US" sz="1200" dirty="0"/>
-                    <a:t>Motivation</a:t>
-                  </a:r>
-                </a:p>
-              </p:txBody>
-            </p:sp>
-            <p:sp>
-              <p:nvSpPr>
-                <p:cNvPr id="16" name="Eingekerbter Richtungspfeil 23">
-                  <a:extLst>
-                    <a:ext uri="{FF2B5EF4-FFF2-40B4-BE49-F238E27FC236}">
-                      <a16:creationId xmlns:a16="http://schemas.microsoft.com/office/drawing/2014/main" id="{15F90BFB-13BA-4AC5-967E-49C4C4305724}"/>
-                    </a:ext>
-                  </a:extLst>
-                </p:cNvPr>
-                <p:cNvSpPr/>
-                <p:nvPr/>
-              </p:nvSpPr>
-              <p:spPr>
-                <a:xfrm>
-                  <a:off x="1175920" y="6103273"/>
-                  <a:ext cx="158496" cy="158496"/>
-                </a:xfrm>
-                <a:prstGeom prst="chevron">
-                  <a:avLst/>
-                </a:prstGeom>
-              </p:spPr>
-              <p:style>
-                <a:lnRef idx="1">
-                  <a:schemeClr val="accent4"/>
-                </a:lnRef>
-                <a:fillRef idx="2">
-                  <a:schemeClr val="accent4"/>
-                </a:fillRef>
-                <a:effectRef idx="1">
-                  <a:schemeClr val="accent4"/>
-                </a:effectRef>
-                <a:fontRef idx="minor">
-                  <a:schemeClr val="dk1"/>
-                </a:fontRef>
-              </p:style>
-              <p:txBody>
-                <a:bodyPr rtlCol="0" anchor="ctr"/>
-                <a:lstStyle/>
-                <a:p>
-                  <a:pPr algn="ctr"/>
-                  <a:endParaRPr lang="de-DE" dirty="0">
-                    <a:solidFill>
-                      <a:schemeClr val="tx1"/>
-                    </a:solidFill>
-                  </a:endParaRPr>
-                </a:p>
-              </p:txBody>
-            </p:sp>
-            <p:sp>
-              <p:nvSpPr>
-                <p:cNvPr id="17" name="Eingekerbter Richtungspfeil 25">
-                  <a:extLst>
-                    <a:ext uri="{FF2B5EF4-FFF2-40B4-BE49-F238E27FC236}">
-                      <a16:creationId xmlns:a16="http://schemas.microsoft.com/office/drawing/2014/main" id="{01D20108-091D-423F-9B8E-326A928FB093}"/>
-                    </a:ext>
-                  </a:extLst>
-                </p:cNvPr>
-                <p:cNvSpPr/>
-                <p:nvPr/>
-              </p:nvSpPr>
-              <p:spPr>
-                <a:xfrm>
-                  <a:off x="5030588" y="6103273"/>
-                  <a:ext cx="158496" cy="158496"/>
-                </a:xfrm>
-                <a:prstGeom prst="chevron">
-                  <a:avLst/>
-                </a:prstGeom>
-              </p:spPr>
-              <p:style>
-                <a:lnRef idx="1">
-                  <a:schemeClr val="accent4"/>
-                </a:lnRef>
-                <a:fillRef idx="2">
-                  <a:schemeClr val="accent4"/>
-                </a:fillRef>
-                <a:effectRef idx="1">
-                  <a:schemeClr val="accent4"/>
-                </a:effectRef>
-                <a:fontRef idx="minor">
-                  <a:schemeClr val="dk1"/>
-                </a:fontRef>
-              </p:style>
-              <p:txBody>
-                <a:bodyPr rtlCol="0" anchor="ctr"/>
-                <a:lstStyle/>
-                <a:p>
-                  <a:pPr algn="ctr"/>
-                  <a:endParaRPr lang="de-DE" dirty="0">
-                    <a:solidFill>
-                      <a:schemeClr val="tx1"/>
-                    </a:solidFill>
-                  </a:endParaRPr>
-                </a:p>
-              </p:txBody>
-            </p:sp>
-            <p:cxnSp>
-              <p:nvCxnSpPr>
-                <p:cNvPr id="18" name="Gerade Verbindung 28">
-                  <a:extLst>
-                    <a:ext uri="{FF2B5EF4-FFF2-40B4-BE49-F238E27FC236}">
-                      <a16:creationId xmlns:a16="http://schemas.microsoft.com/office/drawing/2014/main" id="{98272423-C4A9-4BA9-B895-F58796DA90DF}"/>
-                    </a:ext>
-                  </a:extLst>
-                </p:cNvPr>
-                <p:cNvCxnSpPr/>
-                <p:nvPr/>
-              </p:nvCxnSpPr>
-              <p:spPr>
-                <a:xfrm>
-                  <a:off x="3900" y="6014135"/>
-                  <a:ext cx="9072000" cy="1588"/>
-                </a:xfrm>
-                <a:prstGeom prst="line">
-                  <a:avLst/>
-                </a:prstGeom>
-                <a:ln w="41275">
-                  <a:solidFill>
-                    <a:schemeClr val="accent3">
-                      <a:lumMod val="85000"/>
-                    </a:schemeClr>
-                  </a:solidFill>
-                </a:ln>
-              </p:spPr>
-              <p:style>
-                <a:lnRef idx="1">
-                  <a:schemeClr val="accent1"/>
-                </a:lnRef>
-                <a:fillRef idx="0">
-                  <a:schemeClr val="accent1"/>
-                </a:fillRef>
-                <a:effectRef idx="0">
-                  <a:schemeClr val="accent1"/>
-                </a:effectRef>
-                <a:fontRef idx="minor">
-                  <a:schemeClr val="tx1"/>
-                </a:fontRef>
-              </p:style>
-            </p:cxnSp>
-            <p:sp>
-              <p:nvSpPr>
-                <p:cNvPr id="19" name="Textfeld 18">
-                  <a:extLst>
-                    <a:ext uri="{FF2B5EF4-FFF2-40B4-BE49-F238E27FC236}">
-                      <a16:creationId xmlns:a16="http://schemas.microsoft.com/office/drawing/2014/main" id="{90C7514D-F98C-4672-92A9-251DD8ADC5B5}"/>
-                    </a:ext>
-                  </a:extLst>
-                </p:cNvPr>
-                <p:cNvSpPr txBox="1"/>
-                <p:nvPr/>
-              </p:nvSpPr>
-              <p:spPr>
-                <a:xfrm>
-                  <a:off x="2898316" y="6044022"/>
-                  <a:ext cx="1097616" cy="276999"/>
-                </a:xfrm>
-                <a:prstGeom prst="rect">
-                  <a:avLst/>
-                </a:prstGeom>
-                <a:noFill/>
-                <a:ln>
-                  <a:noFill/>
-                </a:ln>
-              </p:spPr>
-              <p:style>
-                <a:lnRef idx="2">
-                  <a:schemeClr val="accent3"/>
-                </a:lnRef>
-                <a:fillRef idx="1">
-                  <a:schemeClr val="lt1"/>
-                </a:fillRef>
-                <a:effectRef idx="0">
-                  <a:schemeClr val="accent3"/>
-                </a:effectRef>
-                <a:fontRef idx="minor">
-                  <a:schemeClr val="dk1"/>
-                </a:fontRef>
-              </p:style>
-              <p:txBody>
-                <a:bodyPr wrap="square" rtlCol="0">
-                  <a:spAutoFit/>
-                </a:bodyPr>
-                <a:lstStyle/>
-                <a:p>
-                  <a:r>
-                    <a:rPr lang="de-DE" sz="1200" dirty="0"/>
-                    <a:t>Meilensteine</a:t>
-                  </a:r>
-                </a:p>
-              </p:txBody>
-            </p:sp>
-            <p:sp>
-              <p:nvSpPr>
-                <p:cNvPr id="20" name="Textfeld 19">
-                  <a:extLst>
-                    <a:ext uri="{FF2B5EF4-FFF2-40B4-BE49-F238E27FC236}">
-                      <a16:creationId xmlns:a16="http://schemas.microsoft.com/office/drawing/2014/main" id="{F0391E2F-A26E-4EDB-B27B-FD7A230AFE3E}"/>
-                    </a:ext>
-                  </a:extLst>
-                </p:cNvPr>
-                <p:cNvSpPr txBox="1"/>
-                <p:nvPr/>
-              </p:nvSpPr>
-              <p:spPr>
-                <a:xfrm>
-                  <a:off x="1384180" y="6044022"/>
-                  <a:ext cx="1305876" cy="276999"/>
-                </a:xfrm>
-                <a:prstGeom prst="rect">
-                  <a:avLst/>
-                </a:prstGeom>
-                <a:noFill/>
-                <a:ln>
-                  <a:noFill/>
-                </a:ln>
-              </p:spPr>
-              <p:style>
-                <a:lnRef idx="2">
-                  <a:schemeClr val="accent3"/>
-                </a:lnRef>
-                <a:fillRef idx="1">
-                  <a:schemeClr val="lt1"/>
-                </a:fillRef>
-                <a:effectRef idx="0">
-                  <a:schemeClr val="accent3"/>
-                </a:effectRef>
-                <a:fontRef idx="minor">
-                  <a:schemeClr val="dk1"/>
-                </a:fontRef>
-              </p:style>
-              <p:txBody>
-                <a:bodyPr wrap="square" rtlCol="0">
-                  <a:spAutoFit/>
-                </a:bodyPr>
-                <a:lstStyle/>
-                <a:p>
-                  <a:r>
-                    <a:rPr lang="de-DE" sz="1200" dirty="0"/>
-                    <a:t>State of the Art</a:t>
-                  </a:r>
-                </a:p>
-              </p:txBody>
-            </p:sp>
-            <p:sp>
-              <p:nvSpPr>
-                <p:cNvPr id="21" name="Eingekerbter Richtungspfeil 25">
-                  <a:extLst>
-                    <a:ext uri="{FF2B5EF4-FFF2-40B4-BE49-F238E27FC236}">
-                      <a16:creationId xmlns:a16="http://schemas.microsoft.com/office/drawing/2014/main" id="{1421C615-4A44-4075-9AAB-24AEE20EA201}"/>
-                    </a:ext>
-                  </a:extLst>
-                </p:cNvPr>
-                <p:cNvSpPr/>
-                <p:nvPr/>
-              </p:nvSpPr>
-              <p:spPr>
-                <a:xfrm>
-                  <a:off x="2690056" y="6103273"/>
-                  <a:ext cx="158496" cy="158496"/>
-                </a:xfrm>
-                <a:prstGeom prst="chevron">
-                  <a:avLst/>
-                </a:prstGeom>
-              </p:spPr>
-              <p:style>
-                <a:lnRef idx="1">
-                  <a:schemeClr val="accent4"/>
-                </a:lnRef>
-                <a:fillRef idx="2">
-                  <a:schemeClr val="accent4"/>
-                </a:fillRef>
-                <a:effectRef idx="1">
-                  <a:schemeClr val="accent4"/>
-                </a:effectRef>
-                <a:fontRef idx="minor">
-                  <a:schemeClr val="dk1"/>
-                </a:fontRef>
-              </p:style>
-              <p:txBody>
-                <a:bodyPr rtlCol="0" anchor="ctr"/>
-                <a:lstStyle/>
-                <a:p>
-                  <a:pPr algn="ctr"/>
-                  <a:endParaRPr lang="de-DE">
-                    <a:solidFill>
-                      <a:schemeClr val="tx1"/>
-                    </a:solidFill>
-                  </a:endParaRPr>
-                </a:p>
-              </p:txBody>
-            </p:sp>
-          </p:grpSp>
-          <p:sp>
-            <p:nvSpPr>
-              <p:cNvPr id="9" name="Textfeld 8">
-                <a:extLst>
-                  <a:ext uri="{FF2B5EF4-FFF2-40B4-BE49-F238E27FC236}">
-                    <a16:creationId xmlns:a16="http://schemas.microsoft.com/office/drawing/2014/main" id="{3EED3795-2BF3-4481-8967-881134110E69}"/>
-                  </a:ext>
-                </a:extLst>
-              </p:cNvPr>
-              <p:cNvSpPr txBox="1"/>
-              <p:nvPr/>
-            </p:nvSpPr>
-            <p:spPr>
-              <a:xfrm>
-                <a:off x="4235173" y="6044022"/>
-                <a:ext cx="745651" cy="276999"/>
-              </a:xfrm>
-              <a:prstGeom prst="rect">
-                <a:avLst/>
-              </a:prstGeom>
-              <a:noFill/>
-              <a:ln>
-                <a:noFill/>
-              </a:ln>
-            </p:spPr>
-            <p:style>
-              <a:lnRef idx="2">
-                <a:schemeClr val="accent3"/>
-              </a:lnRef>
-              <a:fillRef idx="1">
-                <a:schemeClr val="lt1"/>
-              </a:fillRef>
-              <a:effectRef idx="0">
-                <a:schemeClr val="accent3"/>
-              </a:effectRef>
-              <a:fontRef idx="minor">
-                <a:schemeClr val="dk1"/>
-              </a:fontRef>
-            </p:style>
-            <p:txBody>
-              <a:bodyPr wrap="square" rtlCol="0">
-                <a:spAutoFit/>
-              </a:bodyPr>
-              <a:lstStyle/>
-              <a:p>
-                <a:r>
-                  <a:rPr lang="de-DE" sz="1200" b="1" dirty="0"/>
-                  <a:t>Modell</a:t>
-                </a:r>
-              </a:p>
-            </p:txBody>
-          </p:sp>
-          <p:sp>
-            <p:nvSpPr>
-              <p:cNvPr id="10" name="Textfeld 9">
-                <a:extLst>
-                  <a:ext uri="{FF2B5EF4-FFF2-40B4-BE49-F238E27FC236}">
-                    <a16:creationId xmlns:a16="http://schemas.microsoft.com/office/drawing/2014/main" id="{481EF124-1A22-4DBD-805B-A1221281D723}"/>
-                  </a:ext>
-                </a:extLst>
-              </p:cNvPr>
-              <p:cNvSpPr txBox="1"/>
-              <p:nvPr/>
-            </p:nvSpPr>
-            <p:spPr>
-              <a:xfrm>
-                <a:off x="5238848" y="6044022"/>
-                <a:ext cx="999624" cy="276999"/>
-              </a:xfrm>
-              <a:prstGeom prst="rect">
-                <a:avLst/>
-              </a:prstGeom>
-              <a:noFill/>
-              <a:ln>
-                <a:noFill/>
-              </a:ln>
-            </p:spPr>
-            <p:style>
-              <a:lnRef idx="2">
-                <a:schemeClr val="accent3"/>
-              </a:lnRef>
-              <a:fillRef idx="1">
-                <a:schemeClr val="lt1"/>
-              </a:fillRef>
-              <a:effectRef idx="0">
-                <a:schemeClr val="accent3"/>
-              </a:effectRef>
-              <a:fontRef idx="minor">
-                <a:schemeClr val="dk1"/>
-              </a:fontRef>
-            </p:style>
-            <p:txBody>
-              <a:bodyPr wrap="square" rtlCol="0">
-                <a:spAutoFit/>
-              </a:bodyPr>
-              <a:lstStyle/>
-              <a:p>
-                <a:r>
-                  <a:rPr lang="de-DE" sz="1200" dirty="0"/>
-                  <a:t>Validierung</a:t>
-                </a:r>
-              </a:p>
-            </p:txBody>
-          </p:sp>
-          <p:sp>
-            <p:nvSpPr>
-              <p:cNvPr id="11" name="Eingekerbter Richtungspfeil 25">
-                <a:extLst>
-                  <a:ext uri="{FF2B5EF4-FFF2-40B4-BE49-F238E27FC236}">
-                    <a16:creationId xmlns:a16="http://schemas.microsoft.com/office/drawing/2014/main" id="{E9209ABC-9A1E-4A2A-8BB4-F35E60079AB1}"/>
-                  </a:ext>
-                </a:extLst>
-              </p:cNvPr>
-              <p:cNvSpPr/>
-              <p:nvPr/>
-            </p:nvSpPr>
-            <p:spPr>
-              <a:xfrm>
-                <a:off x="6288236" y="6103273"/>
-                <a:ext cx="158496" cy="158496"/>
-              </a:xfrm>
-              <a:prstGeom prst="chevron">
-                <a:avLst/>
-              </a:prstGeom>
-            </p:spPr>
-            <p:style>
-              <a:lnRef idx="1">
-                <a:schemeClr val="accent4"/>
-              </a:lnRef>
-              <a:fillRef idx="2">
-                <a:schemeClr val="accent4"/>
-              </a:fillRef>
-              <a:effectRef idx="1">
-                <a:schemeClr val="accent4"/>
-              </a:effectRef>
-              <a:fontRef idx="minor">
-                <a:schemeClr val="dk1"/>
-              </a:fontRef>
-            </p:style>
-            <p:txBody>
-              <a:bodyPr rtlCol="0" anchor="ctr"/>
-              <a:lstStyle/>
-              <a:p>
-                <a:pPr algn="ctr"/>
-                <a:endParaRPr lang="de-DE">
-                  <a:solidFill>
-                    <a:schemeClr val="tx1"/>
-                  </a:solidFill>
-                </a:endParaRPr>
-              </a:p>
-            </p:txBody>
-          </p:sp>
-          <p:sp>
-            <p:nvSpPr>
-              <p:cNvPr id="12" name="Textfeld 11">
-                <a:extLst>
-                  <a:ext uri="{FF2B5EF4-FFF2-40B4-BE49-F238E27FC236}">
-                    <a16:creationId xmlns:a16="http://schemas.microsoft.com/office/drawing/2014/main" id="{C609AFDE-F6E4-4DAF-9F2D-0295EBCD0AD0}"/>
-                  </a:ext>
-                </a:extLst>
-              </p:cNvPr>
-              <p:cNvSpPr txBox="1"/>
-              <p:nvPr/>
-            </p:nvSpPr>
-            <p:spPr>
-              <a:xfrm>
-                <a:off x="6496496" y="6044022"/>
-                <a:ext cx="759734" cy="276999"/>
-              </a:xfrm>
-              <a:prstGeom prst="rect">
-                <a:avLst/>
-              </a:prstGeom>
-              <a:noFill/>
-              <a:ln>
-                <a:noFill/>
-              </a:ln>
-            </p:spPr>
-            <p:style>
-              <a:lnRef idx="2">
-                <a:schemeClr val="accent3"/>
-              </a:lnRef>
-              <a:fillRef idx="1">
-                <a:schemeClr val="lt1"/>
-              </a:fillRef>
-              <a:effectRef idx="0">
-                <a:schemeClr val="accent3"/>
-              </a:effectRef>
-              <a:fontRef idx="minor">
-                <a:schemeClr val="dk1"/>
-              </a:fontRef>
-            </p:style>
-            <p:txBody>
-              <a:bodyPr wrap="square" rtlCol="0">
-                <a:spAutoFit/>
-              </a:bodyPr>
-              <a:lstStyle/>
-              <a:p>
-                <a:r>
-                  <a:rPr lang="de-DE" sz="1200" dirty="0"/>
-                  <a:t>Outlook</a:t>
-                </a:r>
-              </a:p>
-            </p:txBody>
-          </p:sp>
-          <p:sp>
-            <p:nvSpPr>
-              <p:cNvPr id="13" name="Eingekerbter Richtungspfeil 25">
-                <a:extLst>
-                  <a:ext uri="{FF2B5EF4-FFF2-40B4-BE49-F238E27FC236}">
-                    <a16:creationId xmlns:a16="http://schemas.microsoft.com/office/drawing/2014/main" id="{C535ECFB-8784-4FC1-A500-A8CA4988F1EF}"/>
-                  </a:ext>
-                </a:extLst>
-              </p:cNvPr>
-              <p:cNvSpPr/>
-              <p:nvPr/>
-            </p:nvSpPr>
-            <p:spPr>
-              <a:xfrm>
-                <a:off x="4026913" y="6103273"/>
-                <a:ext cx="158496" cy="158496"/>
-              </a:xfrm>
-              <a:prstGeom prst="chevron">
-                <a:avLst/>
-              </a:prstGeom>
-            </p:spPr>
-            <p:style>
-              <a:lnRef idx="1">
-                <a:schemeClr val="accent4"/>
-              </a:lnRef>
-              <a:fillRef idx="2">
-                <a:schemeClr val="accent4"/>
-              </a:fillRef>
-              <a:effectRef idx="1">
-                <a:schemeClr val="accent4"/>
-              </a:effectRef>
-              <a:fontRef idx="minor">
-                <a:schemeClr val="dk1"/>
-              </a:fontRef>
-            </p:style>
-            <p:txBody>
-              <a:bodyPr rtlCol="0" anchor="ctr"/>
-              <a:lstStyle/>
-              <a:p>
-                <a:pPr algn="ctr"/>
-                <a:endParaRPr lang="de-DE">
-                  <a:solidFill>
-                    <a:schemeClr val="tx1"/>
-                  </a:solidFill>
-                </a:endParaRPr>
-              </a:p>
-            </p:txBody>
-          </p:sp>
-        </p:grpSp>
-      </p:grpSp>
-    </p:spTree>
-    <p:extLst>
-      <p:ext uri="{BB962C8B-B14F-4D97-AF65-F5344CB8AC3E}">
-        <p14:creationId xmlns:p14="http://schemas.microsoft.com/office/powerpoint/2010/main" val="3851641745"/>
-      </p:ext>
-    </p:extLst>
-  </p:cSld>
-  <p:clrMapOvr>
-    <a:masterClrMapping/>
-  </p:clrMapOvr>
-</p:sld>
-</file>
-
-<file path=ppt/slides/slide24.xml><?xml version="1.0" encoding="utf-8"?>
 <p:sld xmlns:a="http://schemas.openxmlformats.org/drawingml/2006/main" xmlns:r="http://schemas.openxmlformats.org/officeDocument/2006/relationships" xmlns:p="http://schemas.openxmlformats.org/presentationml/2006/main">
   <p:cSld>
     <p:spTree>
@@ -23992,7 +22160,7 @@
               <a:p>
                 <a:r>
                   <a:rPr lang="de-DE" sz="1200" dirty="0"/>
-                  <a:t>Outlook</a:t>
+                  <a:t>Ausblick</a:t>
                 </a:r>
               </a:p>
             </p:txBody>
@@ -24060,7 +22228,7 @@
 </p:sld>
 </file>
 
-<file path=ppt/slides/slide25.xml><?xml version="1.0" encoding="utf-8"?>
+<file path=ppt/slides/slide23.xml><?xml version="1.0" encoding="utf-8"?>
 <p:sld xmlns:a="http://schemas.openxmlformats.org/drawingml/2006/main" xmlns:r="http://schemas.openxmlformats.org/officeDocument/2006/relationships" xmlns:p="http://schemas.openxmlformats.org/presentationml/2006/main">
   <p:cSld>
     <p:spTree>
@@ -24197,7 +22365,7 @@
           <a:graphicData uri="http://schemas.openxmlformats.org/presentationml/2006/ole">
             <mc:AlternateContent xmlns:mc="http://schemas.openxmlformats.org/markup-compatibility/2006">
               <mc:Choice xmlns:v="urn:schemas-microsoft-com:vml" Requires="v">
-                <p:oleObj spid="_x0000_s1055" name="Acrobat Document" r:id="rId4" imgW="3771599" imgH="2400071" progId="AcroExch.Document.DC">
+                <p:oleObj spid="_x0000_s1064" name="Acrobat Document" r:id="rId4" imgW="3771599" imgH="2400071" progId="AcroExch.Document.DC">
                   <p:embed/>
                 </p:oleObj>
               </mc:Choice>
@@ -24935,7 +23103,7 @@
               <a:p>
                 <a:r>
                   <a:rPr lang="de-DE" sz="1200" dirty="0"/>
-                  <a:t>Outlook</a:t>
+                  <a:t>Ausblick</a:t>
                 </a:r>
               </a:p>
             </p:txBody>
@@ -25003,7 +23171,7 @@
 </p:sld>
 </file>
 
-<file path=ppt/slides/slide26.xml><?xml version="1.0" encoding="utf-8"?>
+<file path=ppt/slides/slide24.xml><?xml version="1.0" encoding="utf-8"?>
 <p:sld xmlns:a="http://schemas.openxmlformats.org/drawingml/2006/main" xmlns:r="http://schemas.openxmlformats.org/officeDocument/2006/relationships" xmlns:p="http://schemas.openxmlformats.org/presentationml/2006/main">
   <p:cSld>
     <p:spTree>
@@ -25140,7 +23308,7 @@
           <a:graphicData uri="http://schemas.openxmlformats.org/presentationml/2006/ole">
             <mc:AlternateContent xmlns:mc="http://schemas.openxmlformats.org/markup-compatibility/2006">
               <mc:Choice xmlns:v="urn:schemas-microsoft-com:vml" Requires="v">
-                <p:oleObj spid="_x0000_s2079" name="Acrobat Document" r:id="rId4" imgW="3771599" imgH="2400071" progId="AcroExch.Document.DC">
+                <p:oleObj spid="_x0000_s2088" name="Acrobat Document" r:id="rId4" imgW="3771599" imgH="2400071" progId="AcroExch.Document.DC">
                   <p:embed/>
                 </p:oleObj>
               </mc:Choice>
@@ -25878,7 +24046,7 @@
               <a:p>
                 <a:r>
                   <a:rPr lang="de-DE" sz="1200" dirty="0"/>
-                  <a:t>Outlook</a:t>
+                  <a:t>Ausblick</a:t>
                 </a:r>
               </a:p>
             </p:txBody>
@@ -25946,7 +24114,7 @@
 </p:sld>
 </file>
 
-<file path=ppt/slides/slide27.xml><?xml version="1.0" encoding="utf-8"?>
+<file path=ppt/slides/slide25.xml><?xml version="1.0" encoding="utf-8"?>
 <p:sld xmlns:a="http://schemas.openxmlformats.org/drawingml/2006/main" xmlns:r="http://schemas.openxmlformats.org/officeDocument/2006/relationships" xmlns:p="http://schemas.openxmlformats.org/presentationml/2006/main">
   <p:cSld>
     <p:spTree>
@@ -25980,7 +24148,7 @@
           <a:p>
             <a:r>
               <a:rPr lang="de-DE" noProof="0" dirty="0"/>
-              <a:t>Outlook</a:t>
+              <a:t>Ausblick</a:t>
             </a:r>
           </a:p>
         </p:txBody>
@@ -26074,7 +24242,7 @@
           <a:p>
             <a:r>
               <a:rPr lang="de-DE" dirty="0"/>
-              <a:t>Simuliere Data Caches</a:t>
+              <a:t>Simuliere Daten-Caches</a:t>
             </a:r>
           </a:p>
           <a:p>
@@ -26775,7 +24943,7 @@
             <p:spPr>
               <a:xfrm>
                 <a:off x="6496496" y="6044022"/>
-                <a:ext cx="773904" cy="276999"/>
+                <a:ext cx="838934" cy="276999"/>
               </a:xfrm>
               <a:prstGeom prst="rect">
                 <a:avLst/>
@@ -26807,7 +24975,7 @@
               <a:p>
                 <a:r>
                   <a:rPr lang="de-DE" sz="1200" b="1" dirty="0"/>
-                  <a:t>Outlook</a:t>
+                  <a:t>Ausblick</a:t>
                 </a:r>
               </a:p>
             </p:txBody>
@@ -26875,7 +25043,7 @@
 </p:sld>
 </file>
 
-<file path=ppt/slides/slide28.xml><?xml version="1.0" encoding="utf-8"?>
+<file path=ppt/slides/slide26.xml><?xml version="1.0" encoding="utf-8"?>
 <p:sld xmlns:a="http://schemas.openxmlformats.org/drawingml/2006/main" xmlns:r="http://schemas.openxmlformats.org/officeDocument/2006/relationships" xmlns:p="http://schemas.openxmlformats.org/presentationml/2006/main">
   <p:cSld>
     <p:spTree>
@@ -27822,7 +25990,7 @@
               <a:p>
                 <a:r>
                   <a:rPr lang="de-DE" sz="1200" dirty="0"/>
-                  <a:t>Outlook</a:t>
+                  <a:t>Ausblick</a:t>
                 </a:r>
               </a:p>
             </p:txBody>
@@ -27890,6 +26058,611 @@
 </p:sld>
 </file>
 
+<file path=ppt/slides/slide27.xml><?xml version="1.0" encoding="utf-8"?>
+<p:sld xmlns:a="http://schemas.openxmlformats.org/drawingml/2006/main" xmlns:r="http://schemas.openxmlformats.org/officeDocument/2006/relationships" xmlns:p="http://schemas.openxmlformats.org/presentationml/2006/main">
+  <p:cSld>
+    <p:spTree>
+      <p:nvGrpSpPr>
+        <p:cNvPr id="1" name=""/>
+        <p:cNvGrpSpPr/>
+        <p:nvPr/>
+      </p:nvGrpSpPr>
+      <p:grpSpPr>
+        <a:xfrm>
+          <a:off x="0" y="0"/>
+          <a:ext cx="0" cy="0"/>
+          <a:chOff x="0" y="0"/>
+          <a:chExt cx="0" cy="0"/>
+        </a:xfrm>
+      </p:grpSpPr>
+      <p:sp>
+        <p:nvSpPr>
+          <p:cNvPr id="17409" name="Titel 1"/>
+          <p:cNvSpPr>
+            <a:spLocks noGrp="1"/>
+          </p:cNvSpPr>
+          <p:nvPr>
+            <p:ph type="title"/>
+          </p:nvPr>
+        </p:nvSpPr>
+        <p:spPr/>
+        <p:txBody>
+          <a:bodyPr/>
+          <a:lstStyle/>
+          <a:p>
+            <a:r>
+              <a:rPr lang="de-DE" noProof="0" dirty="0"/>
+              <a:t>Quellen</a:t>
+            </a:r>
+          </a:p>
+        </p:txBody>
+      </p:sp>
+      <p:sp>
+        <p:nvSpPr>
+          <p:cNvPr id="3" name="Inhaltsplatzhalter 2"/>
+          <p:cNvSpPr>
+            <a:spLocks noGrp="1"/>
+          </p:cNvSpPr>
+          <p:nvPr>
+            <p:ph idx="1"/>
+          </p:nvPr>
+        </p:nvSpPr>
+        <p:spPr/>
+        <p:txBody>
+          <a:bodyPr/>
+          <a:lstStyle/>
+          <a:p>
+            <a:r>
+              <a:rPr lang="de-DE" sz="2000" noProof="0" dirty="0"/>
+              <a:t>WLCG Project. WLCG Worldwide LHC Computing Grid. 2017. url: http://wlcg-public.web.cern.ch/ (</a:t>
+            </a:r>
+            <a:r>
+              <a:rPr lang="de-DE" sz="2000" noProof="0" dirty="0" err="1"/>
+              <a:t>visited</a:t>
+            </a:r>
+            <a:r>
+              <a:rPr lang="de-DE" sz="2000" noProof="0" dirty="0"/>
+              <a:t> on 11/2017).</a:t>
+            </a:r>
+          </a:p>
+          <a:p>
+            <a:r>
+              <a:rPr lang="de-DE" sz="2000" noProof="0" dirty="0"/>
+              <a:t>Ian Bird. “Computing </a:t>
+            </a:r>
+            <a:r>
+              <a:rPr lang="de-DE" sz="2000" noProof="0" dirty="0" err="1"/>
+              <a:t>for</a:t>
+            </a:r>
+            <a:r>
+              <a:rPr lang="de-DE" sz="2000" noProof="0" dirty="0"/>
+              <a:t> the Large </a:t>
+            </a:r>
+            <a:r>
+              <a:rPr lang="de-DE" sz="2000" noProof="0" dirty="0" err="1"/>
+              <a:t>Hadron</a:t>
+            </a:r>
+            <a:r>
+              <a:rPr lang="de-DE" sz="2000" noProof="0" dirty="0"/>
+              <a:t> </a:t>
+            </a:r>
+            <a:r>
+              <a:rPr lang="de-DE" sz="2000" noProof="0" dirty="0" err="1"/>
+              <a:t>Collider</a:t>
+            </a:r>
+            <a:r>
+              <a:rPr lang="de-DE" sz="2000" noProof="0" dirty="0"/>
+              <a:t>”. In: Annual Review of </a:t>
+            </a:r>
+            <a:r>
+              <a:rPr lang="de-DE" sz="2000" noProof="0" dirty="0" err="1"/>
+              <a:t>Nuclear</a:t>
+            </a:r>
+            <a:r>
+              <a:rPr lang="de-DE" sz="2000" noProof="0" dirty="0"/>
+              <a:t> </a:t>
+            </a:r>
+            <a:r>
+              <a:rPr lang="de-DE" sz="2000" noProof="0" dirty="0" err="1"/>
+              <a:t>and</a:t>
+            </a:r>
+            <a:r>
+              <a:rPr lang="de-DE" sz="2000" noProof="0" dirty="0"/>
+              <a:t> </a:t>
+            </a:r>
+            <a:r>
+              <a:rPr lang="de-DE" sz="2000" noProof="0" dirty="0" err="1"/>
+              <a:t>Particle</a:t>
+            </a:r>
+            <a:r>
+              <a:rPr lang="de-DE" sz="2000" noProof="0" dirty="0"/>
+              <a:t> Science 61.1 (2011), pp. 99–118. </a:t>
+            </a:r>
+            <a:r>
+              <a:rPr lang="de-DE" sz="2000" noProof="0" dirty="0" err="1"/>
+              <a:t>doi</a:t>
+            </a:r>
+            <a:r>
+              <a:rPr lang="de-DE" sz="2000" noProof="0" dirty="0"/>
+              <a:t>: 10 . 1146 / </a:t>
+            </a:r>
+            <a:r>
+              <a:rPr lang="de-DE" sz="2000" noProof="0" dirty="0" err="1"/>
+              <a:t>annurev</a:t>
+            </a:r>
+            <a:r>
+              <a:rPr lang="de-DE" sz="2000" noProof="0" dirty="0"/>
+              <a:t> - </a:t>
+            </a:r>
+            <a:r>
+              <a:rPr lang="de-DE" sz="2000" noProof="0" dirty="0" err="1"/>
+              <a:t>nucl</a:t>
+            </a:r>
+            <a:r>
+              <a:rPr lang="de-DE" sz="2000" noProof="0" dirty="0"/>
+              <a:t> - 102010 -130059. </a:t>
+            </a:r>
+            <a:r>
+              <a:rPr lang="de-DE" sz="2000" noProof="0" dirty="0" err="1"/>
+              <a:t>print</a:t>
+            </a:r>
+            <a:r>
+              <a:rPr lang="de-DE" sz="2000" noProof="0" dirty="0"/>
+              <a:t>: https://doi.org/10.1146/annurev-nucl-102010-130059. url: </a:t>
+            </a:r>
+            <a:r>
+              <a:rPr lang="de-DE" sz="2000" noProof="0" dirty="0">
+                <a:hlinkClick r:id="rId3"/>
+              </a:rPr>
+              <a:t>https://doi.org/10.1146/annurev-nucl-102010-130059</a:t>
+            </a:r>
+            <a:r>
+              <a:rPr lang="de-DE" sz="2000" noProof="0" dirty="0"/>
+              <a:t>.</a:t>
+            </a:r>
+          </a:p>
+          <a:p>
+            <a:r>
+              <a:rPr lang="de-DE" sz="2000" dirty="0"/>
+              <a:t>C Zach et al. “Simulation of the </a:t>
+            </a:r>
+            <a:r>
+              <a:rPr lang="de-DE" sz="2000" dirty="0" err="1"/>
+              <a:t>job</a:t>
+            </a:r>
+            <a:r>
+              <a:rPr lang="de-DE" sz="2000" dirty="0"/>
+              <a:t> </a:t>
+            </a:r>
+            <a:r>
+              <a:rPr lang="de-DE" sz="2000" dirty="0" err="1"/>
+              <a:t>processing</a:t>
+            </a:r>
+            <a:r>
+              <a:rPr lang="de-DE" sz="2000" dirty="0"/>
+              <a:t> </a:t>
+            </a:r>
+            <a:r>
+              <a:rPr lang="de-DE" sz="2000" dirty="0" err="1"/>
+              <a:t>performance</a:t>
+            </a:r>
+            <a:r>
+              <a:rPr lang="de-DE" sz="2000" dirty="0"/>
+              <a:t> at an ALICE Tier-2 </a:t>
+            </a:r>
+            <a:r>
+              <a:rPr lang="de-DE" sz="2000" dirty="0" err="1"/>
+              <a:t>site</a:t>
+            </a:r>
+            <a:r>
+              <a:rPr lang="de-DE" sz="2000" dirty="0"/>
+              <a:t> </a:t>
+            </a:r>
+            <a:r>
+              <a:rPr lang="de-DE" sz="2000" dirty="0" err="1"/>
+              <a:t>with</a:t>
+            </a:r>
+            <a:r>
+              <a:rPr lang="de-DE" sz="2000" dirty="0"/>
+              <a:t> MONARC”. In: Journal of Physics: Conference Series 331.7 (2011), p. 072038. </a:t>
+            </a:r>
+            <a:r>
+              <a:rPr lang="de-DE" sz="2000" dirty="0">
+                <a:hlinkClick r:id="rId4"/>
+              </a:rPr>
+              <a:t>url:http://stacks.iop.org/1742-6596/331/i=7/a=072038</a:t>
+            </a:r>
+            <a:r>
+              <a:rPr lang="de-DE" sz="2000" dirty="0"/>
+              <a:t>.</a:t>
+            </a:r>
+            <a:endParaRPr lang="de-DE" sz="2000" noProof="0" dirty="0"/>
+          </a:p>
+          <a:p>
+            <a:r>
+              <a:rPr lang="de-DE" sz="2000" dirty="0"/>
+              <a:t>WLCG Project. WLCG </a:t>
+            </a:r>
+            <a:r>
+              <a:rPr lang="de-DE" sz="2000" dirty="0" err="1"/>
+              <a:t>REsource</a:t>
+            </a:r>
+            <a:r>
+              <a:rPr lang="de-DE" sz="2000" dirty="0"/>
+              <a:t>, Balance &amp; </a:t>
+            </a:r>
+            <a:r>
+              <a:rPr lang="de-DE" sz="2000" dirty="0" err="1"/>
+              <a:t>USage</a:t>
+            </a:r>
+            <a:r>
+              <a:rPr lang="de-DE" sz="2000" dirty="0"/>
+              <a:t>. 2017. url: https://wlcg-rebus.cern.ch/apps/capacities/federations/ (</a:t>
+            </a:r>
+            <a:r>
+              <a:rPr lang="de-DE" sz="2000" dirty="0" err="1"/>
+              <a:t>visited</a:t>
+            </a:r>
+            <a:r>
+              <a:rPr lang="de-DE" sz="2000" dirty="0"/>
+              <a:t> on 11/2017).</a:t>
+            </a:r>
+            <a:endParaRPr lang="de-DE" sz="2000" noProof="0" dirty="0"/>
+          </a:p>
+        </p:txBody>
+      </p:sp>
+      <p:sp>
+        <p:nvSpPr>
+          <p:cNvPr id="17412" name="Fußzeilenplatzhalter 3"/>
+          <p:cNvSpPr>
+            <a:spLocks noGrp="1"/>
+          </p:cNvSpPr>
+          <p:nvPr>
+            <p:ph type="ftr" sz="quarter" idx="10"/>
+          </p:nvPr>
+        </p:nvSpPr>
+        <p:spPr>
+          <a:noFill/>
+        </p:spPr>
+        <p:txBody>
+          <a:bodyPr/>
+          <a:lstStyle/>
+          <a:p>
+            <a:r>
+              <a:rPr lang="de-DE" dirty="0">
+                <a:latin typeface="Arial" charset="0"/>
+                <a:cs typeface="Arial" charset="0"/>
+              </a:rPr>
+              <a:t>Firnkes Patrick:</a:t>
+            </a:r>
+            <a:r>
+              <a:rPr lang="de-DE" dirty="0"/>
+              <a:t> Modellierung und Simulation von Lastverteilungsstrategien </a:t>
+            </a:r>
+            <a:endParaRPr lang="de-DE" dirty="0">
+              <a:latin typeface="Arial" charset="0"/>
+              <a:cs typeface="Arial" charset="0"/>
+            </a:endParaRPr>
+          </a:p>
+        </p:txBody>
+      </p:sp>
+    </p:spTree>
+    <p:extLst>
+      <p:ext uri="{BB962C8B-B14F-4D97-AF65-F5344CB8AC3E}">
+        <p14:creationId xmlns:p14="http://schemas.microsoft.com/office/powerpoint/2010/main" val="1427489207"/>
+      </p:ext>
+    </p:extLst>
+  </p:cSld>
+  <p:clrMapOvr>
+    <a:masterClrMapping/>
+  </p:clrMapOvr>
+</p:sld>
+</file>
+
+<file path=ppt/slides/slide28.xml><?xml version="1.0" encoding="utf-8"?>
+<p:sld xmlns:a="http://schemas.openxmlformats.org/drawingml/2006/main" xmlns:r="http://schemas.openxmlformats.org/officeDocument/2006/relationships" xmlns:p="http://schemas.openxmlformats.org/presentationml/2006/main">
+  <p:cSld>
+    <p:spTree>
+      <p:nvGrpSpPr>
+        <p:cNvPr id="1" name=""/>
+        <p:cNvGrpSpPr/>
+        <p:nvPr/>
+      </p:nvGrpSpPr>
+      <p:grpSpPr>
+        <a:xfrm>
+          <a:off x="0" y="0"/>
+          <a:ext cx="0" cy="0"/>
+          <a:chOff x="0" y="0"/>
+          <a:chExt cx="0" cy="0"/>
+        </a:xfrm>
+      </p:grpSpPr>
+      <p:sp>
+        <p:nvSpPr>
+          <p:cNvPr id="17409" name="Titel 1"/>
+          <p:cNvSpPr>
+            <a:spLocks noGrp="1"/>
+          </p:cNvSpPr>
+          <p:nvPr>
+            <p:ph type="title"/>
+          </p:nvPr>
+        </p:nvSpPr>
+        <p:spPr/>
+        <p:txBody>
+          <a:bodyPr/>
+          <a:lstStyle/>
+          <a:p>
+            <a:r>
+              <a:rPr lang="de-DE" noProof="0" dirty="0"/>
+              <a:t>Quellen</a:t>
+            </a:r>
+          </a:p>
+        </p:txBody>
+      </p:sp>
+      <p:sp>
+        <p:nvSpPr>
+          <p:cNvPr id="3" name="Inhaltsplatzhalter 2"/>
+          <p:cNvSpPr>
+            <a:spLocks noGrp="1"/>
+          </p:cNvSpPr>
+          <p:nvPr>
+            <p:ph idx="1"/>
+          </p:nvPr>
+        </p:nvSpPr>
+        <p:spPr/>
+        <p:txBody>
+          <a:bodyPr/>
+          <a:lstStyle/>
+          <a:p>
+            <a:r>
+              <a:rPr lang="de-DE" sz="2000" dirty="0"/>
+              <a:t>Steffen Becker, Heiko </a:t>
+            </a:r>
+            <a:r>
+              <a:rPr lang="de-DE" sz="2000" dirty="0" err="1"/>
+              <a:t>Koziolek</a:t>
+            </a:r>
+            <a:r>
+              <a:rPr lang="de-DE" sz="2000" dirty="0"/>
+              <a:t>, and Ralf </a:t>
+            </a:r>
+            <a:r>
+              <a:rPr lang="de-DE" sz="2000" dirty="0" err="1"/>
+              <a:t>Reussner</a:t>
+            </a:r>
+            <a:r>
+              <a:rPr lang="de-DE" sz="2000" dirty="0"/>
+              <a:t>. “The Palladio </a:t>
+            </a:r>
+            <a:r>
+              <a:rPr lang="de-DE" sz="2000" dirty="0" err="1"/>
+              <a:t>component</a:t>
+            </a:r>
+            <a:r>
+              <a:rPr lang="de-DE" sz="2000" dirty="0"/>
+              <a:t> </a:t>
+            </a:r>
+            <a:r>
+              <a:rPr lang="de-DE" sz="2000" dirty="0" err="1"/>
+              <a:t>model</a:t>
+            </a:r>
+            <a:r>
+              <a:rPr lang="de-DE" sz="2000" dirty="0"/>
+              <a:t> </a:t>
+            </a:r>
+            <a:r>
+              <a:rPr lang="de-DE" sz="2000" dirty="0" err="1"/>
+              <a:t>for</a:t>
+            </a:r>
+            <a:r>
+              <a:rPr lang="de-DE" sz="2000" dirty="0"/>
+              <a:t> model-</a:t>
+            </a:r>
+            <a:r>
+              <a:rPr lang="de-DE" sz="2000" dirty="0" err="1"/>
+              <a:t>driven</a:t>
+            </a:r>
+            <a:r>
+              <a:rPr lang="de-DE" sz="2000" dirty="0"/>
+              <a:t> </a:t>
+            </a:r>
+            <a:r>
+              <a:rPr lang="de-DE" sz="2000" dirty="0" err="1"/>
+              <a:t>performance</a:t>
+            </a:r>
+            <a:r>
+              <a:rPr lang="de-DE" sz="2000" dirty="0"/>
+              <a:t> </a:t>
+            </a:r>
+            <a:r>
+              <a:rPr lang="de-DE" sz="2000" dirty="0" err="1"/>
+              <a:t>prediction</a:t>
+            </a:r>
+            <a:r>
+              <a:rPr lang="de-DE" sz="2000" dirty="0"/>
+              <a:t>”. In: Journal of Systems and Software 82.1 (2009).Special </a:t>
+            </a:r>
+            <a:r>
+              <a:rPr lang="de-DE" sz="2000" dirty="0" err="1"/>
+              <a:t>Issue</a:t>
+            </a:r>
+            <a:r>
+              <a:rPr lang="de-DE" sz="2000" dirty="0"/>
+              <a:t>: Software </a:t>
+            </a:r>
+            <a:r>
+              <a:rPr lang="de-DE" sz="2000" dirty="0" err="1"/>
+              <a:t>performance</a:t>
+            </a:r>
+            <a:r>
+              <a:rPr lang="de-DE" sz="2000" dirty="0"/>
+              <a:t> - Modeling and Analysis, pp. 3–22. </a:t>
+            </a:r>
+            <a:r>
+              <a:rPr lang="de-DE" sz="2000" dirty="0" err="1"/>
+              <a:t>issn</a:t>
+            </a:r>
+            <a:r>
+              <a:rPr lang="de-DE" sz="2000" dirty="0"/>
+              <a:t>: 0164-1212.doi: https://doi.org/10.1016/j.jss.2008.03.066. url: </a:t>
+            </a:r>
+            <a:r>
+              <a:rPr lang="de-DE" sz="2000" dirty="0">
+                <a:hlinkClick r:id="rId3"/>
+              </a:rPr>
+              <a:t>http://www.sciencedirect.com/science/article/pii/S0164121208001015</a:t>
+            </a:r>
+            <a:endParaRPr lang="de-DE" sz="2000" dirty="0"/>
+          </a:p>
+          <a:p>
+            <a:r>
+              <a:rPr lang="de-DE" sz="2000" dirty="0"/>
+              <a:t>Sebastian </a:t>
+            </a:r>
+            <a:r>
+              <a:rPr lang="de-DE" sz="2000" dirty="0" err="1"/>
+              <a:t>Lehrig</a:t>
+            </a:r>
+            <a:r>
+              <a:rPr lang="de-DE" sz="2000" dirty="0"/>
+              <a:t> and Matthias Becker. “</a:t>
+            </a:r>
+            <a:r>
+              <a:rPr lang="de-DE" sz="2000" dirty="0" err="1"/>
+              <a:t>Approaching</a:t>
+            </a:r>
+            <a:r>
+              <a:rPr lang="de-DE" sz="2000" dirty="0"/>
+              <a:t> the </a:t>
+            </a:r>
+            <a:r>
+              <a:rPr lang="de-DE" sz="2000" dirty="0" err="1"/>
+              <a:t>cloud</a:t>
+            </a:r>
+            <a:r>
+              <a:rPr lang="de-DE" sz="2000" dirty="0"/>
+              <a:t>: </a:t>
+            </a:r>
+            <a:r>
+              <a:rPr lang="de-DE" sz="2000" dirty="0" err="1"/>
+              <a:t>Using</a:t>
+            </a:r>
+            <a:r>
+              <a:rPr lang="de-DE" sz="2000" dirty="0"/>
+              <a:t> </a:t>
+            </a:r>
+            <a:r>
+              <a:rPr lang="de-DE" sz="2000" dirty="0" err="1"/>
+              <a:t>palladio</a:t>
+            </a:r>
+            <a:r>
+              <a:rPr lang="de-DE" sz="2000" dirty="0"/>
+              <a:t> </a:t>
+            </a:r>
+            <a:r>
+              <a:rPr lang="de-DE" sz="2000" dirty="0" err="1"/>
+              <a:t>for</a:t>
+            </a:r>
+            <a:r>
+              <a:rPr lang="de-DE" sz="2000" dirty="0"/>
+              <a:t> </a:t>
+            </a:r>
+            <a:r>
+              <a:rPr lang="de-DE" sz="2000" dirty="0" err="1"/>
+              <a:t>scalability,elasticity</a:t>
+            </a:r>
+            <a:r>
+              <a:rPr lang="de-DE" sz="2000" dirty="0"/>
+              <a:t>, and </a:t>
+            </a:r>
+            <a:r>
+              <a:rPr lang="de-DE" sz="2000" dirty="0" err="1"/>
+              <a:t>effiency</a:t>
+            </a:r>
+            <a:r>
+              <a:rPr lang="de-DE" sz="2000" dirty="0"/>
+              <a:t> </a:t>
+            </a:r>
+            <a:r>
+              <a:rPr lang="de-DE" sz="2000" dirty="0" err="1"/>
+              <a:t>analyses</a:t>
+            </a:r>
+            <a:r>
+              <a:rPr lang="de-DE" sz="2000" dirty="0"/>
+              <a:t>”. In: Proceedings of the Symposium on </a:t>
+            </a:r>
+            <a:r>
+              <a:rPr lang="de-DE" sz="2000" dirty="0" err="1"/>
+              <a:t>SoftwarePerformance</a:t>
+            </a:r>
+            <a:r>
+              <a:rPr lang="de-DE" sz="2000" dirty="0"/>
+              <a:t>. 2014, pp. 26–28.</a:t>
+            </a:r>
+          </a:p>
+          <a:p>
+            <a:r>
+              <a:rPr lang="de-DE" sz="2000" dirty="0"/>
+              <a:t>Matthias Becker, Steffen Becker, and Joachim Meyer. “</a:t>
+            </a:r>
+            <a:r>
+              <a:rPr lang="de-DE" sz="2000" dirty="0" err="1"/>
+              <a:t>SimuLizar</a:t>
+            </a:r>
+            <a:r>
+              <a:rPr lang="de-DE" sz="2000" dirty="0"/>
+              <a:t>: Design-Time Modeling and Performance Analysis of Self-Adaptive Systems.” In: Software Engineering 213 (2013), pp. 71–84.</a:t>
+            </a:r>
+          </a:p>
+        </p:txBody>
+      </p:sp>
+      <p:sp>
+        <p:nvSpPr>
+          <p:cNvPr id="17412" name="Fußzeilenplatzhalter 3"/>
+          <p:cNvSpPr>
+            <a:spLocks noGrp="1"/>
+          </p:cNvSpPr>
+          <p:nvPr>
+            <p:ph type="ftr" sz="quarter" idx="10"/>
+          </p:nvPr>
+        </p:nvSpPr>
+        <p:spPr>
+          <a:noFill/>
+        </p:spPr>
+        <p:txBody>
+          <a:bodyPr/>
+          <a:lstStyle/>
+          <a:p>
+            <a:r>
+              <a:rPr lang="de-DE" dirty="0">
+                <a:latin typeface="Arial" charset="0"/>
+                <a:cs typeface="Arial" charset="0"/>
+              </a:rPr>
+              <a:t>Firnkes Patrick:</a:t>
+            </a:r>
+            <a:r>
+              <a:rPr lang="de-DE" dirty="0"/>
+              <a:t> Modellierung und Simulation von Lastverteilungsstrategien </a:t>
+            </a:r>
+            <a:endParaRPr lang="de-DE" dirty="0">
+              <a:latin typeface="Arial" charset="0"/>
+              <a:cs typeface="Arial" charset="0"/>
+            </a:endParaRPr>
+          </a:p>
+        </p:txBody>
+      </p:sp>
+    </p:spTree>
+    <p:extLst>
+      <p:ext uri="{BB962C8B-B14F-4D97-AF65-F5344CB8AC3E}">
+        <p14:creationId xmlns:p14="http://schemas.microsoft.com/office/powerpoint/2010/main" val="2102612790"/>
+      </p:ext>
+    </p:extLst>
+  </p:cSld>
+  <p:clrMapOvr>
+    <a:masterClrMapping/>
+  </p:clrMapOvr>
+</p:sld>
+</file>
+
 <file path=ppt/slides/slide29.xml><?xml version="1.0" encoding="utf-8"?>
 <p:sld xmlns:a="http://schemas.openxmlformats.org/drawingml/2006/main" xmlns:r="http://schemas.openxmlformats.org/officeDocument/2006/relationships" xmlns:p="http://schemas.openxmlformats.org/presentationml/2006/main">
   <p:cSld>
@@ -27939,207 +26712,155 @@
             <p:ph idx="1"/>
           </p:nvPr>
         </p:nvSpPr>
-        <p:spPr/>
+        <p:spPr>
+          <a:xfrm>
+            <a:off x="391381" y="1143000"/>
+            <a:ext cx="8356600" cy="4745037"/>
+          </a:xfrm>
+        </p:spPr>
         <p:txBody>
           <a:bodyPr/>
           <a:lstStyle/>
           <a:p>
             <a:r>
-              <a:rPr lang="de-DE" sz="2000" noProof="0" dirty="0"/>
-              <a:t>WLCG Project. WLCG Worldwide LHC Computing Grid. 2017. url: http://wlcg-public.web.cern.ch/ (</a:t>
-            </a:r>
-            <a:r>
-              <a:rPr lang="de-DE" sz="2000" noProof="0" dirty="0" err="1"/>
-              <a:t>visited</a:t>
-            </a:r>
-            <a:r>
-              <a:rPr lang="de-DE" sz="2000" noProof="0" dirty="0"/>
-              <a:t> on 11/2017).</a:t>
-            </a:r>
-          </a:p>
-          <a:p>
-            <a:r>
-              <a:rPr lang="de-DE" sz="2000" noProof="0" dirty="0"/>
-              <a:t>Ian Bird. “Computing </a:t>
-            </a:r>
-            <a:r>
-              <a:rPr lang="de-DE" sz="2000" noProof="0" dirty="0" err="1"/>
-              <a:t>for</a:t>
-            </a:r>
-            <a:r>
-              <a:rPr lang="de-DE" sz="2000" noProof="0" dirty="0"/>
-              <a:t> the Large </a:t>
-            </a:r>
-            <a:r>
-              <a:rPr lang="de-DE" sz="2000" noProof="0" dirty="0" err="1"/>
-              <a:t>Hadron</a:t>
-            </a:r>
-            <a:r>
-              <a:rPr lang="de-DE" sz="2000" noProof="0" dirty="0"/>
-              <a:t> </a:t>
-            </a:r>
-            <a:r>
-              <a:rPr lang="de-DE" sz="2000" noProof="0" dirty="0" err="1"/>
-              <a:t>Collider</a:t>
-            </a:r>
-            <a:r>
-              <a:rPr lang="de-DE" sz="2000" noProof="0" dirty="0"/>
-              <a:t>”. In: Annual Review of </a:t>
-            </a:r>
-            <a:r>
-              <a:rPr lang="de-DE" sz="2000" noProof="0" dirty="0" err="1"/>
-              <a:t>Nuclear</a:t>
-            </a:r>
-            <a:r>
-              <a:rPr lang="de-DE" sz="2000" noProof="0" dirty="0"/>
-              <a:t> </a:t>
-            </a:r>
-            <a:r>
-              <a:rPr lang="de-DE" sz="2000" noProof="0" dirty="0" err="1"/>
-              <a:t>and</a:t>
-            </a:r>
-            <a:r>
-              <a:rPr lang="de-DE" sz="2000" noProof="0" dirty="0"/>
-              <a:t> </a:t>
-            </a:r>
-            <a:r>
-              <a:rPr lang="de-DE" sz="2000" noProof="0" dirty="0" err="1"/>
-              <a:t>Particle</a:t>
-            </a:r>
-            <a:r>
-              <a:rPr lang="de-DE" sz="2000" noProof="0" dirty="0"/>
-              <a:t> Science 61.1 (2011), pp. 99–118. </a:t>
-            </a:r>
-            <a:r>
-              <a:rPr lang="de-DE" sz="2000" noProof="0" dirty="0" err="1"/>
+              <a:rPr lang="en-US" sz="2000" dirty="0"/>
+              <a:t>P. O. </a:t>
+            </a:r>
+            <a:r>
+              <a:rPr lang="en-US" sz="2000" dirty="0" err="1"/>
+              <a:t>Ostberg</a:t>
+            </a:r>
+            <a:r>
+              <a:rPr lang="en-US" sz="2000" dirty="0"/>
+              <a:t> et al. “The CACTOS Vision of Context-Aware Cloud Topology Optimization and Simulation”. In: 2014 IEEE 6th International Conference on Cloud </a:t>
+            </a:r>
+            <a:r>
+              <a:rPr lang="en-US" sz="2000" dirty="0" err="1"/>
+              <a:t>ComputingTechnology</a:t>
+            </a:r>
+            <a:r>
+              <a:rPr lang="en-US" sz="2000" dirty="0"/>
+              <a:t> and Science. Dec. 2014, pp. 26–31. </a:t>
+            </a:r>
+            <a:r>
+              <a:rPr lang="en-US" sz="2000" dirty="0" err="1"/>
               <a:t>doi</a:t>
             </a:r>
             <a:r>
-              <a:rPr lang="de-DE" sz="2000" noProof="0" dirty="0"/>
-              <a:t>: 10 . 1146 / </a:t>
-            </a:r>
-            <a:r>
-              <a:rPr lang="de-DE" sz="2000" noProof="0" dirty="0" err="1"/>
-              <a:t>annurev</a:t>
-            </a:r>
-            <a:r>
-              <a:rPr lang="de-DE" sz="2000" noProof="0" dirty="0"/>
-              <a:t> - </a:t>
-            </a:r>
-            <a:r>
-              <a:rPr lang="de-DE" sz="2000" noProof="0" dirty="0" err="1"/>
-              <a:t>nucl</a:t>
-            </a:r>
-            <a:r>
-              <a:rPr lang="de-DE" sz="2000" noProof="0" dirty="0"/>
-              <a:t> - 102010 -130059. </a:t>
-            </a:r>
-            <a:r>
-              <a:rPr lang="de-DE" sz="2000" noProof="0" dirty="0" err="1"/>
-              <a:t>print</a:t>
-            </a:r>
-            <a:r>
-              <a:rPr lang="de-DE" sz="2000" noProof="0" dirty="0"/>
-              <a:t>: https://doi.org/10.1146/annurev-nucl-102010-130059. url: </a:t>
-            </a:r>
-            <a:r>
-              <a:rPr lang="de-DE" sz="2000" noProof="0" dirty="0">
-                <a:hlinkClick r:id="rId3"/>
-              </a:rPr>
-              <a:t>https://doi.org/10.1146/annurev-nucl-102010-130059</a:t>
-            </a:r>
-            <a:r>
-              <a:rPr lang="de-DE" sz="2000" noProof="0" dirty="0"/>
-              <a:t>.</a:t>
+              <a:rPr lang="en-US" sz="2000" dirty="0"/>
+              <a:t>: 10.1109/CloudCom.2014.62.</a:t>
             </a:r>
           </a:p>
           <a:p>
             <a:r>
               <a:rPr lang="de-DE" sz="2000" dirty="0"/>
-              <a:t>C Zach et al. “Simulation of the </a:t>
+              <a:t>Christian Stier et al. “Rapid </a:t>
             </a:r>
             <a:r>
               <a:rPr lang="de-DE" sz="2000" dirty="0" err="1"/>
-              <a:t>job</a:t>
+              <a:t>Testing</a:t>
             </a:r>
             <a:r>
               <a:rPr lang="de-DE" sz="2000" dirty="0"/>
-              <a:t> </a:t>
+              <a:t> of IaaS </a:t>
             </a:r>
             <a:r>
               <a:rPr lang="de-DE" sz="2000" dirty="0" err="1"/>
-              <a:t>processing</a:t>
+              <a:t>Resource</a:t>
             </a:r>
             <a:r>
               <a:rPr lang="de-DE" sz="2000" dirty="0"/>
-              <a:t> </a:t>
+              <a:t> Management </a:t>
             </a:r>
             <a:r>
               <a:rPr lang="de-DE" sz="2000" dirty="0" err="1"/>
-              <a:t>performance</a:t>
+              <a:t>Algorithms</a:t>
             </a:r>
             <a:r>
               <a:rPr lang="de-DE" sz="2000" dirty="0"/>
-              <a:t> at an ALICE Tier-2 </a:t>
+              <a:t> via Cloud </a:t>
+            </a:r>
+            <a:r>
+              <a:rPr lang="en-US" sz="2000" dirty="0"/>
+              <a:t>Middleware Simulation”. In: ACM / SPEC International Conference on Performance Engineering</a:t>
+            </a:r>
+            <a:r>
+              <a:rPr lang="de-DE" sz="2000" dirty="0"/>
+              <a:t>(ICPE’18). ICPE. 2018.</a:t>
+            </a:r>
+          </a:p>
+          <a:p>
+            <a:r>
+              <a:rPr lang="de-DE" sz="2000" dirty="0"/>
+              <a:t>Maximilian Stemmer-Grabow. </a:t>
+            </a:r>
+            <a:r>
+              <a:rPr lang="en-US" sz="2000" dirty="0"/>
+              <a:t>Calibrating Performance Models for Particle Physics Workloads. 2018</a:t>
+            </a:r>
+          </a:p>
+          <a:p>
+            <a:r>
+              <a:rPr lang="de-DE" sz="2000" dirty="0"/>
+              <a:t>V. </a:t>
             </a:r>
             <a:r>
               <a:rPr lang="de-DE" sz="2000" dirty="0" err="1"/>
-              <a:t>site</a:t>
+              <a:t>Korenkov</a:t>
             </a:r>
             <a:r>
               <a:rPr lang="de-DE" sz="2000" dirty="0"/>
-              <a:t> </a:t>
+              <a:t> et al., The JINR </a:t>
+            </a:r>
+            <a:r>
+              <a:rPr lang="en-US" sz="2000" dirty="0"/>
+              <a:t>Tier1 Site Simulation for Research and Development Purposes, in EPJ Web of Conferences (EDP Sciences,</a:t>
+            </a:r>
+            <a:r>
+              <a:rPr lang="nl-NL" sz="2000" dirty="0"/>
+              <a:t>2016), Vol. 108, p. 02033</a:t>
+            </a:r>
+          </a:p>
+          <a:p>
+            <a:r>
+              <a:rPr lang="de-DE" sz="2000" dirty="0"/>
+              <a:t>M. </a:t>
             </a:r>
             <a:r>
               <a:rPr lang="de-DE" sz="2000" dirty="0" err="1"/>
-              <a:t>with</a:t>
+              <a:t>Hushchyn</a:t>
             </a:r>
             <a:r>
               <a:rPr lang="de-DE" sz="2000" dirty="0"/>
-              <a:t> MONARC”. In: Journal of Physics: Conference Series 331.7 (2011), p. 072038. </a:t>
-            </a:r>
-            <a:r>
-              <a:rPr lang="de-DE" sz="2000" dirty="0">
-                <a:hlinkClick r:id="rId4"/>
-              </a:rPr>
-              <a:t>url:http://stacks.iop.org/1742-6596/331/i=7/a=072038</a:t>
+              <a:t> et al., The </a:t>
+            </a:r>
+            <a:r>
+              <a:rPr lang="de-DE" sz="2000" dirty="0" err="1"/>
+              <a:t>LHCb</a:t>
             </a:r>
             <a:r>
               <a:rPr lang="de-DE" sz="2000" dirty="0"/>
-              <a:t>.</a:t>
-            </a:r>
-            <a:endParaRPr lang="de-DE" sz="2000" noProof="0" dirty="0"/>
-          </a:p>
-          <a:p>
-            <a:r>
-              <a:rPr lang="de-DE" sz="2000" dirty="0"/>
-              <a:t>WLCG Project. WLCG </a:t>
-            </a:r>
-            <a:r>
-              <a:rPr lang="de-DE" sz="2000" dirty="0" err="1"/>
-              <a:t>REsource</a:t>
-            </a:r>
-            <a:r>
-              <a:rPr lang="de-DE" sz="2000" dirty="0"/>
-              <a:t>, Balance &amp; </a:t>
-            </a:r>
-            <a:r>
-              <a:rPr lang="de-DE" sz="2000" dirty="0" err="1"/>
-              <a:t>USage</a:t>
-            </a:r>
-            <a:r>
-              <a:rPr lang="de-DE" sz="2000" dirty="0"/>
-              <a:t>. 2017. url: https://wlcg-rebus.cern.ch/apps/capacities/federations/ (</a:t>
-            </a:r>
-            <a:r>
-              <a:rPr lang="de-DE" sz="2000" dirty="0" err="1"/>
-              <a:t>visited</a:t>
-            </a:r>
-            <a:r>
-              <a:rPr lang="de-DE" sz="2000" dirty="0"/>
-              <a:t> on 11/2017).</a:t>
-            </a:r>
-            <a:endParaRPr lang="de-DE" sz="2000" noProof="0" dirty="0"/>
+              <a:t> Grid Simulation: Proof of </a:t>
+            </a:r>
+            <a:r>
+              <a:rPr lang="en-US" sz="2000" dirty="0"/>
+              <a:t>Concept, in Journal of Physics: Conference Series (IOP Publishing, 2017), Vol. 898, p. 052020</a:t>
+            </a:r>
+          </a:p>
+          <a:p>
+            <a:pPr marL="0" indent="0">
+              <a:buNone/>
+            </a:pPr>
+            <a:endParaRPr lang="de-DE" sz="2000" dirty="0"/>
+          </a:p>
+          <a:p>
+            <a:endParaRPr lang="de-DE" sz="2000" dirty="0"/>
+          </a:p>
+          <a:p>
+            <a:pPr marL="0" indent="0">
+              <a:buNone/>
+            </a:pPr>
+            <a:endParaRPr lang="de-DE" sz="2000" dirty="0"/>
           </a:p>
         </p:txBody>
       </p:sp>
@@ -28181,7 +26902,7 @@
     </p:spTree>
     <p:extLst>
       <p:ext uri="{BB962C8B-B14F-4D97-AF65-F5344CB8AC3E}">
-        <p14:creationId xmlns:p14="http://schemas.microsoft.com/office/powerpoint/2010/main" val="1427489207"/>
+        <p14:creationId xmlns:p14="http://schemas.microsoft.com/office/powerpoint/2010/main" val="3457724579"/>
       </p:ext>
     </p:extLst>
   </p:cSld>
@@ -29120,7 +27841,7 @@
               <a:p>
                 <a:r>
                   <a:rPr lang="de-DE" sz="1200" dirty="0"/>
-                  <a:t>Outlook</a:t>
+                  <a:t>Ausblick</a:t>
                 </a:r>
               </a:p>
             </p:txBody>
@@ -29243,28 +27964,8 @@
           <a:lstStyle/>
           <a:p>
             <a:r>
-              <a:rPr lang="de-DE" sz="2000" dirty="0"/>
-              <a:t>Steffen Becker, Heiko </a:t>
-            </a:r>
-            <a:r>
               <a:rPr lang="de-DE" sz="2000" dirty="0" err="1"/>
-              <a:t>Koziolek</a:t>
-            </a:r>
-            <a:r>
-              <a:rPr lang="de-DE" sz="2000" dirty="0"/>
-              <a:t>, and Ralf </a:t>
-            </a:r>
-            <a:r>
-              <a:rPr lang="de-DE" sz="2000" dirty="0" err="1"/>
-              <a:t>Reussner</a:t>
-            </a:r>
-            <a:r>
-              <a:rPr lang="de-DE" sz="2000" dirty="0"/>
-              <a:t>. “The Palladio </a:t>
-            </a:r>
-            <a:r>
-              <a:rPr lang="de-DE" sz="2000" dirty="0" err="1"/>
-              <a:t>component</a:t>
+              <a:t>Monarc</a:t>
             </a:r>
             <a:r>
               <a:rPr lang="de-DE" sz="2000" dirty="0"/>
@@ -29272,7 +27973,23 @@
             </a:r>
             <a:r>
               <a:rPr lang="de-DE" sz="2000" dirty="0" err="1"/>
-              <a:t>model</a:t>
+              <a:t>Collaboration</a:t>
+            </a:r>
+            <a:r>
+              <a:rPr lang="de-DE" sz="2000" dirty="0"/>
+              <a:t> et al. Models of </a:t>
+            </a:r>
+            <a:r>
+              <a:rPr lang="de-DE" sz="2000" dirty="0" err="1"/>
+              <a:t>Networked</a:t>
+            </a:r>
+            <a:r>
+              <a:rPr lang="de-DE" sz="2000" dirty="0"/>
+              <a:t> Analysis at Regional </a:t>
+            </a:r>
+            <a:r>
+              <a:rPr lang="de-DE" sz="2000" dirty="0" err="1"/>
+              <a:t>Centres</a:t>
             </a:r>
             <a:r>
               <a:rPr lang="de-DE" sz="2000" dirty="0"/>
@@ -29284,163 +28001,119 @@
             </a:r>
             <a:r>
               <a:rPr lang="de-DE" sz="2000" dirty="0"/>
-              <a:t> model-</a:t>
+              <a:t> LHC </a:t>
+            </a:r>
+            <a:r>
+              <a:rPr lang="en-US" sz="2000" dirty="0"/>
+              <a:t>experiments: Phase 2 report. Tech. rep. Technical Report CERN/LCB-001, CERN, 2000.</a:t>
+            </a:r>
+            <a:r>
+              <a:rPr lang="de-DE" sz="2000" dirty="0"/>
+              <a:t>http://www.cern.ch/MONARC, 2000.</a:t>
+            </a:r>
+          </a:p>
+          <a:p>
+            <a:r>
+              <a:rPr lang="en-US" sz="2000" dirty="0" err="1"/>
+              <a:t>Youhei</a:t>
+            </a:r>
+            <a:r>
+              <a:rPr lang="en-US" sz="2000" dirty="0"/>
+              <a:t> Morita, </a:t>
+            </a:r>
+            <a:r>
+              <a:rPr lang="en-US" sz="2000" dirty="0" err="1"/>
+              <a:t>Monarc</a:t>
+            </a:r>
+            <a:r>
+              <a:rPr lang="en-US" sz="2000" dirty="0"/>
+              <a:t> Collaboration, et al. “Validation of the MONARC simulation </a:t>
             </a:r>
             <a:r>
               <a:rPr lang="de-DE" sz="2000" dirty="0" err="1"/>
-              <a:t>driven</a:t>
+              <a:t>tools</a:t>
             </a:r>
             <a:r>
               <a:rPr lang="de-DE" sz="2000" dirty="0"/>
-              <a:t> </a:t>
-            </a:r>
-            <a:r>
-              <a:rPr lang="de-DE" sz="2000" dirty="0" err="1"/>
-              <a:t>performance</a:t>
-            </a:r>
-            <a:r>
-              <a:rPr lang="de-DE" sz="2000" dirty="0"/>
-              <a:t> </a:t>
-            </a:r>
-            <a:r>
-              <a:rPr lang="de-DE" sz="2000" dirty="0" err="1"/>
-              <a:t>prediction</a:t>
-            </a:r>
-            <a:r>
-              <a:rPr lang="de-DE" sz="2000" dirty="0"/>
-              <a:t>”. In: Journal of Systems and Software 82.1 (2009).Special </a:t>
-            </a:r>
-            <a:r>
-              <a:rPr lang="de-DE" sz="2000" dirty="0" err="1"/>
-              <a:t>Issue</a:t>
-            </a:r>
-            <a:r>
-              <a:rPr lang="de-DE" sz="2000" dirty="0"/>
-              <a:t>: Software </a:t>
-            </a:r>
-            <a:r>
-              <a:rPr lang="de-DE" sz="2000" dirty="0" err="1"/>
-              <a:t>performance</a:t>
-            </a:r>
-            <a:r>
-              <a:rPr lang="de-DE" sz="2000" dirty="0"/>
-              <a:t> - Modeling and Analysis, pp. 3–22. </a:t>
-            </a:r>
-            <a:r>
-              <a:rPr lang="de-DE" sz="2000" dirty="0" err="1"/>
-              <a:t>issn</a:t>
-            </a:r>
-            <a:r>
-              <a:rPr lang="de-DE" sz="2000" dirty="0"/>
-              <a:t>: 0164-1212.doi: https://doi.org/10.1016/j.jss.2008.03.066. url: </a:t>
+              <a:t>”. In: Computer Physics Communications 140.1-2 (2001), pp. 153–161.</a:t>
+            </a:r>
+          </a:p>
+          <a:p>
+            <a:r>
+              <a:rPr lang="en-US" sz="2000" dirty="0"/>
+              <a:t>C Zach et al. “Simulation of the job processing performance at an ALICE Tier-2 site with MONARC”. In: Journal of Physics: Conference Series 331.7 (2011), p. 072038. </a:t>
+            </a:r>
+            <a:r>
+              <a:rPr lang="en-US" sz="2000" dirty="0">
+                <a:hlinkClick r:id="rId3"/>
+              </a:rPr>
+              <a:t>url:</a:t>
             </a:r>
             <a:r>
               <a:rPr lang="de-DE" sz="2000" dirty="0">
                 <a:hlinkClick r:id="rId3"/>
               </a:rPr>
-              <a:t>http://www.sciencedirect.com/science/article/pii/S0164121208001015</a:t>
-            </a:r>
+              <a:t>http://stacks.iop.org/1742-6596/331/i=7/a=072038</a:t>
+            </a:r>
+            <a:r>
+              <a:rPr lang="de-DE" sz="2000" dirty="0"/>
+              <a:t>.</a:t>
+            </a:r>
+          </a:p>
+          <a:p>
+            <a:r>
+              <a:rPr lang="de-DE" sz="2000" dirty="0"/>
+              <a:t>Anne Martens, Exposé zum Promotionsvorhaben, 2008</a:t>
+            </a:r>
+          </a:p>
+          <a:p>
+            <a:r>
+              <a:rPr lang="de-DE" sz="2000" dirty="0"/>
+              <a:t>Alves </a:t>
+            </a:r>
+            <a:r>
+              <a:rPr lang="de-DE" sz="2000" dirty="0" err="1"/>
+              <a:t>Jr</a:t>
+            </a:r>
+            <a:r>
+              <a:rPr lang="de-DE" sz="2000" dirty="0"/>
+              <a:t>, Antonio Augusto, et al. "A Roadmap for HEP Software and Computing R&amp;D for the 2020s." </a:t>
+            </a:r>
+            <a:r>
+              <a:rPr lang="de-DE" sz="2000" i="1" dirty="0" err="1"/>
+              <a:t>arXiv</a:t>
+            </a:r>
+            <a:r>
+              <a:rPr lang="de-DE" sz="2000" i="1" dirty="0"/>
+              <a:t> </a:t>
+            </a:r>
+            <a:r>
+              <a:rPr lang="de-DE" sz="2000" i="1" dirty="0" err="1"/>
+              <a:t>preprint</a:t>
+            </a:r>
+            <a:r>
+              <a:rPr lang="de-DE" sz="2000" i="1" dirty="0"/>
+              <a:t> arXiv:1712.06982</a:t>
+            </a:r>
+            <a:r>
+              <a:rPr lang="de-DE" sz="2000" dirty="0"/>
+              <a:t> (2017).</a:t>
+            </a:r>
+          </a:p>
+          <a:p>
+            <a:pPr marL="0" indent="0">
+              <a:buNone/>
+            </a:pPr>
             <a:endParaRPr lang="de-DE" sz="2000" dirty="0"/>
           </a:p>
           <a:p>
-            <a:r>
-              <a:rPr lang="de-DE" sz="2000" dirty="0"/>
-              <a:t>Sebastian </a:t>
-            </a:r>
-            <a:r>
-              <a:rPr lang="de-DE" sz="2000" dirty="0" err="1"/>
-              <a:t>Lehrig</a:t>
-            </a:r>
-            <a:r>
-              <a:rPr lang="de-DE" sz="2000" dirty="0"/>
-              <a:t> and Matthias Becker. “</a:t>
-            </a:r>
-            <a:r>
-              <a:rPr lang="de-DE" sz="2000" dirty="0" err="1"/>
-              <a:t>Approaching</a:t>
-            </a:r>
-            <a:r>
-              <a:rPr lang="de-DE" sz="2000" dirty="0"/>
-              <a:t> the </a:t>
-            </a:r>
-            <a:r>
-              <a:rPr lang="de-DE" sz="2000" dirty="0" err="1"/>
-              <a:t>cloud</a:t>
-            </a:r>
-            <a:r>
-              <a:rPr lang="de-DE" sz="2000" dirty="0"/>
-              <a:t>: </a:t>
-            </a:r>
-            <a:r>
-              <a:rPr lang="de-DE" sz="2000" dirty="0" err="1"/>
-              <a:t>Using</a:t>
-            </a:r>
-            <a:r>
-              <a:rPr lang="de-DE" sz="2000" dirty="0"/>
-              <a:t> </a:t>
-            </a:r>
-            <a:r>
-              <a:rPr lang="de-DE" sz="2000" dirty="0" err="1"/>
-              <a:t>palladio</a:t>
-            </a:r>
-            <a:r>
-              <a:rPr lang="de-DE" sz="2000" dirty="0"/>
-              <a:t> </a:t>
-            </a:r>
-            <a:r>
-              <a:rPr lang="de-DE" sz="2000" dirty="0" err="1"/>
-              <a:t>for</a:t>
-            </a:r>
-            <a:r>
-              <a:rPr lang="de-DE" sz="2000" dirty="0"/>
-              <a:t> </a:t>
-            </a:r>
-            <a:r>
-              <a:rPr lang="de-DE" sz="2000" dirty="0" err="1"/>
-              <a:t>scalability,elasticity</a:t>
-            </a:r>
-            <a:r>
-              <a:rPr lang="de-DE" sz="2000" dirty="0"/>
-              <a:t>, and </a:t>
-            </a:r>
-            <a:r>
-              <a:rPr lang="de-DE" sz="2000" dirty="0" err="1"/>
-              <a:t>effiency</a:t>
-            </a:r>
-            <a:r>
-              <a:rPr lang="de-DE" sz="2000" dirty="0"/>
-              <a:t> </a:t>
-            </a:r>
-            <a:r>
-              <a:rPr lang="de-DE" sz="2000" dirty="0" err="1"/>
-              <a:t>analyses</a:t>
-            </a:r>
-            <a:r>
-              <a:rPr lang="de-DE" sz="2000" dirty="0"/>
-              <a:t>”. In: Proceedings of the Symposium on </a:t>
-            </a:r>
-            <a:r>
-              <a:rPr lang="de-DE" sz="2000" dirty="0" err="1"/>
-              <a:t>SoftwarePerformance</a:t>
-            </a:r>
-            <a:r>
-              <a:rPr lang="de-DE" sz="2000" dirty="0"/>
-              <a:t>. 2014, pp. 26–28.</a:t>
-            </a:r>
-          </a:p>
-          <a:p>
-            <a:r>
-              <a:rPr lang="de-DE" sz="2000" dirty="0"/>
-              <a:t>Matthias Becker, Steffen Becker, and Joachim Meyer. “</a:t>
-            </a:r>
-            <a:r>
-              <a:rPr lang="de-DE" sz="2000" dirty="0" err="1"/>
-              <a:t>SimuLizar</a:t>
-            </a:r>
-            <a:r>
-              <a:rPr lang="de-DE" sz="2000" dirty="0"/>
-              <a:t>: Design-Time Modeling and Performance Analysis of Self-Adaptive Systems.” In: Software Engineering 213 (2013), pp. 71–84.</a:t>
-            </a:r>
+            <a:pPr marL="0" indent="0">
+              <a:buNone/>
+            </a:pPr>
+            <a:endParaRPr lang="de-DE" sz="2000" dirty="0"/>
+          </a:p>
+          <a:p>
+            <a:endParaRPr lang="de-DE" sz="2000" dirty="0"/>
           </a:p>
         </p:txBody>
       </p:sp>
@@ -29482,7 +28155,7 @@
     </p:spTree>
     <p:extLst>
       <p:ext uri="{BB962C8B-B14F-4D97-AF65-F5344CB8AC3E}">
-        <p14:creationId xmlns:p14="http://schemas.microsoft.com/office/powerpoint/2010/main" val="2102612790"/>
+        <p14:creationId xmlns:p14="http://schemas.microsoft.com/office/powerpoint/2010/main" val="611988571"/>
       </p:ext>
     </p:extLst>
   </p:cSld>
@@ -29493,511 +28166,6 @@
 </file>
 
 <file path=ppt/slides/slide31.xml><?xml version="1.0" encoding="utf-8"?>
-<p:sld xmlns:a="http://schemas.openxmlformats.org/drawingml/2006/main" xmlns:r="http://schemas.openxmlformats.org/officeDocument/2006/relationships" xmlns:p="http://schemas.openxmlformats.org/presentationml/2006/main">
-  <p:cSld>
-    <p:spTree>
-      <p:nvGrpSpPr>
-        <p:cNvPr id="1" name=""/>
-        <p:cNvGrpSpPr/>
-        <p:nvPr/>
-      </p:nvGrpSpPr>
-      <p:grpSpPr>
-        <a:xfrm>
-          <a:off x="0" y="0"/>
-          <a:ext cx="0" cy="0"/>
-          <a:chOff x="0" y="0"/>
-          <a:chExt cx="0" cy="0"/>
-        </a:xfrm>
-      </p:grpSpPr>
-      <p:sp>
-        <p:nvSpPr>
-          <p:cNvPr id="17409" name="Titel 1"/>
-          <p:cNvSpPr>
-            <a:spLocks noGrp="1"/>
-          </p:cNvSpPr>
-          <p:nvPr>
-            <p:ph type="title"/>
-          </p:nvPr>
-        </p:nvSpPr>
-        <p:spPr/>
-        <p:txBody>
-          <a:bodyPr/>
-          <a:lstStyle/>
-          <a:p>
-            <a:r>
-              <a:rPr lang="de-DE" noProof="0" dirty="0"/>
-              <a:t>Quellen</a:t>
-            </a:r>
-          </a:p>
-        </p:txBody>
-      </p:sp>
-      <p:sp>
-        <p:nvSpPr>
-          <p:cNvPr id="3" name="Inhaltsplatzhalter 2"/>
-          <p:cNvSpPr>
-            <a:spLocks noGrp="1"/>
-          </p:cNvSpPr>
-          <p:nvPr>
-            <p:ph idx="1"/>
-          </p:nvPr>
-        </p:nvSpPr>
-        <p:spPr>
-          <a:xfrm>
-            <a:off x="391381" y="1143000"/>
-            <a:ext cx="8356600" cy="4745037"/>
-          </a:xfrm>
-        </p:spPr>
-        <p:txBody>
-          <a:bodyPr/>
-          <a:lstStyle/>
-          <a:p>
-            <a:r>
-              <a:rPr lang="en-US" sz="2000" dirty="0"/>
-              <a:t>P. O. </a:t>
-            </a:r>
-            <a:r>
-              <a:rPr lang="en-US" sz="2000" dirty="0" err="1"/>
-              <a:t>Ostberg</a:t>
-            </a:r>
-            <a:r>
-              <a:rPr lang="en-US" sz="2000" dirty="0"/>
-              <a:t> et al. “The CACTOS Vision of Context-Aware Cloud Topology Optimization and Simulation”. In: 2014 IEEE 6th International Conference on Cloud </a:t>
-            </a:r>
-            <a:r>
-              <a:rPr lang="en-US" sz="2000" dirty="0" err="1"/>
-              <a:t>ComputingTechnology</a:t>
-            </a:r>
-            <a:r>
-              <a:rPr lang="en-US" sz="2000" dirty="0"/>
-              <a:t> and Science. Dec. 2014, pp. 26–31. </a:t>
-            </a:r>
-            <a:r>
-              <a:rPr lang="en-US" sz="2000" dirty="0" err="1"/>
-              <a:t>doi</a:t>
-            </a:r>
-            <a:r>
-              <a:rPr lang="en-US" sz="2000" dirty="0"/>
-              <a:t>: 10.1109/CloudCom.2014.62.</a:t>
-            </a:r>
-          </a:p>
-          <a:p>
-            <a:r>
-              <a:rPr lang="de-DE" sz="2000" dirty="0"/>
-              <a:t>Christian Stier et al. “Rapid </a:t>
-            </a:r>
-            <a:r>
-              <a:rPr lang="de-DE" sz="2000" dirty="0" err="1"/>
-              <a:t>Testing</a:t>
-            </a:r>
-            <a:r>
-              <a:rPr lang="de-DE" sz="2000" dirty="0"/>
-              <a:t> of IaaS </a:t>
-            </a:r>
-            <a:r>
-              <a:rPr lang="de-DE" sz="2000" dirty="0" err="1"/>
-              <a:t>Resource</a:t>
-            </a:r>
-            <a:r>
-              <a:rPr lang="de-DE" sz="2000" dirty="0"/>
-              <a:t> Management </a:t>
-            </a:r>
-            <a:r>
-              <a:rPr lang="de-DE" sz="2000" dirty="0" err="1"/>
-              <a:t>Algorithms</a:t>
-            </a:r>
-            <a:r>
-              <a:rPr lang="de-DE" sz="2000" dirty="0"/>
-              <a:t> via Cloud </a:t>
-            </a:r>
-            <a:r>
-              <a:rPr lang="en-US" sz="2000" dirty="0"/>
-              <a:t>Middleware Simulation”. In: ACM / SPEC International Conference on Performance Engineering</a:t>
-            </a:r>
-            <a:r>
-              <a:rPr lang="de-DE" sz="2000" dirty="0"/>
-              <a:t>(ICPE’18). ICPE. 2018.</a:t>
-            </a:r>
-          </a:p>
-          <a:p>
-            <a:r>
-              <a:rPr lang="de-DE" sz="2000" dirty="0"/>
-              <a:t>Maximilian Stemmer-Grabow. </a:t>
-            </a:r>
-            <a:r>
-              <a:rPr lang="en-US" sz="2000" dirty="0"/>
-              <a:t>Calibrating Performance Models for Particle Physics Workloads. 2018</a:t>
-            </a:r>
-          </a:p>
-          <a:p>
-            <a:r>
-              <a:rPr lang="de-DE" sz="2000" dirty="0"/>
-              <a:t>V. </a:t>
-            </a:r>
-            <a:r>
-              <a:rPr lang="de-DE" sz="2000" dirty="0" err="1"/>
-              <a:t>Korenkov</a:t>
-            </a:r>
-            <a:r>
-              <a:rPr lang="de-DE" sz="2000" dirty="0"/>
-              <a:t> et al., The JINR </a:t>
-            </a:r>
-            <a:r>
-              <a:rPr lang="en-US" sz="2000" dirty="0"/>
-              <a:t>Tier1 Site Simulation for Research and Development Purposes, in EPJ Web of Conferences (EDP Sciences,</a:t>
-            </a:r>
-            <a:r>
-              <a:rPr lang="nl-NL" sz="2000" dirty="0"/>
-              <a:t>2016), Vol. 108, p. 02033</a:t>
-            </a:r>
-          </a:p>
-          <a:p>
-            <a:r>
-              <a:rPr lang="de-DE" sz="2000" dirty="0"/>
-              <a:t>M. </a:t>
-            </a:r>
-            <a:r>
-              <a:rPr lang="de-DE" sz="2000" dirty="0" err="1"/>
-              <a:t>Hushchyn</a:t>
-            </a:r>
-            <a:r>
-              <a:rPr lang="de-DE" sz="2000" dirty="0"/>
-              <a:t> et al., The </a:t>
-            </a:r>
-            <a:r>
-              <a:rPr lang="de-DE" sz="2000" dirty="0" err="1"/>
-              <a:t>LHCb</a:t>
-            </a:r>
-            <a:r>
-              <a:rPr lang="de-DE" sz="2000" dirty="0"/>
-              <a:t> Grid Simulation: Proof of </a:t>
-            </a:r>
-            <a:r>
-              <a:rPr lang="en-US" sz="2000" dirty="0"/>
-              <a:t>Concept, in Journal of Physics: Conference Series (IOP Publishing, 2017), Vol. 898, p. 052020</a:t>
-            </a:r>
-          </a:p>
-          <a:p>
-            <a:pPr marL="0" indent="0">
-              <a:buNone/>
-            </a:pPr>
-            <a:endParaRPr lang="de-DE" sz="2000" dirty="0"/>
-          </a:p>
-          <a:p>
-            <a:endParaRPr lang="de-DE" sz="2000" dirty="0"/>
-          </a:p>
-          <a:p>
-            <a:pPr marL="0" indent="0">
-              <a:buNone/>
-            </a:pPr>
-            <a:endParaRPr lang="de-DE" sz="2000" dirty="0"/>
-          </a:p>
-        </p:txBody>
-      </p:sp>
-      <p:sp>
-        <p:nvSpPr>
-          <p:cNvPr id="17412" name="Fußzeilenplatzhalter 3"/>
-          <p:cNvSpPr>
-            <a:spLocks noGrp="1"/>
-          </p:cNvSpPr>
-          <p:nvPr>
-            <p:ph type="ftr" sz="quarter" idx="10"/>
-          </p:nvPr>
-        </p:nvSpPr>
-        <p:spPr>
-          <a:noFill/>
-        </p:spPr>
-        <p:txBody>
-          <a:bodyPr/>
-          <a:lstStyle/>
-          <a:p>
-            <a:r>
-              <a:rPr lang="de-DE" dirty="0">
-                <a:latin typeface="Arial" charset="0"/>
-                <a:cs typeface="Arial" charset="0"/>
-              </a:rPr>
-              <a:t>Firnkes Patrick:</a:t>
-            </a:r>
-            <a:r>
-              <a:rPr lang="de-DE" dirty="0"/>
-              <a:t> Modellierung und Simulation von Lastverteilungsstrategien </a:t>
-            </a:r>
-            <a:endParaRPr lang="de-DE" dirty="0">
-              <a:latin typeface="Arial" charset="0"/>
-              <a:cs typeface="Arial" charset="0"/>
-            </a:endParaRPr>
-          </a:p>
-        </p:txBody>
-      </p:sp>
-    </p:spTree>
-    <p:extLst>
-      <p:ext uri="{BB962C8B-B14F-4D97-AF65-F5344CB8AC3E}">
-        <p14:creationId xmlns:p14="http://schemas.microsoft.com/office/powerpoint/2010/main" val="3457724579"/>
-      </p:ext>
-    </p:extLst>
-  </p:cSld>
-  <p:clrMapOvr>
-    <a:masterClrMapping/>
-  </p:clrMapOvr>
-</p:sld>
-</file>
-
-<file path=ppt/slides/slide32.xml><?xml version="1.0" encoding="utf-8"?>
-<p:sld xmlns:a="http://schemas.openxmlformats.org/drawingml/2006/main" xmlns:r="http://schemas.openxmlformats.org/officeDocument/2006/relationships" xmlns:p="http://schemas.openxmlformats.org/presentationml/2006/main">
-  <p:cSld>
-    <p:spTree>
-      <p:nvGrpSpPr>
-        <p:cNvPr id="1" name=""/>
-        <p:cNvGrpSpPr/>
-        <p:nvPr/>
-      </p:nvGrpSpPr>
-      <p:grpSpPr>
-        <a:xfrm>
-          <a:off x="0" y="0"/>
-          <a:ext cx="0" cy="0"/>
-          <a:chOff x="0" y="0"/>
-          <a:chExt cx="0" cy="0"/>
-        </a:xfrm>
-      </p:grpSpPr>
-      <p:sp>
-        <p:nvSpPr>
-          <p:cNvPr id="17409" name="Titel 1"/>
-          <p:cNvSpPr>
-            <a:spLocks noGrp="1"/>
-          </p:cNvSpPr>
-          <p:nvPr>
-            <p:ph type="title"/>
-          </p:nvPr>
-        </p:nvSpPr>
-        <p:spPr/>
-        <p:txBody>
-          <a:bodyPr/>
-          <a:lstStyle/>
-          <a:p>
-            <a:r>
-              <a:rPr lang="de-DE" noProof="0" dirty="0"/>
-              <a:t>Quellen</a:t>
-            </a:r>
-          </a:p>
-        </p:txBody>
-      </p:sp>
-      <p:sp>
-        <p:nvSpPr>
-          <p:cNvPr id="3" name="Inhaltsplatzhalter 2"/>
-          <p:cNvSpPr>
-            <a:spLocks noGrp="1"/>
-          </p:cNvSpPr>
-          <p:nvPr>
-            <p:ph idx="1"/>
-          </p:nvPr>
-        </p:nvSpPr>
-        <p:spPr/>
-        <p:txBody>
-          <a:bodyPr/>
-          <a:lstStyle/>
-          <a:p>
-            <a:r>
-              <a:rPr lang="de-DE" sz="2000" dirty="0" err="1"/>
-              <a:t>Monarc</a:t>
-            </a:r>
-            <a:r>
-              <a:rPr lang="de-DE" sz="2000" dirty="0"/>
-              <a:t> </a:t>
-            </a:r>
-            <a:r>
-              <a:rPr lang="de-DE" sz="2000" dirty="0" err="1"/>
-              <a:t>Collaboration</a:t>
-            </a:r>
-            <a:r>
-              <a:rPr lang="de-DE" sz="2000" dirty="0"/>
-              <a:t> et al. Models of </a:t>
-            </a:r>
-            <a:r>
-              <a:rPr lang="de-DE" sz="2000" dirty="0" err="1"/>
-              <a:t>Networked</a:t>
-            </a:r>
-            <a:r>
-              <a:rPr lang="de-DE" sz="2000" dirty="0"/>
-              <a:t> Analysis at Regional </a:t>
-            </a:r>
-            <a:r>
-              <a:rPr lang="de-DE" sz="2000" dirty="0" err="1"/>
-              <a:t>Centres</a:t>
-            </a:r>
-            <a:r>
-              <a:rPr lang="de-DE" sz="2000" dirty="0"/>
-              <a:t> </a:t>
-            </a:r>
-            <a:r>
-              <a:rPr lang="de-DE" sz="2000" dirty="0" err="1"/>
-              <a:t>for</a:t>
-            </a:r>
-            <a:r>
-              <a:rPr lang="de-DE" sz="2000" dirty="0"/>
-              <a:t> LHC </a:t>
-            </a:r>
-            <a:r>
-              <a:rPr lang="en-US" sz="2000" dirty="0"/>
-              <a:t>experiments: Phase 2 report. Tech. rep. Technical Report CERN/LCB-001, CERN, 2000.</a:t>
-            </a:r>
-            <a:r>
-              <a:rPr lang="de-DE" sz="2000" dirty="0"/>
-              <a:t>http://www.cern.ch/MONARC, 2000.</a:t>
-            </a:r>
-          </a:p>
-          <a:p>
-            <a:r>
-              <a:rPr lang="en-US" sz="2000" dirty="0" err="1"/>
-              <a:t>Youhei</a:t>
-            </a:r>
-            <a:r>
-              <a:rPr lang="en-US" sz="2000" dirty="0"/>
-              <a:t> Morita, </a:t>
-            </a:r>
-            <a:r>
-              <a:rPr lang="en-US" sz="2000" dirty="0" err="1"/>
-              <a:t>Monarc</a:t>
-            </a:r>
-            <a:r>
-              <a:rPr lang="en-US" sz="2000" dirty="0"/>
-              <a:t> Collaboration, et al. “Validation of the MONARC simulation </a:t>
-            </a:r>
-            <a:r>
-              <a:rPr lang="de-DE" sz="2000" dirty="0" err="1"/>
-              <a:t>tools</a:t>
-            </a:r>
-            <a:r>
-              <a:rPr lang="de-DE" sz="2000" dirty="0"/>
-              <a:t>”. In: Computer Physics Communications 140.1-2 (2001), pp. 153–161.</a:t>
-            </a:r>
-          </a:p>
-          <a:p>
-            <a:r>
-              <a:rPr lang="en-US" sz="2000" dirty="0"/>
-              <a:t>C Zach et al. “Simulation of the job processing performance at an ALICE Tier-2 site with MONARC”. In: Journal of Physics: Conference Series 331.7 (2011), p. 072038. </a:t>
-            </a:r>
-            <a:r>
-              <a:rPr lang="en-US" sz="2000" dirty="0">
-                <a:hlinkClick r:id="rId3"/>
-              </a:rPr>
-              <a:t>url:</a:t>
-            </a:r>
-            <a:r>
-              <a:rPr lang="de-DE" sz="2000" dirty="0">
-                <a:hlinkClick r:id="rId3"/>
-              </a:rPr>
-              <a:t>http://stacks.iop.org/1742-6596/331/i=7/a=072038</a:t>
-            </a:r>
-            <a:r>
-              <a:rPr lang="de-DE" sz="2000" dirty="0"/>
-              <a:t>.</a:t>
-            </a:r>
-          </a:p>
-          <a:p>
-            <a:r>
-              <a:rPr lang="de-DE" sz="2000" dirty="0"/>
-              <a:t>Anne Martens, Exposé zum Promotionsvorhaben, 2008</a:t>
-            </a:r>
-          </a:p>
-          <a:p>
-            <a:r>
-              <a:rPr lang="de-DE" sz="2000" dirty="0"/>
-              <a:t>Alves </a:t>
-            </a:r>
-            <a:r>
-              <a:rPr lang="de-DE" sz="2000" dirty="0" err="1"/>
-              <a:t>Jr</a:t>
-            </a:r>
-            <a:r>
-              <a:rPr lang="de-DE" sz="2000" dirty="0"/>
-              <a:t>, Antonio Augusto, et al. "A Roadmap for HEP Software and Computing R&amp;D for the 2020s." </a:t>
-            </a:r>
-            <a:r>
-              <a:rPr lang="de-DE" sz="2000" i="1" dirty="0" err="1"/>
-              <a:t>arXiv</a:t>
-            </a:r>
-            <a:r>
-              <a:rPr lang="de-DE" sz="2000" i="1" dirty="0"/>
-              <a:t> </a:t>
-            </a:r>
-            <a:r>
-              <a:rPr lang="de-DE" sz="2000" i="1" dirty="0" err="1"/>
-              <a:t>preprint</a:t>
-            </a:r>
-            <a:r>
-              <a:rPr lang="de-DE" sz="2000" i="1" dirty="0"/>
-              <a:t> arXiv:1712.06982</a:t>
-            </a:r>
-            <a:r>
-              <a:rPr lang="de-DE" sz="2000" dirty="0"/>
-              <a:t> (2017).</a:t>
-            </a:r>
-          </a:p>
-          <a:p>
-            <a:pPr marL="0" indent="0">
-              <a:buNone/>
-            </a:pPr>
-            <a:endParaRPr lang="de-DE" sz="2000" dirty="0"/>
-          </a:p>
-          <a:p>
-            <a:pPr marL="0" indent="0">
-              <a:buNone/>
-            </a:pPr>
-            <a:endParaRPr lang="de-DE" sz="2000" dirty="0"/>
-          </a:p>
-          <a:p>
-            <a:endParaRPr lang="de-DE" sz="2000" dirty="0"/>
-          </a:p>
-        </p:txBody>
-      </p:sp>
-      <p:sp>
-        <p:nvSpPr>
-          <p:cNvPr id="17412" name="Fußzeilenplatzhalter 3"/>
-          <p:cNvSpPr>
-            <a:spLocks noGrp="1"/>
-          </p:cNvSpPr>
-          <p:nvPr>
-            <p:ph type="ftr" sz="quarter" idx="10"/>
-          </p:nvPr>
-        </p:nvSpPr>
-        <p:spPr>
-          <a:noFill/>
-        </p:spPr>
-        <p:txBody>
-          <a:bodyPr/>
-          <a:lstStyle/>
-          <a:p>
-            <a:r>
-              <a:rPr lang="de-DE" dirty="0">
-                <a:latin typeface="Arial" charset="0"/>
-                <a:cs typeface="Arial" charset="0"/>
-              </a:rPr>
-              <a:t>Firnkes Patrick:</a:t>
-            </a:r>
-            <a:r>
-              <a:rPr lang="de-DE" dirty="0"/>
-              <a:t> Modellierung und Simulation von Lastverteilungsstrategien </a:t>
-            </a:r>
-            <a:endParaRPr lang="de-DE" dirty="0">
-              <a:latin typeface="Arial" charset="0"/>
-              <a:cs typeface="Arial" charset="0"/>
-            </a:endParaRPr>
-          </a:p>
-        </p:txBody>
-      </p:sp>
-    </p:spTree>
-    <p:extLst>
-      <p:ext uri="{BB962C8B-B14F-4D97-AF65-F5344CB8AC3E}">
-        <p14:creationId xmlns:p14="http://schemas.microsoft.com/office/powerpoint/2010/main" val="611988571"/>
-      </p:ext>
-    </p:extLst>
-  </p:cSld>
-  <p:clrMapOvr>
-    <a:masterClrMapping/>
-  </p:clrMapOvr>
-</p:sld>
-</file>
-
-<file path=ppt/slides/slide33.xml><?xml version="1.0" encoding="utf-8"?>
 <p:sld xmlns:a="http://schemas.openxmlformats.org/drawingml/2006/main" xmlns:r="http://schemas.openxmlformats.org/officeDocument/2006/relationships" xmlns:p="http://schemas.openxmlformats.org/presentationml/2006/main">
   <p:cSld>
     <p:spTree>
@@ -30582,6 +28750,1847 @@
 </p:sld>
 </file>
 
+<file path=ppt/slides/slide32.xml><?xml version="1.0" encoding="utf-8"?>
+<p:sld xmlns:a="http://schemas.openxmlformats.org/drawingml/2006/main" xmlns:r="http://schemas.openxmlformats.org/officeDocument/2006/relationships" xmlns:p="http://schemas.openxmlformats.org/presentationml/2006/main">
+  <p:cSld>
+    <p:spTree>
+      <p:nvGrpSpPr>
+        <p:cNvPr id="1" name=""/>
+        <p:cNvGrpSpPr/>
+        <p:nvPr/>
+      </p:nvGrpSpPr>
+      <p:grpSpPr>
+        <a:xfrm>
+          <a:off x="0" y="0"/>
+          <a:ext cx="0" cy="0"/>
+          <a:chOff x="0" y="0"/>
+          <a:chExt cx="0" cy="0"/>
+        </a:xfrm>
+      </p:grpSpPr>
+      <p:sp>
+        <p:nvSpPr>
+          <p:cNvPr id="17409" name="Titel 1"/>
+          <p:cNvSpPr>
+            <a:spLocks noGrp="1"/>
+          </p:cNvSpPr>
+          <p:nvPr>
+            <p:ph type="title"/>
+          </p:nvPr>
+        </p:nvSpPr>
+        <p:spPr/>
+        <p:txBody>
+          <a:bodyPr/>
+          <a:lstStyle/>
+          <a:p>
+            <a:r>
+              <a:rPr lang="de-DE" dirty="0"/>
+              <a:t>State of the Art - </a:t>
+            </a:r>
+            <a:r>
+              <a:rPr lang="de-DE" noProof="0" dirty="0"/>
+              <a:t>Palladio</a:t>
+            </a:r>
+          </a:p>
+        </p:txBody>
+      </p:sp>
+      <p:pic>
+        <p:nvPicPr>
+          <p:cNvPr id="2" name="Inhaltsplatzhalter 1"/>
+          <p:cNvPicPr>
+            <a:picLocks noGrp="1" noChangeAspect="1"/>
+          </p:cNvPicPr>
+          <p:nvPr>
+            <p:ph idx="1"/>
+          </p:nvPr>
+        </p:nvPicPr>
+        <p:blipFill>
+          <a:blip r:embed="rId3">
+            <a:extLst>
+              <a:ext uri="{28A0092B-C50C-407E-A947-70E740481C1C}">
+                <a14:useLocalDpi xmlns:a14="http://schemas.microsoft.com/office/drawing/2010/main" val="0"/>
+              </a:ext>
+            </a:extLst>
+          </a:blip>
+          <a:stretch>
+            <a:fillRect/>
+          </a:stretch>
+        </p:blipFill>
+        <p:spPr>
+          <a:xfrm>
+            <a:off x="258702" y="1435039"/>
+            <a:ext cx="8431764" cy="3903148"/>
+          </a:xfrm>
+        </p:spPr>
+      </p:pic>
+      <p:sp>
+        <p:nvSpPr>
+          <p:cNvPr id="17412" name="Fußzeilenplatzhalter 3"/>
+          <p:cNvSpPr>
+            <a:spLocks noGrp="1"/>
+          </p:cNvSpPr>
+          <p:nvPr>
+            <p:ph type="ftr" sz="quarter" idx="10"/>
+          </p:nvPr>
+        </p:nvSpPr>
+        <p:spPr>
+          <a:noFill/>
+        </p:spPr>
+        <p:txBody>
+          <a:bodyPr/>
+          <a:lstStyle/>
+          <a:p>
+            <a:r>
+              <a:rPr lang="de-DE" dirty="0">
+                <a:latin typeface="Arial" charset="0"/>
+                <a:cs typeface="Arial" charset="0"/>
+              </a:rPr>
+              <a:t>Firnkes Patrick:</a:t>
+            </a:r>
+            <a:r>
+              <a:rPr lang="de-DE" dirty="0"/>
+              <a:t> Modellierung und Simulation von Lastverteilungsstrategien </a:t>
+            </a:r>
+            <a:endParaRPr lang="de-DE" dirty="0">
+              <a:latin typeface="Arial" charset="0"/>
+              <a:cs typeface="Arial" charset="0"/>
+            </a:endParaRPr>
+          </a:p>
+        </p:txBody>
+      </p:sp>
+      <p:sp>
+        <p:nvSpPr>
+          <p:cNvPr id="4" name="Textfeld 3"/>
+          <p:cNvSpPr txBox="1"/>
+          <p:nvPr/>
+        </p:nvSpPr>
+        <p:spPr>
+          <a:xfrm>
+            <a:off x="2895600" y="5377490"/>
+            <a:ext cx="4270721" cy="369332"/>
+          </a:xfrm>
+          <a:prstGeom prst="rect">
+            <a:avLst/>
+          </a:prstGeom>
+          <a:noFill/>
+        </p:spPr>
+        <p:txBody>
+          <a:bodyPr wrap="none" rtlCol="0">
+            <a:spAutoFit/>
+          </a:bodyPr>
+          <a:lstStyle/>
+          <a:p>
+            <a:r>
+              <a:rPr lang="de-DE" dirty="0"/>
+              <a:t>Arbeitsprozess Palladio </a:t>
+            </a:r>
+            <a:r>
+              <a:rPr lang="de-DE" sz="1400" dirty="0"/>
+              <a:t>(Becker et al., 2009)</a:t>
+            </a:r>
+          </a:p>
+        </p:txBody>
+      </p:sp>
+      <p:grpSp>
+        <p:nvGrpSpPr>
+          <p:cNvPr id="19" name="Gruppieren 18">
+            <a:extLst>
+              <a:ext uri="{FF2B5EF4-FFF2-40B4-BE49-F238E27FC236}">
+                <a16:creationId xmlns:a16="http://schemas.microsoft.com/office/drawing/2014/main" id="{FEC9E8F6-9B26-4421-93D4-11DC8EF9140C}"/>
+              </a:ext>
+            </a:extLst>
+          </p:cNvPr>
+          <p:cNvGrpSpPr/>
+          <p:nvPr/>
+        </p:nvGrpSpPr>
+        <p:grpSpPr>
+          <a:xfrm>
+            <a:off x="36000" y="6014135"/>
+            <a:ext cx="9072000" cy="306886"/>
+            <a:chOff x="3900" y="6014135"/>
+            <a:chExt cx="9072000" cy="306886"/>
+          </a:xfrm>
+        </p:grpSpPr>
+        <p:sp>
+          <p:nvSpPr>
+            <p:cNvPr id="20" name="Eingekerbter Richtungspfeil 25">
+              <a:extLst>
+                <a:ext uri="{FF2B5EF4-FFF2-40B4-BE49-F238E27FC236}">
+                  <a16:creationId xmlns:a16="http://schemas.microsoft.com/office/drawing/2014/main" id="{6F146D60-6A83-4AD9-BD82-F63CE5C36086}"/>
+                </a:ext>
+              </a:extLst>
+            </p:cNvPr>
+            <p:cNvSpPr/>
+            <p:nvPr/>
+          </p:nvSpPr>
+          <p:spPr>
+            <a:xfrm>
+              <a:off x="7305994" y="6103273"/>
+              <a:ext cx="158496" cy="158496"/>
+            </a:xfrm>
+            <a:prstGeom prst="chevron">
+              <a:avLst/>
+            </a:prstGeom>
+          </p:spPr>
+          <p:style>
+            <a:lnRef idx="1">
+              <a:schemeClr val="accent4"/>
+            </a:lnRef>
+            <a:fillRef idx="2">
+              <a:schemeClr val="accent4"/>
+            </a:fillRef>
+            <a:effectRef idx="1">
+              <a:schemeClr val="accent4"/>
+            </a:effectRef>
+            <a:fontRef idx="minor">
+              <a:schemeClr val="dk1"/>
+            </a:fontRef>
+          </p:style>
+          <p:txBody>
+            <a:bodyPr rtlCol="0" anchor="ctr"/>
+            <a:lstStyle/>
+            <a:p>
+              <a:pPr algn="ctr"/>
+              <a:endParaRPr lang="de-DE">
+                <a:solidFill>
+                  <a:schemeClr val="tx1"/>
+                </a:solidFill>
+              </a:endParaRPr>
+            </a:p>
+          </p:txBody>
+        </p:sp>
+        <p:grpSp>
+          <p:nvGrpSpPr>
+            <p:cNvPr id="21" name="Gruppieren 20">
+              <a:extLst>
+                <a:ext uri="{FF2B5EF4-FFF2-40B4-BE49-F238E27FC236}">
+                  <a16:creationId xmlns:a16="http://schemas.microsoft.com/office/drawing/2014/main" id="{5C4F1336-E953-40D7-BD82-3B84E7F309F8}"/>
+                </a:ext>
+              </a:extLst>
+            </p:cNvPr>
+            <p:cNvGrpSpPr/>
+            <p:nvPr/>
+          </p:nvGrpSpPr>
+          <p:grpSpPr>
+            <a:xfrm>
+              <a:off x="3900" y="6014135"/>
+              <a:ext cx="9072000" cy="306886"/>
+              <a:chOff x="3900" y="6014135"/>
+              <a:chExt cx="9072000" cy="306886"/>
+            </a:xfrm>
+          </p:grpSpPr>
+          <p:grpSp>
+            <p:nvGrpSpPr>
+              <p:cNvPr id="22" name="Gruppieren 21">
+                <a:extLst>
+                  <a:ext uri="{FF2B5EF4-FFF2-40B4-BE49-F238E27FC236}">
+                    <a16:creationId xmlns:a16="http://schemas.microsoft.com/office/drawing/2014/main" id="{69F86A1A-3A78-4E4C-A2D8-15E88D710857}"/>
+                  </a:ext>
+                </a:extLst>
+              </p:cNvPr>
+              <p:cNvGrpSpPr/>
+              <p:nvPr/>
+            </p:nvGrpSpPr>
+            <p:grpSpPr>
+              <a:xfrm>
+                <a:off x="3900" y="6014135"/>
+                <a:ext cx="9072000" cy="306886"/>
+                <a:chOff x="3900" y="6014135"/>
+                <a:chExt cx="9072000" cy="306886"/>
+              </a:xfrm>
+            </p:grpSpPr>
+            <p:sp>
+              <p:nvSpPr>
+                <p:cNvPr id="28" name="Textfeld 27">
+                  <a:extLst>
+                    <a:ext uri="{FF2B5EF4-FFF2-40B4-BE49-F238E27FC236}">
+                      <a16:creationId xmlns:a16="http://schemas.microsoft.com/office/drawing/2014/main" id="{B2234140-E5B1-47D9-BBD9-1085526D42EE}"/>
+                    </a:ext>
+                  </a:extLst>
+                </p:cNvPr>
+                <p:cNvSpPr txBox="1"/>
+                <p:nvPr/>
+              </p:nvSpPr>
+              <p:spPr>
+                <a:xfrm>
+                  <a:off x="7514250" y="6044022"/>
+                  <a:ext cx="1495202" cy="276999"/>
+                </a:xfrm>
+                <a:prstGeom prst="rect">
+                  <a:avLst/>
+                </a:prstGeom>
+                <a:noFill/>
+                <a:ln>
+                  <a:noFill/>
+                </a:ln>
+              </p:spPr>
+              <p:style>
+                <a:lnRef idx="2">
+                  <a:schemeClr val="accent3"/>
+                </a:lnRef>
+                <a:fillRef idx="1">
+                  <a:schemeClr val="lt1"/>
+                </a:fillRef>
+                <a:effectRef idx="0">
+                  <a:schemeClr val="accent3"/>
+                </a:effectRef>
+                <a:fontRef idx="minor">
+                  <a:schemeClr val="dk1"/>
+                </a:fontRef>
+              </p:style>
+              <p:txBody>
+                <a:bodyPr wrap="square" rtlCol="0">
+                  <a:spAutoFit/>
+                </a:bodyPr>
+                <a:lstStyle/>
+                <a:p>
+                  <a:r>
+                    <a:rPr lang="de-DE" sz="1200" dirty="0"/>
+                    <a:t>Zusammenfassung</a:t>
+                  </a:r>
+                </a:p>
+              </p:txBody>
+            </p:sp>
+            <p:sp>
+              <p:nvSpPr>
+                <p:cNvPr id="29" name="Textfeld 28">
+                  <a:extLst>
+                    <a:ext uri="{FF2B5EF4-FFF2-40B4-BE49-F238E27FC236}">
+                      <a16:creationId xmlns:a16="http://schemas.microsoft.com/office/drawing/2014/main" id="{2DAB84CC-CAEE-4889-9F41-287869FE8E9C}"/>
+                    </a:ext>
+                  </a:extLst>
+                </p:cNvPr>
+                <p:cNvSpPr txBox="1"/>
+                <p:nvPr/>
+              </p:nvSpPr>
+              <p:spPr>
+                <a:xfrm>
+                  <a:off x="97091" y="6044022"/>
+                  <a:ext cx="1029065" cy="276999"/>
+                </a:xfrm>
+                <a:prstGeom prst="rect">
+                  <a:avLst/>
+                </a:prstGeom>
+                <a:noFill/>
+                <a:ln>
+                  <a:noFill/>
+                </a:ln>
+              </p:spPr>
+              <p:style>
+                <a:lnRef idx="2">
+                  <a:schemeClr val="accent3"/>
+                </a:lnRef>
+                <a:fillRef idx="1">
+                  <a:schemeClr val="lt1"/>
+                </a:fillRef>
+                <a:effectRef idx="0">
+                  <a:schemeClr val="accent3"/>
+                </a:effectRef>
+                <a:fontRef idx="minor">
+                  <a:schemeClr val="dk1"/>
+                </a:fontRef>
+              </p:style>
+              <p:txBody>
+                <a:bodyPr wrap="square" rtlCol="0">
+                  <a:spAutoFit/>
+                </a:bodyPr>
+                <a:lstStyle/>
+                <a:p>
+                  <a:r>
+                    <a:rPr lang="en-US" sz="1200" dirty="0"/>
+                    <a:t>Motivation</a:t>
+                  </a:r>
+                </a:p>
+              </p:txBody>
+            </p:sp>
+            <p:sp>
+              <p:nvSpPr>
+                <p:cNvPr id="30" name="Eingekerbter Richtungspfeil 23">
+                  <a:extLst>
+                    <a:ext uri="{FF2B5EF4-FFF2-40B4-BE49-F238E27FC236}">
+                      <a16:creationId xmlns:a16="http://schemas.microsoft.com/office/drawing/2014/main" id="{F786E177-C5D1-423A-ADDA-9E693AC79C7D}"/>
+                    </a:ext>
+                  </a:extLst>
+                </p:cNvPr>
+                <p:cNvSpPr/>
+                <p:nvPr/>
+              </p:nvSpPr>
+              <p:spPr>
+                <a:xfrm>
+                  <a:off x="1175920" y="6103273"/>
+                  <a:ext cx="158496" cy="158496"/>
+                </a:xfrm>
+                <a:prstGeom prst="chevron">
+                  <a:avLst/>
+                </a:prstGeom>
+              </p:spPr>
+              <p:style>
+                <a:lnRef idx="1">
+                  <a:schemeClr val="accent4"/>
+                </a:lnRef>
+                <a:fillRef idx="2">
+                  <a:schemeClr val="accent4"/>
+                </a:fillRef>
+                <a:effectRef idx="1">
+                  <a:schemeClr val="accent4"/>
+                </a:effectRef>
+                <a:fontRef idx="minor">
+                  <a:schemeClr val="dk1"/>
+                </a:fontRef>
+              </p:style>
+              <p:txBody>
+                <a:bodyPr rtlCol="0" anchor="ctr"/>
+                <a:lstStyle/>
+                <a:p>
+                  <a:pPr algn="ctr"/>
+                  <a:endParaRPr lang="de-DE" dirty="0">
+                    <a:solidFill>
+                      <a:schemeClr val="tx1"/>
+                    </a:solidFill>
+                  </a:endParaRPr>
+                </a:p>
+              </p:txBody>
+            </p:sp>
+            <p:sp>
+              <p:nvSpPr>
+                <p:cNvPr id="31" name="Eingekerbter Richtungspfeil 25">
+                  <a:extLst>
+                    <a:ext uri="{FF2B5EF4-FFF2-40B4-BE49-F238E27FC236}">
+                      <a16:creationId xmlns:a16="http://schemas.microsoft.com/office/drawing/2014/main" id="{6FFF1E0B-19EE-4F1B-BF93-56C20003BAE1}"/>
+                    </a:ext>
+                  </a:extLst>
+                </p:cNvPr>
+                <p:cNvSpPr/>
+                <p:nvPr/>
+              </p:nvSpPr>
+              <p:spPr>
+                <a:xfrm>
+                  <a:off x="5030588" y="6103273"/>
+                  <a:ext cx="158496" cy="158496"/>
+                </a:xfrm>
+                <a:prstGeom prst="chevron">
+                  <a:avLst/>
+                </a:prstGeom>
+              </p:spPr>
+              <p:style>
+                <a:lnRef idx="1">
+                  <a:schemeClr val="accent4"/>
+                </a:lnRef>
+                <a:fillRef idx="2">
+                  <a:schemeClr val="accent4"/>
+                </a:fillRef>
+                <a:effectRef idx="1">
+                  <a:schemeClr val="accent4"/>
+                </a:effectRef>
+                <a:fontRef idx="minor">
+                  <a:schemeClr val="dk1"/>
+                </a:fontRef>
+              </p:style>
+              <p:txBody>
+                <a:bodyPr rtlCol="0" anchor="ctr"/>
+                <a:lstStyle/>
+                <a:p>
+                  <a:pPr algn="ctr"/>
+                  <a:endParaRPr lang="de-DE" dirty="0">
+                    <a:solidFill>
+                      <a:schemeClr val="tx1"/>
+                    </a:solidFill>
+                  </a:endParaRPr>
+                </a:p>
+              </p:txBody>
+            </p:sp>
+            <p:cxnSp>
+              <p:nvCxnSpPr>
+                <p:cNvPr id="32" name="Gerade Verbindung 28">
+                  <a:extLst>
+                    <a:ext uri="{FF2B5EF4-FFF2-40B4-BE49-F238E27FC236}">
+                      <a16:creationId xmlns:a16="http://schemas.microsoft.com/office/drawing/2014/main" id="{9CB60B86-C8C0-40B4-8D24-9119350CA05B}"/>
+                    </a:ext>
+                  </a:extLst>
+                </p:cNvPr>
+                <p:cNvCxnSpPr/>
+                <p:nvPr/>
+              </p:nvCxnSpPr>
+              <p:spPr>
+                <a:xfrm>
+                  <a:off x="3900" y="6014135"/>
+                  <a:ext cx="9072000" cy="1588"/>
+                </a:xfrm>
+                <a:prstGeom prst="line">
+                  <a:avLst/>
+                </a:prstGeom>
+                <a:ln w="41275">
+                  <a:solidFill>
+                    <a:schemeClr val="accent3">
+                      <a:lumMod val="85000"/>
+                    </a:schemeClr>
+                  </a:solidFill>
+                </a:ln>
+              </p:spPr>
+              <p:style>
+                <a:lnRef idx="1">
+                  <a:schemeClr val="accent1"/>
+                </a:lnRef>
+                <a:fillRef idx="0">
+                  <a:schemeClr val="accent1"/>
+                </a:fillRef>
+                <a:effectRef idx="0">
+                  <a:schemeClr val="accent1"/>
+                </a:effectRef>
+                <a:fontRef idx="minor">
+                  <a:schemeClr val="tx1"/>
+                </a:fontRef>
+              </p:style>
+            </p:cxnSp>
+            <p:sp>
+              <p:nvSpPr>
+                <p:cNvPr id="33" name="Textfeld 32">
+                  <a:extLst>
+                    <a:ext uri="{FF2B5EF4-FFF2-40B4-BE49-F238E27FC236}">
+                      <a16:creationId xmlns:a16="http://schemas.microsoft.com/office/drawing/2014/main" id="{3DE30EAF-1C84-4E54-91DA-6EFF1420F6EC}"/>
+                    </a:ext>
+                  </a:extLst>
+                </p:cNvPr>
+                <p:cNvSpPr txBox="1"/>
+                <p:nvPr/>
+              </p:nvSpPr>
+              <p:spPr>
+                <a:xfrm>
+                  <a:off x="2898316" y="6044022"/>
+                  <a:ext cx="1097616" cy="276999"/>
+                </a:xfrm>
+                <a:prstGeom prst="rect">
+                  <a:avLst/>
+                </a:prstGeom>
+                <a:noFill/>
+                <a:ln>
+                  <a:noFill/>
+                </a:ln>
+              </p:spPr>
+              <p:style>
+                <a:lnRef idx="2">
+                  <a:schemeClr val="accent3"/>
+                </a:lnRef>
+                <a:fillRef idx="1">
+                  <a:schemeClr val="lt1"/>
+                </a:fillRef>
+                <a:effectRef idx="0">
+                  <a:schemeClr val="accent3"/>
+                </a:effectRef>
+                <a:fontRef idx="minor">
+                  <a:schemeClr val="dk1"/>
+                </a:fontRef>
+              </p:style>
+              <p:txBody>
+                <a:bodyPr wrap="square" rtlCol="0">
+                  <a:spAutoFit/>
+                </a:bodyPr>
+                <a:lstStyle/>
+                <a:p>
+                  <a:r>
+                    <a:rPr lang="de-DE" sz="1200" dirty="0"/>
+                    <a:t>Meilensteine</a:t>
+                  </a:r>
+                </a:p>
+              </p:txBody>
+            </p:sp>
+            <p:sp>
+              <p:nvSpPr>
+                <p:cNvPr id="34" name="Textfeld 33">
+                  <a:extLst>
+                    <a:ext uri="{FF2B5EF4-FFF2-40B4-BE49-F238E27FC236}">
+                      <a16:creationId xmlns:a16="http://schemas.microsoft.com/office/drawing/2014/main" id="{3943AAF1-152C-4993-A56E-0865DBFAE7BE}"/>
+                    </a:ext>
+                  </a:extLst>
+                </p:cNvPr>
+                <p:cNvSpPr txBox="1"/>
+                <p:nvPr/>
+              </p:nvSpPr>
+              <p:spPr>
+                <a:xfrm>
+                  <a:off x="1384180" y="6044022"/>
+                  <a:ext cx="1305876" cy="276999"/>
+                </a:xfrm>
+                <a:prstGeom prst="rect">
+                  <a:avLst/>
+                </a:prstGeom>
+                <a:noFill/>
+                <a:ln>
+                  <a:noFill/>
+                </a:ln>
+              </p:spPr>
+              <p:style>
+                <a:lnRef idx="2">
+                  <a:schemeClr val="accent3"/>
+                </a:lnRef>
+                <a:fillRef idx="1">
+                  <a:schemeClr val="lt1"/>
+                </a:fillRef>
+                <a:effectRef idx="0">
+                  <a:schemeClr val="accent3"/>
+                </a:effectRef>
+                <a:fontRef idx="minor">
+                  <a:schemeClr val="dk1"/>
+                </a:fontRef>
+              </p:style>
+              <p:txBody>
+                <a:bodyPr wrap="square" rtlCol="0">
+                  <a:spAutoFit/>
+                </a:bodyPr>
+                <a:lstStyle/>
+                <a:p>
+                  <a:r>
+                    <a:rPr lang="de-DE" sz="1200" dirty="0"/>
+                    <a:t>State of the Art</a:t>
+                  </a:r>
+                </a:p>
+              </p:txBody>
+            </p:sp>
+            <p:sp>
+              <p:nvSpPr>
+                <p:cNvPr id="35" name="Eingekerbter Richtungspfeil 25">
+                  <a:extLst>
+                    <a:ext uri="{FF2B5EF4-FFF2-40B4-BE49-F238E27FC236}">
+                      <a16:creationId xmlns:a16="http://schemas.microsoft.com/office/drawing/2014/main" id="{E873730E-995F-4094-8698-F8EDFEFF512C}"/>
+                    </a:ext>
+                  </a:extLst>
+                </p:cNvPr>
+                <p:cNvSpPr/>
+                <p:nvPr/>
+              </p:nvSpPr>
+              <p:spPr>
+                <a:xfrm>
+                  <a:off x="2690056" y="6103273"/>
+                  <a:ext cx="158496" cy="158496"/>
+                </a:xfrm>
+                <a:prstGeom prst="chevron">
+                  <a:avLst/>
+                </a:prstGeom>
+              </p:spPr>
+              <p:style>
+                <a:lnRef idx="1">
+                  <a:schemeClr val="accent4"/>
+                </a:lnRef>
+                <a:fillRef idx="2">
+                  <a:schemeClr val="accent4"/>
+                </a:fillRef>
+                <a:effectRef idx="1">
+                  <a:schemeClr val="accent4"/>
+                </a:effectRef>
+                <a:fontRef idx="minor">
+                  <a:schemeClr val="dk1"/>
+                </a:fontRef>
+              </p:style>
+              <p:txBody>
+                <a:bodyPr rtlCol="0" anchor="ctr"/>
+                <a:lstStyle/>
+                <a:p>
+                  <a:pPr algn="ctr"/>
+                  <a:endParaRPr lang="de-DE">
+                    <a:solidFill>
+                      <a:schemeClr val="tx1"/>
+                    </a:solidFill>
+                  </a:endParaRPr>
+                </a:p>
+              </p:txBody>
+            </p:sp>
+          </p:grpSp>
+          <p:sp>
+            <p:nvSpPr>
+              <p:cNvPr id="23" name="Textfeld 22">
+                <a:extLst>
+                  <a:ext uri="{FF2B5EF4-FFF2-40B4-BE49-F238E27FC236}">
+                    <a16:creationId xmlns:a16="http://schemas.microsoft.com/office/drawing/2014/main" id="{AE25EAF7-13E6-474A-A10A-4D33C5CAB3A3}"/>
+                  </a:ext>
+                </a:extLst>
+              </p:cNvPr>
+              <p:cNvSpPr txBox="1"/>
+              <p:nvPr/>
+            </p:nvSpPr>
+            <p:spPr>
+              <a:xfrm>
+                <a:off x="4235173" y="6044022"/>
+                <a:ext cx="745651" cy="276999"/>
+              </a:xfrm>
+              <a:prstGeom prst="rect">
+                <a:avLst/>
+              </a:prstGeom>
+              <a:noFill/>
+              <a:ln>
+                <a:noFill/>
+              </a:ln>
+            </p:spPr>
+            <p:style>
+              <a:lnRef idx="2">
+                <a:schemeClr val="accent3"/>
+              </a:lnRef>
+              <a:fillRef idx="1">
+                <a:schemeClr val="lt1"/>
+              </a:fillRef>
+              <a:effectRef idx="0">
+                <a:schemeClr val="accent3"/>
+              </a:effectRef>
+              <a:fontRef idx="minor">
+                <a:schemeClr val="dk1"/>
+              </a:fontRef>
+            </p:style>
+            <p:txBody>
+              <a:bodyPr wrap="square" rtlCol="0">
+                <a:spAutoFit/>
+              </a:bodyPr>
+              <a:lstStyle/>
+              <a:p>
+                <a:r>
+                  <a:rPr lang="de-DE" sz="1200" b="1" dirty="0"/>
+                  <a:t>Modell</a:t>
+                </a:r>
+              </a:p>
+            </p:txBody>
+          </p:sp>
+          <p:sp>
+            <p:nvSpPr>
+              <p:cNvPr id="24" name="Textfeld 23">
+                <a:extLst>
+                  <a:ext uri="{FF2B5EF4-FFF2-40B4-BE49-F238E27FC236}">
+                    <a16:creationId xmlns:a16="http://schemas.microsoft.com/office/drawing/2014/main" id="{E163E943-A6B8-41EE-A76E-C8A2A64D1B4D}"/>
+                  </a:ext>
+                </a:extLst>
+              </p:cNvPr>
+              <p:cNvSpPr txBox="1"/>
+              <p:nvPr/>
+            </p:nvSpPr>
+            <p:spPr>
+              <a:xfrm>
+                <a:off x="5238848" y="6044022"/>
+                <a:ext cx="999624" cy="276999"/>
+              </a:xfrm>
+              <a:prstGeom prst="rect">
+                <a:avLst/>
+              </a:prstGeom>
+              <a:noFill/>
+              <a:ln>
+                <a:noFill/>
+              </a:ln>
+            </p:spPr>
+            <p:style>
+              <a:lnRef idx="2">
+                <a:schemeClr val="accent3"/>
+              </a:lnRef>
+              <a:fillRef idx="1">
+                <a:schemeClr val="lt1"/>
+              </a:fillRef>
+              <a:effectRef idx="0">
+                <a:schemeClr val="accent3"/>
+              </a:effectRef>
+              <a:fontRef idx="minor">
+                <a:schemeClr val="dk1"/>
+              </a:fontRef>
+            </p:style>
+            <p:txBody>
+              <a:bodyPr wrap="square" rtlCol="0">
+                <a:spAutoFit/>
+              </a:bodyPr>
+              <a:lstStyle/>
+              <a:p>
+                <a:r>
+                  <a:rPr lang="de-DE" sz="1200" dirty="0"/>
+                  <a:t>Validierung</a:t>
+                </a:r>
+              </a:p>
+            </p:txBody>
+          </p:sp>
+          <p:sp>
+            <p:nvSpPr>
+              <p:cNvPr id="25" name="Eingekerbter Richtungspfeil 25">
+                <a:extLst>
+                  <a:ext uri="{FF2B5EF4-FFF2-40B4-BE49-F238E27FC236}">
+                    <a16:creationId xmlns:a16="http://schemas.microsoft.com/office/drawing/2014/main" id="{81822EDF-CF04-4C62-8E64-EA1A6A8EFE63}"/>
+                  </a:ext>
+                </a:extLst>
+              </p:cNvPr>
+              <p:cNvSpPr/>
+              <p:nvPr/>
+            </p:nvSpPr>
+            <p:spPr>
+              <a:xfrm>
+                <a:off x="6288236" y="6103273"/>
+                <a:ext cx="158496" cy="158496"/>
+              </a:xfrm>
+              <a:prstGeom prst="chevron">
+                <a:avLst/>
+              </a:prstGeom>
+            </p:spPr>
+            <p:style>
+              <a:lnRef idx="1">
+                <a:schemeClr val="accent4"/>
+              </a:lnRef>
+              <a:fillRef idx="2">
+                <a:schemeClr val="accent4"/>
+              </a:fillRef>
+              <a:effectRef idx="1">
+                <a:schemeClr val="accent4"/>
+              </a:effectRef>
+              <a:fontRef idx="minor">
+                <a:schemeClr val="dk1"/>
+              </a:fontRef>
+            </p:style>
+            <p:txBody>
+              <a:bodyPr rtlCol="0" anchor="ctr"/>
+              <a:lstStyle/>
+              <a:p>
+                <a:pPr algn="ctr"/>
+                <a:endParaRPr lang="de-DE">
+                  <a:solidFill>
+                    <a:schemeClr val="tx1"/>
+                  </a:solidFill>
+                </a:endParaRPr>
+              </a:p>
+            </p:txBody>
+          </p:sp>
+          <p:sp>
+            <p:nvSpPr>
+              <p:cNvPr id="26" name="Textfeld 25">
+                <a:extLst>
+                  <a:ext uri="{FF2B5EF4-FFF2-40B4-BE49-F238E27FC236}">
+                    <a16:creationId xmlns:a16="http://schemas.microsoft.com/office/drawing/2014/main" id="{FB501DEF-C491-4F9E-88BD-F3C87672A562}"/>
+                  </a:ext>
+                </a:extLst>
+              </p:cNvPr>
+              <p:cNvSpPr txBox="1"/>
+              <p:nvPr/>
+            </p:nvSpPr>
+            <p:spPr>
+              <a:xfrm>
+                <a:off x="6496496" y="6044022"/>
+                <a:ext cx="759734" cy="276999"/>
+              </a:xfrm>
+              <a:prstGeom prst="rect">
+                <a:avLst/>
+              </a:prstGeom>
+              <a:noFill/>
+              <a:ln>
+                <a:noFill/>
+              </a:ln>
+            </p:spPr>
+            <p:style>
+              <a:lnRef idx="2">
+                <a:schemeClr val="accent3"/>
+              </a:lnRef>
+              <a:fillRef idx="1">
+                <a:schemeClr val="lt1"/>
+              </a:fillRef>
+              <a:effectRef idx="0">
+                <a:schemeClr val="accent3"/>
+              </a:effectRef>
+              <a:fontRef idx="minor">
+                <a:schemeClr val="dk1"/>
+              </a:fontRef>
+            </p:style>
+            <p:txBody>
+              <a:bodyPr wrap="square" rtlCol="0">
+                <a:spAutoFit/>
+              </a:bodyPr>
+              <a:lstStyle/>
+              <a:p>
+                <a:r>
+                  <a:rPr lang="de-DE" sz="1200" dirty="0"/>
+                  <a:t>Ausblick</a:t>
+                </a:r>
+              </a:p>
+            </p:txBody>
+          </p:sp>
+          <p:sp>
+            <p:nvSpPr>
+              <p:cNvPr id="27" name="Eingekerbter Richtungspfeil 25">
+                <a:extLst>
+                  <a:ext uri="{FF2B5EF4-FFF2-40B4-BE49-F238E27FC236}">
+                    <a16:creationId xmlns:a16="http://schemas.microsoft.com/office/drawing/2014/main" id="{8000E346-2A43-4AFD-B5D6-58E1B529A987}"/>
+                  </a:ext>
+                </a:extLst>
+              </p:cNvPr>
+              <p:cNvSpPr/>
+              <p:nvPr/>
+            </p:nvSpPr>
+            <p:spPr>
+              <a:xfrm>
+                <a:off x="4026913" y="6103273"/>
+                <a:ext cx="158496" cy="158496"/>
+              </a:xfrm>
+              <a:prstGeom prst="chevron">
+                <a:avLst/>
+              </a:prstGeom>
+            </p:spPr>
+            <p:style>
+              <a:lnRef idx="1">
+                <a:schemeClr val="accent4"/>
+              </a:lnRef>
+              <a:fillRef idx="2">
+                <a:schemeClr val="accent4"/>
+              </a:fillRef>
+              <a:effectRef idx="1">
+                <a:schemeClr val="accent4"/>
+              </a:effectRef>
+              <a:fontRef idx="minor">
+                <a:schemeClr val="dk1"/>
+              </a:fontRef>
+            </p:style>
+            <p:txBody>
+              <a:bodyPr rtlCol="0" anchor="ctr"/>
+              <a:lstStyle/>
+              <a:p>
+                <a:pPr algn="ctr"/>
+                <a:endParaRPr lang="de-DE">
+                  <a:solidFill>
+                    <a:schemeClr val="tx1"/>
+                  </a:solidFill>
+                </a:endParaRPr>
+              </a:p>
+            </p:txBody>
+          </p:sp>
+        </p:grpSp>
+      </p:grpSp>
+    </p:spTree>
+    <p:extLst>
+      <p:ext uri="{BB962C8B-B14F-4D97-AF65-F5344CB8AC3E}">
+        <p14:creationId xmlns:p14="http://schemas.microsoft.com/office/powerpoint/2010/main" val="3171028617"/>
+      </p:ext>
+    </p:extLst>
+  </p:cSld>
+  <p:clrMapOvr>
+    <a:masterClrMapping/>
+  </p:clrMapOvr>
+</p:sld>
+</file>
+
+<file path=ppt/slides/slide33.xml><?xml version="1.0" encoding="utf-8"?>
+<p:sld xmlns:a="http://schemas.openxmlformats.org/drawingml/2006/main" xmlns:r="http://schemas.openxmlformats.org/officeDocument/2006/relationships" xmlns:p="http://schemas.openxmlformats.org/presentationml/2006/main">
+  <p:cSld>
+    <p:spTree>
+      <p:nvGrpSpPr>
+        <p:cNvPr id="1" name=""/>
+        <p:cNvGrpSpPr/>
+        <p:nvPr/>
+      </p:nvGrpSpPr>
+      <p:grpSpPr>
+        <a:xfrm>
+          <a:off x="0" y="0"/>
+          <a:ext cx="0" cy="0"/>
+          <a:chOff x="0" y="0"/>
+          <a:chExt cx="0" cy="0"/>
+        </a:xfrm>
+      </p:grpSpPr>
+      <p:sp>
+        <p:nvSpPr>
+          <p:cNvPr id="2" name="Titel 1">
+            <a:extLst>
+              <a:ext uri="{FF2B5EF4-FFF2-40B4-BE49-F238E27FC236}">
+                <a16:creationId xmlns:a16="http://schemas.microsoft.com/office/drawing/2014/main" id="{7D5F438D-02EE-4B8C-AA3D-CB1600BE2143}"/>
+              </a:ext>
+            </a:extLst>
+          </p:cNvPr>
+          <p:cNvSpPr>
+            <a:spLocks noGrp="1"/>
+          </p:cNvSpPr>
+          <p:nvPr>
+            <p:ph type="title"/>
+          </p:nvPr>
+        </p:nvSpPr>
+        <p:spPr/>
+        <p:txBody>
+          <a:bodyPr/>
+          <a:lstStyle/>
+          <a:p>
+            <a:r>
+              <a:rPr lang="de-DE" dirty="0"/>
+              <a:t>Modell</a:t>
+            </a:r>
+          </a:p>
+        </p:txBody>
+      </p:sp>
+      <p:sp>
+        <p:nvSpPr>
+          <p:cNvPr id="3" name="Inhaltsplatzhalter 2">
+            <a:extLst>
+              <a:ext uri="{FF2B5EF4-FFF2-40B4-BE49-F238E27FC236}">
+                <a16:creationId xmlns:a16="http://schemas.microsoft.com/office/drawing/2014/main" id="{FA8F7EB6-8152-4719-BEC1-509D27718DAE}"/>
+              </a:ext>
+            </a:extLst>
+          </p:cNvPr>
+          <p:cNvSpPr>
+            <a:spLocks noGrp="1"/>
+          </p:cNvSpPr>
+          <p:nvPr>
+            <p:ph idx="1"/>
+          </p:nvPr>
+        </p:nvSpPr>
+        <p:spPr/>
+        <p:txBody>
+          <a:bodyPr/>
+          <a:lstStyle/>
+          <a:p>
+            <a:r>
+              <a:rPr lang="de-DE" sz="2400" dirty="0" err="1"/>
+              <a:t>Resource</a:t>
+            </a:r>
+            <a:r>
+              <a:rPr lang="de-DE" sz="2400" dirty="0"/>
+              <a:t> Model: Jeder Typ von </a:t>
+            </a:r>
+            <a:r>
+              <a:rPr lang="de-DE" sz="2400" dirty="0" err="1"/>
+              <a:t>Workingnode</a:t>
+            </a:r>
+            <a:r>
+              <a:rPr lang="de-DE" sz="2400" dirty="0"/>
+              <a:t> mit CPU- und I/O-Verarbeitungsrate, Job Slots und Anzahl Instanzen</a:t>
+            </a:r>
+          </a:p>
+          <a:p>
+            <a:r>
+              <a:rPr lang="de-DE" sz="2400" dirty="0"/>
+              <a:t>Usage Model: Closed Workload mit immer ausreichend Jobs und konfigurierbaren Anteil der Job Typen</a:t>
+            </a:r>
+          </a:p>
+          <a:p>
+            <a:r>
+              <a:rPr lang="de-DE" sz="2400" dirty="0"/>
+              <a:t>Allocation Model: Jeder Job kann auf jedem </a:t>
+            </a:r>
+            <a:r>
+              <a:rPr lang="de-DE" sz="2400" dirty="0" err="1"/>
+              <a:t>Node</a:t>
+            </a:r>
+            <a:r>
+              <a:rPr lang="de-DE" sz="2400" dirty="0"/>
+              <a:t> laufen</a:t>
+            </a:r>
+          </a:p>
+          <a:p>
+            <a:r>
+              <a:rPr lang="de-DE" sz="2400" dirty="0"/>
+              <a:t>System Model: Einstiegspunkt Loadbalancer der mit allen Komponenten verbunden ist</a:t>
+            </a:r>
+          </a:p>
+          <a:p>
+            <a:r>
+              <a:rPr lang="de-DE" sz="2400" dirty="0"/>
+              <a:t>Component Model: Verhalten der Jobs mit ihrem CPU- und I/O-Bedarf, Anzahl Threads, benötigte Job Slots und Anzahl der Bedarfs-Runden</a:t>
+            </a:r>
+          </a:p>
+          <a:p>
+            <a:endParaRPr lang="de-DE" dirty="0"/>
+          </a:p>
+        </p:txBody>
+      </p:sp>
+      <p:sp>
+        <p:nvSpPr>
+          <p:cNvPr id="4" name="Fußzeilenplatzhalter 3">
+            <a:extLst>
+              <a:ext uri="{FF2B5EF4-FFF2-40B4-BE49-F238E27FC236}">
+                <a16:creationId xmlns:a16="http://schemas.microsoft.com/office/drawing/2014/main" id="{3037A641-F138-48D1-9A40-1EF84FC1F1AF}"/>
+              </a:ext>
+            </a:extLst>
+          </p:cNvPr>
+          <p:cNvSpPr>
+            <a:spLocks noGrp="1"/>
+          </p:cNvSpPr>
+          <p:nvPr>
+            <p:ph type="ftr" sz="quarter" idx="10"/>
+          </p:nvPr>
+        </p:nvSpPr>
+        <p:spPr/>
+        <p:txBody>
+          <a:bodyPr/>
+          <a:lstStyle/>
+          <a:p>
+            <a:r>
+              <a:rPr lang="de-DE" dirty="0">
+                <a:latin typeface="Arial" charset="0"/>
+                <a:cs typeface="Arial" charset="0"/>
+              </a:rPr>
+              <a:t>Firnkes Patrick:</a:t>
+            </a:r>
+            <a:r>
+              <a:rPr lang="de-DE" dirty="0"/>
+              <a:t> Modellierung und Simulation von Lastverteilungsstrategien </a:t>
+            </a:r>
+            <a:endParaRPr lang="de-DE" dirty="0">
+              <a:latin typeface="Arial" charset="0"/>
+              <a:cs typeface="Arial" charset="0"/>
+            </a:endParaRPr>
+          </a:p>
+        </p:txBody>
+      </p:sp>
+      <p:grpSp>
+        <p:nvGrpSpPr>
+          <p:cNvPr id="5" name="Gruppieren 4">
+            <a:extLst>
+              <a:ext uri="{FF2B5EF4-FFF2-40B4-BE49-F238E27FC236}">
+                <a16:creationId xmlns:a16="http://schemas.microsoft.com/office/drawing/2014/main" id="{079B16AA-A3C7-4716-AFA7-F3C7E5895B35}"/>
+              </a:ext>
+            </a:extLst>
+          </p:cNvPr>
+          <p:cNvGrpSpPr/>
+          <p:nvPr/>
+        </p:nvGrpSpPr>
+        <p:grpSpPr>
+          <a:xfrm>
+            <a:off x="36000" y="6014135"/>
+            <a:ext cx="9072000" cy="306886"/>
+            <a:chOff x="3900" y="6014135"/>
+            <a:chExt cx="9072000" cy="306886"/>
+          </a:xfrm>
+        </p:grpSpPr>
+        <p:sp>
+          <p:nvSpPr>
+            <p:cNvPr id="6" name="Eingekerbter Richtungspfeil 25">
+              <a:extLst>
+                <a:ext uri="{FF2B5EF4-FFF2-40B4-BE49-F238E27FC236}">
+                  <a16:creationId xmlns:a16="http://schemas.microsoft.com/office/drawing/2014/main" id="{92BBE5E5-BE10-4967-B385-EE0A2D7C8B20}"/>
+                </a:ext>
+              </a:extLst>
+            </p:cNvPr>
+            <p:cNvSpPr/>
+            <p:nvPr/>
+          </p:nvSpPr>
+          <p:spPr>
+            <a:xfrm>
+              <a:off x="7305994" y="6103273"/>
+              <a:ext cx="158496" cy="158496"/>
+            </a:xfrm>
+            <a:prstGeom prst="chevron">
+              <a:avLst/>
+            </a:prstGeom>
+          </p:spPr>
+          <p:style>
+            <a:lnRef idx="1">
+              <a:schemeClr val="accent4"/>
+            </a:lnRef>
+            <a:fillRef idx="2">
+              <a:schemeClr val="accent4"/>
+            </a:fillRef>
+            <a:effectRef idx="1">
+              <a:schemeClr val="accent4"/>
+            </a:effectRef>
+            <a:fontRef idx="minor">
+              <a:schemeClr val="dk1"/>
+            </a:fontRef>
+          </p:style>
+          <p:txBody>
+            <a:bodyPr rtlCol="0" anchor="ctr"/>
+            <a:lstStyle/>
+            <a:p>
+              <a:pPr algn="ctr"/>
+              <a:endParaRPr lang="de-DE">
+                <a:solidFill>
+                  <a:schemeClr val="tx1"/>
+                </a:solidFill>
+              </a:endParaRPr>
+            </a:p>
+          </p:txBody>
+        </p:sp>
+        <p:grpSp>
+          <p:nvGrpSpPr>
+            <p:cNvPr id="7" name="Gruppieren 6">
+              <a:extLst>
+                <a:ext uri="{FF2B5EF4-FFF2-40B4-BE49-F238E27FC236}">
+                  <a16:creationId xmlns:a16="http://schemas.microsoft.com/office/drawing/2014/main" id="{D39639C3-4123-4F7E-AE7F-E0365EF6A241}"/>
+                </a:ext>
+              </a:extLst>
+            </p:cNvPr>
+            <p:cNvGrpSpPr/>
+            <p:nvPr/>
+          </p:nvGrpSpPr>
+          <p:grpSpPr>
+            <a:xfrm>
+              <a:off x="3900" y="6014135"/>
+              <a:ext cx="9072000" cy="306886"/>
+              <a:chOff x="3900" y="6014135"/>
+              <a:chExt cx="9072000" cy="306886"/>
+            </a:xfrm>
+          </p:grpSpPr>
+          <p:grpSp>
+            <p:nvGrpSpPr>
+              <p:cNvPr id="8" name="Gruppieren 7">
+                <a:extLst>
+                  <a:ext uri="{FF2B5EF4-FFF2-40B4-BE49-F238E27FC236}">
+                    <a16:creationId xmlns:a16="http://schemas.microsoft.com/office/drawing/2014/main" id="{C8FAF765-7C69-47D6-A4AF-6B76B6C9FF4F}"/>
+                  </a:ext>
+                </a:extLst>
+              </p:cNvPr>
+              <p:cNvGrpSpPr/>
+              <p:nvPr/>
+            </p:nvGrpSpPr>
+            <p:grpSpPr>
+              <a:xfrm>
+                <a:off x="3900" y="6014135"/>
+                <a:ext cx="9072000" cy="306886"/>
+                <a:chOff x="3900" y="6014135"/>
+                <a:chExt cx="9072000" cy="306886"/>
+              </a:xfrm>
+            </p:grpSpPr>
+            <p:sp>
+              <p:nvSpPr>
+                <p:cNvPr id="14" name="Textfeld 13">
+                  <a:extLst>
+                    <a:ext uri="{FF2B5EF4-FFF2-40B4-BE49-F238E27FC236}">
+                      <a16:creationId xmlns:a16="http://schemas.microsoft.com/office/drawing/2014/main" id="{21622E2D-7FF6-4820-B2AB-EC98998D2F07}"/>
+                    </a:ext>
+                  </a:extLst>
+                </p:cNvPr>
+                <p:cNvSpPr txBox="1"/>
+                <p:nvPr/>
+              </p:nvSpPr>
+              <p:spPr>
+                <a:xfrm>
+                  <a:off x="7514250" y="6044022"/>
+                  <a:ext cx="1495202" cy="276999"/>
+                </a:xfrm>
+                <a:prstGeom prst="rect">
+                  <a:avLst/>
+                </a:prstGeom>
+                <a:noFill/>
+                <a:ln>
+                  <a:noFill/>
+                </a:ln>
+              </p:spPr>
+              <p:style>
+                <a:lnRef idx="2">
+                  <a:schemeClr val="accent3"/>
+                </a:lnRef>
+                <a:fillRef idx="1">
+                  <a:schemeClr val="lt1"/>
+                </a:fillRef>
+                <a:effectRef idx="0">
+                  <a:schemeClr val="accent3"/>
+                </a:effectRef>
+                <a:fontRef idx="minor">
+                  <a:schemeClr val="dk1"/>
+                </a:fontRef>
+              </p:style>
+              <p:txBody>
+                <a:bodyPr wrap="square" rtlCol="0">
+                  <a:spAutoFit/>
+                </a:bodyPr>
+                <a:lstStyle/>
+                <a:p>
+                  <a:r>
+                    <a:rPr lang="de-DE" sz="1200" dirty="0"/>
+                    <a:t>Zusammenfassung</a:t>
+                  </a:r>
+                </a:p>
+              </p:txBody>
+            </p:sp>
+            <p:sp>
+              <p:nvSpPr>
+                <p:cNvPr id="15" name="Textfeld 14">
+                  <a:extLst>
+                    <a:ext uri="{FF2B5EF4-FFF2-40B4-BE49-F238E27FC236}">
+                      <a16:creationId xmlns:a16="http://schemas.microsoft.com/office/drawing/2014/main" id="{06FF5048-8AC6-472A-953D-192692AB03CE}"/>
+                    </a:ext>
+                  </a:extLst>
+                </p:cNvPr>
+                <p:cNvSpPr txBox="1"/>
+                <p:nvPr/>
+              </p:nvSpPr>
+              <p:spPr>
+                <a:xfrm>
+                  <a:off x="97091" y="6044022"/>
+                  <a:ext cx="1029065" cy="276999"/>
+                </a:xfrm>
+                <a:prstGeom prst="rect">
+                  <a:avLst/>
+                </a:prstGeom>
+                <a:noFill/>
+                <a:ln>
+                  <a:noFill/>
+                </a:ln>
+              </p:spPr>
+              <p:style>
+                <a:lnRef idx="2">
+                  <a:schemeClr val="accent3"/>
+                </a:lnRef>
+                <a:fillRef idx="1">
+                  <a:schemeClr val="lt1"/>
+                </a:fillRef>
+                <a:effectRef idx="0">
+                  <a:schemeClr val="accent3"/>
+                </a:effectRef>
+                <a:fontRef idx="minor">
+                  <a:schemeClr val="dk1"/>
+                </a:fontRef>
+              </p:style>
+              <p:txBody>
+                <a:bodyPr wrap="square" rtlCol="0">
+                  <a:spAutoFit/>
+                </a:bodyPr>
+                <a:lstStyle/>
+                <a:p>
+                  <a:r>
+                    <a:rPr lang="en-US" sz="1200" dirty="0"/>
+                    <a:t>Motivation</a:t>
+                  </a:r>
+                </a:p>
+              </p:txBody>
+            </p:sp>
+            <p:sp>
+              <p:nvSpPr>
+                <p:cNvPr id="16" name="Eingekerbter Richtungspfeil 23">
+                  <a:extLst>
+                    <a:ext uri="{FF2B5EF4-FFF2-40B4-BE49-F238E27FC236}">
+                      <a16:creationId xmlns:a16="http://schemas.microsoft.com/office/drawing/2014/main" id="{15F90BFB-13BA-4AC5-967E-49C4C4305724}"/>
+                    </a:ext>
+                  </a:extLst>
+                </p:cNvPr>
+                <p:cNvSpPr/>
+                <p:nvPr/>
+              </p:nvSpPr>
+              <p:spPr>
+                <a:xfrm>
+                  <a:off x="1175920" y="6103273"/>
+                  <a:ext cx="158496" cy="158496"/>
+                </a:xfrm>
+                <a:prstGeom prst="chevron">
+                  <a:avLst/>
+                </a:prstGeom>
+              </p:spPr>
+              <p:style>
+                <a:lnRef idx="1">
+                  <a:schemeClr val="accent4"/>
+                </a:lnRef>
+                <a:fillRef idx="2">
+                  <a:schemeClr val="accent4"/>
+                </a:fillRef>
+                <a:effectRef idx="1">
+                  <a:schemeClr val="accent4"/>
+                </a:effectRef>
+                <a:fontRef idx="minor">
+                  <a:schemeClr val="dk1"/>
+                </a:fontRef>
+              </p:style>
+              <p:txBody>
+                <a:bodyPr rtlCol="0" anchor="ctr"/>
+                <a:lstStyle/>
+                <a:p>
+                  <a:pPr algn="ctr"/>
+                  <a:endParaRPr lang="de-DE" dirty="0">
+                    <a:solidFill>
+                      <a:schemeClr val="tx1"/>
+                    </a:solidFill>
+                  </a:endParaRPr>
+                </a:p>
+              </p:txBody>
+            </p:sp>
+            <p:sp>
+              <p:nvSpPr>
+                <p:cNvPr id="17" name="Eingekerbter Richtungspfeil 25">
+                  <a:extLst>
+                    <a:ext uri="{FF2B5EF4-FFF2-40B4-BE49-F238E27FC236}">
+                      <a16:creationId xmlns:a16="http://schemas.microsoft.com/office/drawing/2014/main" id="{01D20108-091D-423F-9B8E-326A928FB093}"/>
+                    </a:ext>
+                  </a:extLst>
+                </p:cNvPr>
+                <p:cNvSpPr/>
+                <p:nvPr/>
+              </p:nvSpPr>
+              <p:spPr>
+                <a:xfrm>
+                  <a:off x="5030588" y="6103273"/>
+                  <a:ext cx="158496" cy="158496"/>
+                </a:xfrm>
+                <a:prstGeom prst="chevron">
+                  <a:avLst/>
+                </a:prstGeom>
+              </p:spPr>
+              <p:style>
+                <a:lnRef idx="1">
+                  <a:schemeClr val="accent4"/>
+                </a:lnRef>
+                <a:fillRef idx="2">
+                  <a:schemeClr val="accent4"/>
+                </a:fillRef>
+                <a:effectRef idx="1">
+                  <a:schemeClr val="accent4"/>
+                </a:effectRef>
+                <a:fontRef idx="minor">
+                  <a:schemeClr val="dk1"/>
+                </a:fontRef>
+              </p:style>
+              <p:txBody>
+                <a:bodyPr rtlCol="0" anchor="ctr"/>
+                <a:lstStyle/>
+                <a:p>
+                  <a:pPr algn="ctr"/>
+                  <a:endParaRPr lang="de-DE" dirty="0">
+                    <a:solidFill>
+                      <a:schemeClr val="tx1"/>
+                    </a:solidFill>
+                  </a:endParaRPr>
+                </a:p>
+              </p:txBody>
+            </p:sp>
+            <p:cxnSp>
+              <p:nvCxnSpPr>
+                <p:cNvPr id="18" name="Gerade Verbindung 28">
+                  <a:extLst>
+                    <a:ext uri="{FF2B5EF4-FFF2-40B4-BE49-F238E27FC236}">
+                      <a16:creationId xmlns:a16="http://schemas.microsoft.com/office/drawing/2014/main" id="{98272423-C4A9-4BA9-B895-F58796DA90DF}"/>
+                    </a:ext>
+                  </a:extLst>
+                </p:cNvPr>
+                <p:cNvCxnSpPr/>
+                <p:nvPr/>
+              </p:nvCxnSpPr>
+              <p:spPr>
+                <a:xfrm>
+                  <a:off x="3900" y="6014135"/>
+                  <a:ext cx="9072000" cy="1588"/>
+                </a:xfrm>
+                <a:prstGeom prst="line">
+                  <a:avLst/>
+                </a:prstGeom>
+                <a:ln w="41275">
+                  <a:solidFill>
+                    <a:schemeClr val="accent3">
+                      <a:lumMod val="85000"/>
+                    </a:schemeClr>
+                  </a:solidFill>
+                </a:ln>
+              </p:spPr>
+              <p:style>
+                <a:lnRef idx="1">
+                  <a:schemeClr val="accent1"/>
+                </a:lnRef>
+                <a:fillRef idx="0">
+                  <a:schemeClr val="accent1"/>
+                </a:fillRef>
+                <a:effectRef idx="0">
+                  <a:schemeClr val="accent1"/>
+                </a:effectRef>
+                <a:fontRef idx="minor">
+                  <a:schemeClr val="tx1"/>
+                </a:fontRef>
+              </p:style>
+            </p:cxnSp>
+            <p:sp>
+              <p:nvSpPr>
+                <p:cNvPr id="19" name="Textfeld 18">
+                  <a:extLst>
+                    <a:ext uri="{FF2B5EF4-FFF2-40B4-BE49-F238E27FC236}">
+                      <a16:creationId xmlns:a16="http://schemas.microsoft.com/office/drawing/2014/main" id="{90C7514D-F98C-4672-92A9-251DD8ADC5B5}"/>
+                    </a:ext>
+                  </a:extLst>
+                </p:cNvPr>
+                <p:cNvSpPr txBox="1"/>
+                <p:nvPr/>
+              </p:nvSpPr>
+              <p:spPr>
+                <a:xfrm>
+                  <a:off x="2898316" y="6044022"/>
+                  <a:ext cx="1097616" cy="276999"/>
+                </a:xfrm>
+                <a:prstGeom prst="rect">
+                  <a:avLst/>
+                </a:prstGeom>
+                <a:noFill/>
+                <a:ln>
+                  <a:noFill/>
+                </a:ln>
+              </p:spPr>
+              <p:style>
+                <a:lnRef idx="2">
+                  <a:schemeClr val="accent3"/>
+                </a:lnRef>
+                <a:fillRef idx="1">
+                  <a:schemeClr val="lt1"/>
+                </a:fillRef>
+                <a:effectRef idx="0">
+                  <a:schemeClr val="accent3"/>
+                </a:effectRef>
+                <a:fontRef idx="minor">
+                  <a:schemeClr val="dk1"/>
+                </a:fontRef>
+              </p:style>
+              <p:txBody>
+                <a:bodyPr wrap="square" rtlCol="0">
+                  <a:spAutoFit/>
+                </a:bodyPr>
+                <a:lstStyle/>
+                <a:p>
+                  <a:r>
+                    <a:rPr lang="de-DE" sz="1200" dirty="0"/>
+                    <a:t>Meilensteine</a:t>
+                  </a:r>
+                </a:p>
+              </p:txBody>
+            </p:sp>
+            <p:sp>
+              <p:nvSpPr>
+                <p:cNvPr id="20" name="Textfeld 19">
+                  <a:extLst>
+                    <a:ext uri="{FF2B5EF4-FFF2-40B4-BE49-F238E27FC236}">
+                      <a16:creationId xmlns:a16="http://schemas.microsoft.com/office/drawing/2014/main" id="{F0391E2F-A26E-4EDB-B27B-FD7A230AFE3E}"/>
+                    </a:ext>
+                  </a:extLst>
+                </p:cNvPr>
+                <p:cNvSpPr txBox="1"/>
+                <p:nvPr/>
+              </p:nvSpPr>
+              <p:spPr>
+                <a:xfrm>
+                  <a:off x="1384180" y="6044022"/>
+                  <a:ext cx="1305876" cy="276999"/>
+                </a:xfrm>
+                <a:prstGeom prst="rect">
+                  <a:avLst/>
+                </a:prstGeom>
+                <a:noFill/>
+                <a:ln>
+                  <a:noFill/>
+                </a:ln>
+              </p:spPr>
+              <p:style>
+                <a:lnRef idx="2">
+                  <a:schemeClr val="accent3"/>
+                </a:lnRef>
+                <a:fillRef idx="1">
+                  <a:schemeClr val="lt1"/>
+                </a:fillRef>
+                <a:effectRef idx="0">
+                  <a:schemeClr val="accent3"/>
+                </a:effectRef>
+                <a:fontRef idx="minor">
+                  <a:schemeClr val="dk1"/>
+                </a:fontRef>
+              </p:style>
+              <p:txBody>
+                <a:bodyPr wrap="square" rtlCol="0">
+                  <a:spAutoFit/>
+                </a:bodyPr>
+                <a:lstStyle/>
+                <a:p>
+                  <a:r>
+                    <a:rPr lang="de-DE" sz="1200" dirty="0"/>
+                    <a:t>State of the Art</a:t>
+                  </a:r>
+                </a:p>
+              </p:txBody>
+            </p:sp>
+            <p:sp>
+              <p:nvSpPr>
+                <p:cNvPr id="21" name="Eingekerbter Richtungspfeil 25">
+                  <a:extLst>
+                    <a:ext uri="{FF2B5EF4-FFF2-40B4-BE49-F238E27FC236}">
+                      <a16:creationId xmlns:a16="http://schemas.microsoft.com/office/drawing/2014/main" id="{1421C615-4A44-4075-9AAB-24AEE20EA201}"/>
+                    </a:ext>
+                  </a:extLst>
+                </p:cNvPr>
+                <p:cNvSpPr/>
+                <p:nvPr/>
+              </p:nvSpPr>
+              <p:spPr>
+                <a:xfrm>
+                  <a:off x="2690056" y="6103273"/>
+                  <a:ext cx="158496" cy="158496"/>
+                </a:xfrm>
+                <a:prstGeom prst="chevron">
+                  <a:avLst/>
+                </a:prstGeom>
+              </p:spPr>
+              <p:style>
+                <a:lnRef idx="1">
+                  <a:schemeClr val="accent4"/>
+                </a:lnRef>
+                <a:fillRef idx="2">
+                  <a:schemeClr val="accent4"/>
+                </a:fillRef>
+                <a:effectRef idx="1">
+                  <a:schemeClr val="accent4"/>
+                </a:effectRef>
+                <a:fontRef idx="minor">
+                  <a:schemeClr val="dk1"/>
+                </a:fontRef>
+              </p:style>
+              <p:txBody>
+                <a:bodyPr rtlCol="0" anchor="ctr"/>
+                <a:lstStyle/>
+                <a:p>
+                  <a:pPr algn="ctr"/>
+                  <a:endParaRPr lang="de-DE">
+                    <a:solidFill>
+                      <a:schemeClr val="tx1"/>
+                    </a:solidFill>
+                  </a:endParaRPr>
+                </a:p>
+              </p:txBody>
+            </p:sp>
+          </p:grpSp>
+          <p:sp>
+            <p:nvSpPr>
+              <p:cNvPr id="9" name="Textfeld 8">
+                <a:extLst>
+                  <a:ext uri="{FF2B5EF4-FFF2-40B4-BE49-F238E27FC236}">
+                    <a16:creationId xmlns:a16="http://schemas.microsoft.com/office/drawing/2014/main" id="{3EED3795-2BF3-4481-8967-881134110E69}"/>
+                  </a:ext>
+                </a:extLst>
+              </p:cNvPr>
+              <p:cNvSpPr txBox="1"/>
+              <p:nvPr/>
+            </p:nvSpPr>
+            <p:spPr>
+              <a:xfrm>
+                <a:off x="4235173" y="6044022"/>
+                <a:ext cx="745651" cy="276999"/>
+              </a:xfrm>
+              <a:prstGeom prst="rect">
+                <a:avLst/>
+              </a:prstGeom>
+              <a:noFill/>
+              <a:ln>
+                <a:noFill/>
+              </a:ln>
+            </p:spPr>
+            <p:style>
+              <a:lnRef idx="2">
+                <a:schemeClr val="accent3"/>
+              </a:lnRef>
+              <a:fillRef idx="1">
+                <a:schemeClr val="lt1"/>
+              </a:fillRef>
+              <a:effectRef idx="0">
+                <a:schemeClr val="accent3"/>
+              </a:effectRef>
+              <a:fontRef idx="minor">
+                <a:schemeClr val="dk1"/>
+              </a:fontRef>
+            </p:style>
+            <p:txBody>
+              <a:bodyPr wrap="square" rtlCol="0">
+                <a:spAutoFit/>
+              </a:bodyPr>
+              <a:lstStyle/>
+              <a:p>
+                <a:r>
+                  <a:rPr lang="de-DE" sz="1200" b="1" dirty="0"/>
+                  <a:t>Modell</a:t>
+                </a:r>
+              </a:p>
+            </p:txBody>
+          </p:sp>
+          <p:sp>
+            <p:nvSpPr>
+              <p:cNvPr id="10" name="Textfeld 9">
+                <a:extLst>
+                  <a:ext uri="{FF2B5EF4-FFF2-40B4-BE49-F238E27FC236}">
+                    <a16:creationId xmlns:a16="http://schemas.microsoft.com/office/drawing/2014/main" id="{481EF124-1A22-4DBD-805B-A1221281D723}"/>
+                  </a:ext>
+                </a:extLst>
+              </p:cNvPr>
+              <p:cNvSpPr txBox="1"/>
+              <p:nvPr/>
+            </p:nvSpPr>
+            <p:spPr>
+              <a:xfrm>
+                <a:off x="5238848" y="6044022"/>
+                <a:ext cx="999624" cy="276999"/>
+              </a:xfrm>
+              <a:prstGeom prst="rect">
+                <a:avLst/>
+              </a:prstGeom>
+              <a:noFill/>
+              <a:ln>
+                <a:noFill/>
+              </a:ln>
+            </p:spPr>
+            <p:style>
+              <a:lnRef idx="2">
+                <a:schemeClr val="accent3"/>
+              </a:lnRef>
+              <a:fillRef idx="1">
+                <a:schemeClr val="lt1"/>
+              </a:fillRef>
+              <a:effectRef idx="0">
+                <a:schemeClr val="accent3"/>
+              </a:effectRef>
+              <a:fontRef idx="minor">
+                <a:schemeClr val="dk1"/>
+              </a:fontRef>
+            </p:style>
+            <p:txBody>
+              <a:bodyPr wrap="square" rtlCol="0">
+                <a:spAutoFit/>
+              </a:bodyPr>
+              <a:lstStyle/>
+              <a:p>
+                <a:r>
+                  <a:rPr lang="de-DE" sz="1200" dirty="0"/>
+                  <a:t>Validierung</a:t>
+                </a:r>
+              </a:p>
+            </p:txBody>
+          </p:sp>
+          <p:sp>
+            <p:nvSpPr>
+              <p:cNvPr id="11" name="Eingekerbter Richtungspfeil 25">
+                <a:extLst>
+                  <a:ext uri="{FF2B5EF4-FFF2-40B4-BE49-F238E27FC236}">
+                    <a16:creationId xmlns:a16="http://schemas.microsoft.com/office/drawing/2014/main" id="{E9209ABC-9A1E-4A2A-8BB4-F35E60079AB1}"/>
+                  </a:ext>
+                </a:extLst>
+              </p:cNvPr>
+              <p:cNvSpPr/>
+              <p:nvPr/>
+            </p:nvSpPr>
+            <p:spPr>
+              <a:xfrm>
+                <a:off x="6288236" y="6103273"/>
+                <a:ext cx="158496" cy="158496"/>
+              </a:xfrm>
+              <a:prstGeom prst="chevron">
+                <a:avLst/>
+              </a:prstGeom>
+            </p:spPr>
+            <p:style>
+              <a:lnRef idx="1">
+                <a:schemeClr val="accent4"/>
+              </a:lnRef>
+              <a:fillRef idx="2">
+                <a:schemeClr val="accent4"/>
+              </a:fillRef>
+              <a:effectRef idx="1">
+                <a:schemeClr val="accent4"/>
+              </a:effectRef>
+              <a:fontRef idx="minor">
+                <a:schemeClr val="dk1"/>
+              </a:fontRef>
+            </p:style>
+            <p:txBody>
+              <a:bodyPr rtlCol="0" anchor="ctr"/>
+              <a:lstStyle/>
+              <a:p>
+                <a:pPr algn="ctr"/>
+                <a:endParaRPr lang="de-DE">
+                  <a:solidFill>
+                    <a:schemeClr val="tx1"/>
+                  </a:solidFill>
+                </a:endParaRPr>
+              </a:p>
+            </p:txBody>
+          </p:sp>
+          <p:sp>
+            <p:nvSpPr>
+              <p:cNvPr id="12" name="Textfeld 11">
+                <a:extLst>
+                  <a:ext uri="{FF2B5EF4-FFF2-40B4-BE49-F238E27FC236}">
+                    <a16:creationId xmlns:a16="http://schemas.microsoft.com/office/drawing/2014/main" id="{C609AFDE-F6E4-4DAF-9F2D-0295EBCD0AD0}"/>
+                  </a:ext>
+                </a:extLst>
+              </p:cNvPr>
+              <p:cNvSpPr txBox="1"/>
+              <p:nvPr/>
+            </p:nvSpPr>
+            <p:spPr>
+              <a:xfrm>
+                <a:off x="6496496" y="6044022"/>
+                <a:ext cx="759734" cy="276999"/>
+              </a:xfrm>
+              <a:prstGeom prst="rect">
+                <a:avLst/>
+              </a:prstGeom>
+              <a:noFill/>
+              <a:ln>
+                <a:noFill/>
+              </a:ln>
+            </p:spPr>
+            <p:style>
+              <a:lnRef idx="2">
+                <a:schemeClr val="accent3"/>
+              </a:lnRef>
+              <a:fillRef idx="1">
+                <a:schemeClr val="lt1"/>
+              </a:fillRef>
+              <a:effectRef idx="0">
+                <a:schemeClr val="accent3"/>
+              </a:effectRef>
+              <a:fontRef idx="minor">
+                <a:schemeClr val="dk1"/>
+              </a:fontRef>
+            </p:style>
+            <p:txBody>
+              <a:bodyPr wrap="square" rtlCol="0">
+                <a:spAutoFit/>
+              </a:bodyPr>
+              <a:lstStyle/>
+              <a:p>
+                <a:r>
+                  <a:rPr lang="de-DE" sz="1200" dirty="0"/>
+                  <a:t>Ausblick</a:t>
+                </a:r>
+              </a:p>
+            </p:txBody>
+          </p:sp>
+          <p:sp>
+            <p:nvSpPr>
+              <p:cNvPr id="13" name="Eingekerbter Richtungspfeil 25">
+                <a:extLst>
+                  <a:ext uri="{FF2B5EF4-FFF2-40B4-BE49-F238E27FC236}">
+                    <a16:creationId xmlns:a16="http://schemas.microsoft.com/office/drawing/2014/main" id="{C535ECFB-8784-4FC1-A500-A8CA4988F1EF}"/>
+                  </a:ext>
+                </a:extLst>
+              </p:cNvPr>
+              <p:cNvSpPr/>
+              <p:nvPr/>
+            </p:nvSpPr>
+            <p:spPr>
+              <a:xfrm>
+                <a:off x="4026913" y="6103273"/>
+                <a:ext cx="158496" cy="158496"/>
+              </a:xfrm>
+              <a:prstGeom prst="chevron">
+                <a:avLst/>
+              </a:prstGeom>
+            </p:spPr>
+            <p:style>
+              <a:lnRef idx="1">
+                <a:schemeClr val="accent4"/>
+              </a:lnRef>
+              <a:fillRef idx="2">
+                <a:schemeClr val="accent4"/>
+              </a:fillRef>
+              <a:effectRef idx="1">
+                <a:schemeClr val="accent4"/>
+              </a:effectRef>
+              <a:fontRef idx="minor">
+                <a:schemeClr val="dk1"/>
+              </a:fontRef>
+            </p:style>
+            <p:txBody>
+              <a:bodyPr rtlCol="0" anchor="ctr"/>
+              <a:lstStyle/>
+              <a:p>
+                <a:pPr algn="ctr"/>
+                <a:endParaRPr lang="de-DE">
+                  <a:solidFill>
+                    <a:schemeClr val="tx1"/>
+                  </a:solidFill>
+                </a:endParaRPr>
+              </a:p>
+            </p:txBody>
+          </p:sp>
+        </p:grpSp>
+      </p:grpSp>
+    </p:spTree>
+    <p:extLst>
+      <p:ext uri="{BB962C8B-B14F-4D97-AF65-F5344CB8AC3E}">
+        <p14:creationId xmlns:p14="http://schemas.microsoft.com/office/powerpoint/2010/main" val="3851641745"/>
+      </p:ext>
+    </p:extLst>
+  </p:cSld>
+  <p:clrMapOvr>
+    <a:masterClrMapping/>
+  </p:clrMapOvr>
+</p:sld>
+</file>
+
 <file path=ppt/slides/slide4.xml><?xml version="1.0" encoding="utf-8"?>
 <p:sld xmlns:a="http://schemas.openxmlformats.org/drawingml/2006/main" xmlns:r="http://schemas.openxmlformats.org/officeDocument/2006/relationships" xmlns:p="http://schemas.openxmlformats.org/presentationml/2006/main">
   <p:cSld>
@@ -30643,7 +30652,7 @@
           <a:p>
             <a:r>
               <a:rPr lang="de-DE" sz="2400" dirty="0"/>
-              <a:t>Schon für jetzige Ressourcen ist effizientes</a:t>
+              <a:t>Für jetzige Ressourcen ist effizientes</a:t>
             </a:r>
           </a:p>
           <a:p>
@@ -30700,7 +30709,7 @@
             <a:pPr lvl="2"/>
             <a:r>
               <a:rPr lang="de-DE" sz="1600" dirty="0"/>
-              <a:t>Weniger Zentren Hosten Daten</a:t>
+              <a:t>Weniger Zentren hosten Daten</a:t>
             </a:r>
           </a:p>
           <a:p>
@@ -30708,27 +30717,12 @@
             <a:r>
               <a:rPr lang="de-DE" sz="1600" dirty="0"/>
               <a:t>Mehr Remote Zugriff</a:t>
-            </a:r>
-          </a:p>
-          <a:p>
-            <a:pPr marL="885675" lvl="2" indent="0">
-              <a:buNone/>
-            </a:pPr>
-            <a:endParaRPr lang="de-DE" sz="1600" dirty="0"/>
-          </a:p>
-          <a:p>
-            <a:r>
-              <a:rPr lang="de-DE" sz="2400" dirty="0"/>
-              <a:t>Idee: Simulation der Auslastung für verschiedene Lastverteilungsstrategien </a:t>
             </a:r>
           </a:p>
           <a:p>
             <a:pPr marL="0" indent="0">
               <a:buNone/>
             </a:pPr>
-            <a:endParaRPr lang="de-DE" sz="2400" dirty="0"/>
-          </a:p>
-          <a:p>
             <a:endParaRPr lang="de-DE" dirty="0"/>
           </a:p>
           <a:p>
@@ -31519,7 +31513,7 @@
               <a:p>
                 <a:r>
                   <a:rPr lang="de-DE" sz="1200" dirty="0"/>
-                  <a:t>Outlook</a:t>
+                  <a:t>Ausblick</a:t>
                 </a:r>
               </a:p>
             </p:txBody>
@@ -32502,7 +32496,7 @@
               <a:p>
                 <a:r>
                   <a:rPr lang="de-DE" sz="1200" dirty="0"/>
-                  <a:t>Outlook</a:t>
+                  <a:t>Ausblick</a:t>
                 </a:r>
               </a:p>
             </p:txBody>
@@ -33477,7 +33471,7 @@
               <a:p>
                 <a:r>
                   <a:rPr lang="de-DE" sz="1200" dirty="0"/>
-                  <a:t>Outlook</a:t>
+                  <a:t>Ausblick</a:t>
                 </a:r>
               </a:p>
             </p:txBody>
@@ -34448,7 +34442,7 @@
               <a:p>
                 <a:r>
                   <a:rPr lang="de-DE" sz="1200" dirty="0"/>
-                  <a:t>Outlook</a:t>
+                  <a:t>Ausblick</a:t>
                 </a:r>
               </a:p>
             </p:txBody>
@@ -35415,7 +35409,7 @@
               <a:p>
                 <a:r>
                   <a:rPr lang="de-DE" sz="1200" dirty="0"/>
-                  <a:t>Outlook</a:t>
+                  <a:t>Ausblick</a:t>
                 </a:r>
               </a:p>
             </p:txBody>
@@ -36378,7 +36372,7 @@
               <a:p>
                 <a:r>
                   <a:rPr lang="de-DE" sz="1200" dirty="0"/>
-                  <a:t>Outlook</a:t>
+                  <a:t>Ausblick</a:t>
                 </a:r>
               </a:p>
             </p:txBody>

--- a/presentations/abschluss.pptx
+++ b/presentations/abschluss.pptx
@@ -10256,16 +10256,17 @@
           <a:p>
             <a:r>
               <a:rPr lang="de-DE" dirty="0"/>
-              <a:t>Nicht nutzbar da wir benötigtes </a:t>
+              <a:t>Nicht anwendbar wegen benötigtem </a:t>
             </a:r>
             <a:r>
               <a:rPr lang="de-DE" dirty="0" err="1"/>
               <a:t>Runtime</a:t>
             </a:r>
             <a:r>
-              <a:rPr lang="de-DE" dirty="0"/>
-              <a:t> Toolkit nicht haben</a:t>
-            </a:r>
+              <a:rPr lang="de-DE"/>
+              <a:t> Toolkit</a:t>
+            </a:r>
+            <a:endParaRPr lang="de-DE" dirty="0"/>
           </a:p>
           <a:p>
             <a:pPr marL="0" indent="0">
@@ -22365,7 +22366,7 @@
           <a:graphicData uri="http://schemas.openxmlformats.org/presentationml/2006/ole">
             <mc:AlternateContent xmlns:mc="http://schemas.openxmlformats.org/markup-compatibility/2006">
               <mc:Choice xmlns:v="urn:schemas-microsoft-com:vml" Requires="v">
-                <p:oleObj spid="_x0000_s1064" name="Acrobat Document" r:id="rId4" imgW="3771599" imgH="2400071" progId="AcroExch.Document.DC">
+                <p:oleObj spid="_x0000_s1067" name="Acrobat Document" r:id="rId4" imgW="3771599" imgH="2400071" progId="AcroExch.Document.DC">
                   <p:embed/>
                 </p:oleObj>
               </mc:Choice>
@@ -23308,7 +23309,7 @@
           <a:graphicData uri="http://schemas.openxmlformats.org/presentationml/2006/ole">
             <mc:AlternateContent xmlns:mc="http://schemas.openxmlformats.org/markup-compatibility/2006">
               <mc:Choice xmlns:v="urn:schemas-microsoft-com:vml" Requires="v">
-                <p:oleObj spid="_x0000_s2088" name="Acrobat Document" r:id="rId4" imgW="3771599" imgH="2400071" progId="AcroExch.Document.DC">
+                <p:oleObj spid="_x0000_s2091" name="Acrobat Document" r:id="rId4" imgW="3771599" imgH="2400071" progId="AcroExch.Document.DC">
                   <p:embed/>
                 </p:oleObj>
               </mc:Choice>
